--- a/Automated Attendance System – By AI.pptx
+++ b/Automated Attendance System – By AI.pptx
@@ -4,6 +4,9 @@
   <p:sldMasterIdLst>
     <p:sldMasterId id="2147483648" r:id="rId1"/>
   </p:sldMasterIdLst>
+  <p:notesMasterIdLst>
+    <p:notesMasterId r:id="rId16"/>
+  </p:notesMasterIdLst>
   <p:sldIdLst>
     <p:sldId id="256" r:id="rId2"/>
     <p:sldId id="257" r:id="rId3"/>
@@ -12,7 +15,13 @@
     <p:sldId id="260" r:id="rId6"/>
     <p:sldId id="262" r:id="rId7"/>
     <p:sldId id="263" r:id="rId8"/>
-    <p:sldId id="261" r:id="rId9"/>
+    <p:sldId id="264" r:id="rId9"/>
+    <p:sldId id="265" r:id="rId10"/>
+    <p:sldId id="266" r:id="rId11"/>
+    <p:sldId id="268" r:id="rId12"/>
+    <p:sldId id="269" r:id="rId13"/>
+    <p:sldId id="270" r:id="rId14"/>
+    <p:sldId id="271" r:id="rId15"/>
   </p:sldIdLst>
   <p:sldSz cx="9144000" cy="6858000" type="screen4x3"/>
   <p:notesSz cx="6858000" cy="9144000"/>
@@ -111,7 +120,460 @@
       </a:defRPr>
     </a:lvl9pPr>
   </p:defaultTextStyle>
+  <p:extLst>
+    <p:ext uri="{EFAFB233-063F-42B5-8137-9DF3F51BA10A}">
+      <p15:sldGuideLst xmlns="" xmlns:p15="http://schemas.microsoft.com/office/powerpoint/2012/main">
+        <p15:guide id="1" orient="horz" pos="2160">
+          <p15:clr>
+            <a:srgbClr val="A4A3A4"/>
+          </p15:clr>
+        </p15:guide>
+        <p15:guide id="2" pos="2880">
+          <p15:clr>
+            <a:srgbClr val="A4A3A4"/>
+          </p15:clr>
+        </p15:guide>
+      </p15:sldGuideLst>
+    </p:ext>
+  </p:extLst>
 </p:presentation>
+</file>
+
+<file path=ppt/notesMasters/notesMaster1.xml><?xml version="1.0" encoding="utf-8"?>
+<p:notesMaster xmlns:a="http://schemas.openxmlformats.org/drawingml/2006/main" xmlns:r="http://schemas.openxmlformats.org/officeDocument/2006/relationships" xmlns:p="http://schemas.openxmlformats.org/presentationml/2006/main">
+  <p:cSld>
+    <p:bg>
+      <p:bgRef idx="1001">
+        <a:schemeClr val="bg1"/>
+      </p:bgRef>
+    </p:bg>
+    <p:spTree>
+      <p:nvGrpSpPr>
+        <p:cNvPr id="1" name=""/>
+        <p:cNvGrpSpPr/>
+        <p:nvPr/>
+      </p:nvGrpSpPr>
+      <p:grpSpPr>
+        <a:xfrm>
+          <a:off x="0" y="0"/>
+          <a:ext cx="0" cy="0"/>
+          <a:chOff x="0" y="0"/>
+          <a:chExt cx="0" cy="0"/>
+        </a:xfrm>
+      </p:grpSpPr>
+      <p:sp>
+        <p:nvSpPr>
+          <p:cNvPr id="2" name="Header Placeholder 1"/>
+          <p:cNvSpPr>
+            <a:spLocks noGrp="1"/>
+          </p:cNvSpPr>
+          <p:nvPr>
+            <p:ph type="hdr" sz="quarter"/>
+          </p:nvPr>
+        </p:nvSpPr>
+        <p:spPr>
+          <a:xfrm>
+            <a:off x="0" y="0"/>
+            <a:ext cx="2971800" cy="458788"/>
+          </a:xfrm>
+          <a:prstGeom prst="rect">
+            <a:avLst/>
+          </a:prstGeom>
+        </p:spPr>
+        <p:txBody>
+          <a:bodyPr vert="horz" lIns="91440" tIns="45720" rIns="91440" bIns="45720" rtlCol="0"/>
+          <a:lstStyle>
+            <a:lvl1pPr algn="l">
+              <a:defRPr sz="1200"/>
+            </a:lvl1pPr>
+          </a:lstStyle>
+          <a:p>
+            <a:endParaRPr lang="en-US"/>
+          </a:p>
+        </p:txBody>
+      </p:sp>
+      <p:sp>
+        <p:nvSpPr>
+          <p:cNvPr id="3" name="Date Placeholder 2"/>
+          <p:cNvSpPr>
+            <a:spLocks noGrp="1"/>
+          </p:cNvSpPr>
+          <p:nvPr>
+            <p:ph type="dt" idx="1"/>
+          </p:nvPr>
+        </p:nvSpPr>
+        <p:spPr>
+          <a:xfrm>
+            <a:off x="3884613" y="0"/>
+            <a:ext cx="2971800" cy="458788"/>
+          </a:xfrm>
+          <a:prstGeom prst="rect">
+            <a:avLst/>
+          </a:prstGeom>
+        </p:spPr>
+        <p:txBody>
+          <a:bodyPr vert="horz" lIns="91440" tIns="45720" rIns="91440" bIns="45720" rtlCol="0"/>
+          <a:lstStyle>
+            <a:lvl1pPr algn="r">
+              <a:defRPr sz="1200"/>
+            </a:lvl1pPr>
+          </a:lstStyle>
+          <a:p>
+            <a:fld id="{24FB44D1-07B6-4839-B46D-C6574D0A3325}" type="datetimeFigureOut">
+              <a:rPr lang="en-US" smtClean="0"/>
+              <a:pPr/>
+              <a:t>20-Dec-19</a:t>
+            </a:fld>
+            <a:endParaRPr lang="en-US"/>
+          </a:p>
+        </p:txBody>
+      </p:sp>
+      <p:sp>
+        <p:nvSpPr>
+          <p:cNvPr id="4" name="Slide Image Placeholder 3"/>
+          <p:cNvSpPr>
+            <a:spLocks noGrp="1" noRot="1" noChangeAspect="1"/>
+          </p:cNvSpPr>
+          <p:nvPr>
+            <p:ph type="sldImg" idx="2"/>
+          </p:nvPr>
+        </p:nvSpPr>
+        <p:spPr>
+          <a:xfrm>
+            <a:off x="1371600" y="1143000"/>
+            <a:ext cx="4114800" cy="3086100"/>
+          </a:xfrm>
+          <a:prstGeom prst="rect">
+            <a:avLst/>
+          </a:prstGeom>
+          <a:noFill/>
+          <a:ln w="12700">
+            <a:solidFill>
+              <a:prstClr val="black"/>
+            </a:solidFill>
+          </a:ln>
+        </p:spPr>
+        <p:txBody>
+          <a:bodyPr vert="horz" lIns="91440" tIns="45720" rIns="91440" bIns="45720" rtlCol="0" anchor="ctr"/>
+          <a:lstStyle/>
+          <a:p>
+            <a:endParaRPr lang="en-US"/>
+          </a:p>
+        </p:txBody>
+      </p:sp>
+      <p:sp>
+        <p:nvSpPr>
+          <p:cNvPr id="5" name="Notes Placeholder 4"/>
+          <p:cNvSpPr>
+            <a:spLocks noGrp="1"/>
+          </p:cNvSpPr>
+          <p:nvPr>
+            <p:ph type="body" sz="quarter" idx="3"/>
+          </p:nvPr>
+        </p:nvSpPr>
+        <p:spPr>
+          <a:xfrm>
+            <a:off x="685800" y="4400550"/>
+            <a:ext cx="5486400" cy="3600450"/>
+          </a:xfrm>
+          <a:prstGeom prst="rect">
+            <a:avLst/>
+          </a:prstGeom>
+        </p:spPr>
+        <p:txBody>
+          <a:bodyPr vert="horz" lIns="91440" tIns="45720" rIns="91440" bIns="45720" rtlCol="0"/>
+          <a:lstStyle/>
+          <a:p>
+            <a:pPr lvl="0"/>
+            <a:r>
+              <a:rPr lang="en-US" smtClean="0"/>
+              <a:t>Click to edit Master text styles</a:t>
+            </a:r>
+          </a:p>
+          <a:p>
+            <a:pPr lvl="1"/>
+            <a:r>
+              <a:rPr lang="en-US" smtClean="0"/>
+              <a:t>Second level</a:t>
+            </a:r>
+          </a:p>
+          <a:p>
+            <a:pPr lvl="2"/>
+            <a:r>
+              <a:rPr lang="en-US" smtClean="0"/>
+              <a:t>Third level</a:t>
+            </a:r>
+          </a:p>
+          <a:p>
+            <a:pPr lvl="3"/>
+            <a:r>
+              <a:rPr lang="en-US" smtClean="0"/>
+              <a:t>Fourth level</a:t>
+            </a:r>
+          </a:p>
+          <a:p>
+            <a:pPr lvl="4"/>
+            <a:r>
+              <a:rPr lang="en-US" smtClean="0"/>
+              <a:t>Fifth level</a:t>
+            </a:r>
+            <a:endParaRPr lang="en-US"/>
+          </a:p>
+        </p:txBody>
+      </p:sp>
+      <p:sp>
+        <p:nvSpPr>
+          <p:cNvPr id="6" name="Footer Placeholder 5"/>
+          <p:cNvSpPr>
+            <a:spLocks noGrp="1"/>
+          </p:cNvSpPr>
+          <p:nvPr>
+            <p:ph type="ftr" sz="quarter" idx="4"/>
+          </p:nvPr>
+        </p:nvSpPr>
+        <p:spPr>
+          <a:xfrm>
+            <a:off x="0" y="8685213"/>
+            <a:ext cx="2971800" cy="458787"/>
+          </a:xfrm>
+          <a:prstGeom prst="rect">
+            <a:avLst/>
+          </a:prstGeom>
+        </p:spPr>
+        <p:txBody>
+          <a:bodyPr vert="horz" lIns="91440" tIns="45720" rIns="91440" bIns="45720" rtlCol="0" anchor="b"/>
+          <a:lstStyle>
+            <a:lvl1pPr algn="l">
+              <a:defRPr sz="1200"/>
+            </a:lvl1pPr>
+          </a:lstStyle>
+          <a:p>
+            <a:endParaRPr lang="en-US"/>
+          </a:p>
+        </p:txBody>
+      </p:sp>
+      <p:sp>
+        <p:nvSpPr>
+          <p:cNvPr id="7" name="Slide Number Placeholder 6"/>
+          <p:cNvSpPr>
+            <a:spLocks noGrp="1"/>
+          </p:cNvSpPr>
+          <p:nvPr>
+            <p:ph type="sldNum" sz="quarter" idx="5"/>
+          </p:nvPr>
+        </p:nvSpPr>
+        <p:spPr>
+          <a:xfrm>
+            <a:off x="3884613" y="8685213"/>
+            <a:ext cx="2971800" cy="458787"/>
+          </a:xfrm>
+          <a:prstGeom prst="rect">
+            <a:avLst/>
+          </a:prstGeom>
+        </p:spPr>
+        <p:txBody>
+          <a:bodyPr vert="horz" lIns="91440" tIns="45720" rIns="91440" bIns="45720" rtlCol="0" anchor="b"/>
+          <a:lstStyle>
+            <a:lvl1pPr algn="r">
+              <a:defRPr sz="1200"/>
+            </a:lvl1pPr>
+          </a:lstStyle>
+          <a:p>
+            <a:fld id="{6C1268E9-50E2-4823-9241-459836C4179B}" type="slidenum">
+              <a:rPr lang="en-US" smtClean="0"/>
+              <a:pPr/>
+              <a:t>‹#›</a:t>
+            </a:fld>
+            <a:endParaRPr lang="en-US"/>
+          </a:p>
+        </p:txBody>
+      </p:sp>
+    </p:spTree>
+    <p:extLst>
+      <p:ext uri="{BB962C8B-B14F-4D97-AF65-F5344CB8AC3E}">
+        <p14:creationId xmlns="" xmlns:p14="http://schemas.microsoft.com/office/powerpoint/2010/main" val="2308362523"/>
+      </p:ext>
+    </p:extLst>
+  </p:cSld>
+  <p:clrMap bg1="lt1" tx1="dk1" bg2="lt2" tx2="dk2" accent1="accent1" accent2="accent2" accent3="accent3" accent4="accent4" accent5="accent5" accent6="accent6" hlink="hlink" folHlink="folHlink"/>
+  <p:notesStyle>
+    <a:lvl1pPr marL="0" algn="l" defTabSz="914400" rtl="0" eaLnBrk="1" latinLnBrk="0" hangingPunct="1">
+      <a:defRPr sz="1200" kern="1200">
+        <a:solidFill>
+          <a:schemeClr val="tx1"/>
+        </a:solidFill>
+        <a:latin typeface="+mn-lt"/>
+        <a:ea typeface="+mn-ea"/>
+        <a:cs typeface="+mn-cs"/>
+      </a:defRPr>
+    </a:lvl1pPr>
+    <a:lvl2pPr marL="457200" algn="l" defTabSz="914400" rtl="0" eaLnBrk="1" latinLnBrk="0" hangingPunct="1">
+      <a:defRPr sz="1200" kern="1200">
+        <a:solidFill>
+          <a:schemeClr val="tx1"/>
+        </a:solidFill>
+        <a:latin typeface="+mn-lt"/>
+        <a:ea typeface="+mn-ea"/>
+        <a:cs typeface="+mn-cs"/>
+      </a:defRPr>
+    </a:lvl2pPr>
+    <a:lvl3pPr marL="914400" algn="l" defTabSz="914400" rtl="0" eaLnBrk="1" latinLnBrk="0" hangingPunct="1">
+      <a:defRPr sz="1200" kern="1200">
+        <a:solidFill>
+          <a:schemeClr val="tx1"/>
+        </a:solidFill>
+        <a:latin typeface="+mn-lt"/>
+        <a:ea typeface="+mn-ea"/>
+        <a:cs typeface="+mn-cs"/>
+      </a:defRPr>
+    </a:lvl3pPr>
+    <a:lvl4pPr marL="1371600" algn="l" defTabSz="914400" rtl="0" eaLnBrk="1" latinLnBrk="0" hangingPunct="1">
+      <a:defRPr sz="1200" kern="1200">
+        <a:solidFill>
+          <a:schemeClr val="tx1"/>
+        </a:solidFill>
+        <a:latin typeface="+mn-lt"/>
+        <a:ea typeface="+mn-ea"/>
+        <a:cs typeface="+mn-cs"/>
+      </a:defRPr>
+    </a:lvl4pPr>
+    <a:lvl5pPr marL="1828800" algn="l" defTabSz="914400" rtl="0" eaLnBrk="1" latinLnBrk="0" hangingPunct="1">
+      <a:defRPr sz="1200" kern="1200">
+        <a:solidFill>
+          <a:schemeClr val="tx1"/>
+        </a:solidFill>
+        <a:latin typeface="+mn-lt"/>
+        <a:ea typeface="+mn-ea"/>
+        <a:cs typeface="+mn-cs"/>
+      </a:defRPr>
+    </a:lvl5pPr>
+    <a:lvl6pPr marL="2286000" algn="l" defTabSz="914400" rtl="0" eaLnBrk="1" latinLnBrk="0" hangingPunct="1">
+      <a:defRPr sz="1200" kern="1200">
+        <a:solidFill>
+          <a:schemeClr val="tx1"/>
+        </a:solidFill>
+        <a:latin typeface="+mn-lt"/>
+        <a:ea typeface="+mn-ea"/>
+        <a:cs typeface="+mn-cs"/>
+      </a:defRPr>
+    </a:lvl6pPr>
+    <a:lvl7pPr marL="2743200" algn="l" defTabSz="914400" rtl="0" eaLnBrk="1" latinLnBrk="0" hangingPunct="1">
+      <a:defRPr sz="1200" kern="1200">
+        <a:solidFill>
+          <a:schemeClr val="tx1"/>
+        </a:solidFill>
+        <a:latin typeface="+mn-lt"/>
+        <a:ea typeface="+mn-ea"/>
+        <a:cs typeface="+mn-cs"/>
+      </a:defRPr>
+    </a:lvl7pPr>
+    <a:lvl8pPr marL="3200400" algn="l" defTabSz="914400" rtl="0" eaLnBrk="1" latinLnBrk="0" hangingPunct="1">
+      <a:defRPr sz="1200" kern="1200">
+        <a:solidFill>
+          <a:schemeClr val="tx1"/>
+        </a:solidFill>
+        <a:latin typeface="+mn-lt"/>
+        <a:ea typeface="+mn-ea"/>
+        <a:cs typeface="+mn-cs"/>
+      </a:defRPr>
+    </a:lvl8pPr>
+    <a:lvl9pPr marL="3657600" algn="l" defTabSz="914400" rtl="0" eaLnBrk="1" latinLnBrk="0" hangingPunct="1">
+      <a:defRPr sz="1200" kern="1200">
+        <a:solidFill>
+          <a:schemeClr val="tx1"/>
+        </a:solidFill>
+        <a:latin typeface="+mn-lt"/>
+        <a:ea typeface="+mn-ea"/>
+        <a:cs typeface="+mn-cs"/>
+      </a:defRPr>
+    </a:lvl9pPr>
+  </p:notesStyle>
+</p:notesMaster>
+</file>
+
+<file path=ppt/notesSlides/notesSlide1.xml><?xml version="1.0" encoding="utf-8"?>
+<p:notes xmlns:a="http://schemas.openxmlformats.org/drawingml/2006/main" xmlns:r="http://schemas.openxmlformats.org/officeDocument/2006/relationships" xmlns:p="http://schemas.openxmlformats.org/presentationml/2006/main">
+  <p:cSld>
+    <p:spTree>
+      <p:nvGrpSpPr>
+        <p:cNvPr id="1" name=""/>
+        <p:cNvGrpSpPr/>
+        <p:nvPr/>
+      </p:nvGrpSpPr>
+      <p:grpSpPr>
+        <a:xfrm>
+          <a:off x="0" y="0"/>
+          <a:ext cx="0" cy="0"/>
+          <a:chOff x="0" y="0"/>
+          <a:chExt cx="0" cy="0"/>
+        </a:xfrm>
+      </p:grpSpPr>
+      <p:sp>
+        <p:nvSpPr>
+          <p:cNvPr id="2" name="Slide Image Placeholder 1"/>
+          <p:cNvSpPr>
+            <a:spLocks noGrp="1" noRot="1" noChangeAspect="1"/>
+          </p:cNvSpPr>
+          <p:nvPr>
+            <p:ph type="sldImg"/>
+          </p:nvPr>
+        </p:nvSpPr>
+        <p:spPr/>
+      </p:sp>
+      <p:sp>
+        <p:nvSpPr>
+          <p:cNvPr id="3" name="Notes Placeholder 2"/>
+          <p:cNvSpPr>
+            <a:spLocks noGrp="1"/>
+          </p:cNvSpPr>
+          <p:nvPr>
+            <p:ph type="body" idx="1"/>
+          </p:nvPr>
+        </p:nvSpPr>
+        <p:spPr/>
+        <p:txBody>
+          <a:bodyPr/>
+          <a:lstStyle/>
+          <a:p>
+            <a:endParaRPr lang="en-US"/>
+          </a:p>
+        </p:txBody>
+      </p:sp>
+      <p:sp>
+        <p:nvSpPr>
+          <p:cNvPr id="4" name="Slide Number Placeholder 3"/>
+          <p:cNvSpPr>
+            <a:spLocks noGrp="1"/>
+          </p:cNvSpPr>
+          <p:nvPr>
+            <p:ph type="sldNum" sz="quarter" idx="10"/>
+          </p:nvPr>
+        </p:nvSpPr>
+        <p:spPr/>
+        <p:txBody>
+          <a:bodyPr/>
+          <a:lstStyle/>
+          <a:p>
+            <a:fld id="{6C1268E9-50E2-4823-9241-459836C4179B}" type="slidenum">
+              <a:rPr lang="en-US" smtClean="0"/>
+              <a:pPr/>
+              <a:t>7</a:t>
+            </a:fld>
+            <a:endParaRPr lang="en-US"/>
+          </a:p>
+        </p:txBody>
+      </p:sp>
+    </p:spTree>
+    <p:extLst>
+      <p:ext uri="{BB962C8B-B14F-4D97-AF65-F5344CB8AC3E}">
+        <p14:creationId xmlns="" xmlns:p14="http://schemas.microsoft.com/office/powerpoint/2010/main" val="1544186215"/>
+      </p:ext>
+    </p:extLst>
+  </p:cSld>
+  <p:clrMapOvr>
+    <a:masterClrMapping/>
+  </p:clrMapOvr>
+</p:notes>
 </file>
 
 <file path=ppt/slideLayouts/slideLayout1.xml><?xml version="1.0" encoding="utf-8"?>
@@ -296,7 +758,7 @@
             <a:fld id="{EF468906-B54D-44C4-8807-7A5CF54DB834}" type="datetimeFigureOut">
               <a:rPr lang="en-US" smtClean="0"/>
               <a:pPr/>
-              <a:t>18-Dec-19</a:t>
+              <a:t>20-Dec-19</a:t>
             </a:fld>
             <a:endParaRPr lang="en-US"/>
           </a:p>
@@ -463,7 +925,7 @@
             <a:fld id="{EF468906-B54D-44C4-8807-7A5CF54DB834}" type="datetimeFigureOut">
               <a:rPr lang="en-US" smtClean="0"/>
               <a:pPr/>
-              <a:t>18-Dec-19</a:t>
+              <a:t>20-Dec-19</a:t>
             </a:fld>
             <a:endParaRPr lang="en-US"/>
           </a:p>
@@ -640,7 +1102,7 @@
             <a:fld id="{EF468906-B54D-44C4-8807-7A5CF54DB834}" type="datetimeFigureOut">
               <a:rPr lang="en-US" smtClean="0"/>
               <a:pPr/>
-              <a:t>18-Dec-19</a:t>
+              <a:t>20-Dec-19</a:t>
             </a:fld>
             <a:endParaRPr lang="en-US"/>
           </a:p>
@@ -807,7 +1269,7 @@
             <a:fld id="{EF468906-B54D-44C4-8807-7A5CF54DB834}" type="datetimeFigureOut">
               <a:rPr lang="en-US" smtClean="0"/>
               <a:pPr/>
-              <a:t>18-Dec-19</a:t>
+              <a:t>20-Dec-19</a:t>
             </a:fld>
             <a:endParaRPr lang="en-US"/>
           </a:p>
@@ -1050,7 +1512,7 @@
             <a:fld id="{EF468906-B54D-44C4-8807-7A5CF54DB834}" type="datetimeFigureOut">
               <a:rPr lang="en-US" smtClean="0"/>
               <a:pPr/>
-              <a:t>18-Dec-19</a:t>
+              <a:t>20-Dec-19</a:t>
             </a:fld>
             <a:endParaRPr lang="en-US"/>
           </a:p>
@@ -1335,7 +1797,7 @@
             <a:fld id="{EF468906-B54D-44C4-8807-7A5CF54DB834}" type="datetimeFigureOut">
               <a:rPr lang="en-US" smtClean="0"/>
               <a:pPr/>
-              <a:t>18-Dec-19</a:t>
+              <a:t>20-Dec-19</a:t>
             </a:fld>
             <a:endParaRPr lang="en-US"/>
           </a:p>
@@ -1754,7 +2216,7 @@
             <a:fld id="{EF468906-B54D-44C4-8807-7A5CF54DB834}" type="datetimeFigureOut">
               <a:rPr lang="en-US" smtClean="0"/>
               <a:pPr/>
-              <a:t>18-Dec-19</a:t>
+              <a:t>20-Dec-19</a:t>
             </a:fld>
             <a:endParaRPr lang="en-US"/>
           </a:p>
@@ -1869,7 +2331,7 @@
             <a:fld id="{EF468906-B54D-44C4-8807-7A5CF54DB834}" type="datetimeFigureOut">
               <a:rPr lang="en-US" smtClean="0"/>
               <a:pPr/>
-              <a:t>18-Dec-19</a:t>
+              <a:t>20-Dec-19</a:t>
             </a:fld>
             <a:endParaRPr lang="en-US"/>
           </a:p>
@@ -1961,7 +2423,7 @@
             <a:fld id="{EF468906-B54D-44C4-8807-7A5CF54DB834}" type="datetimeFigureOut">
               <a:rPr lang="en-US" smtClean="0"/>
               <a:pPr/>
-              <a:t>18-Dec-19</a:t>
+              <a:t>20-Dec-19</a:t>
             </a:fld>
             <a:endParaRPr lang="en-US"/>
           </a:p>
@@ -2235,7 +2697,7 @@
             <a:fld id="{EF468906-B54D-44C4-8807-7A5CF54DB834}" type="datetimeFigureOut">
               <a:rPr lang="en-US" smtClean="0"/>
               <a:pPr/>
-              <a:t>18-Dec-19</a:t>
+              <a:t>20-Dec-19</a:t>
             </a:fld>
             <a:endParaRPr lang="en-US"/>
           </a:p>
@@ -2485,7 +2947,7 @@
             <a:fld id="{EF468906-B54D-44C4-8807-7A5CF54DB834}" type="datetimeFigureOut">
               <a:rPr lang="en-US" smtClean="0"/>
               <a:pPr/>
-              <a:t>18-Dec-19</a:t>
+              <a:t>20-Dec-19</a:t>
             </a:fld>
             <a:endParaRPr lang="en-US"/>
           </a:p>
@@ -2695,7 +3157,7 @@
             <a:fld id="{EF468906-B54D-44C4-8807-7A5CF54DB834}" type="datetimeFigureOut">
               <a:rPr lang="en-US" smtClean="0"/>
               <a:pPr/>
-              <a:t>18-Dec-19</a:t>
+              <a:t>20-Dec-19</a:t>
             </a:fld>
             <a:endParaRPr lang="en-US"/>
           </a:p>
@@ -3390,6 +3852,1251 @@
 </p:sld>
 </file>
 
+<file path=ppt/slides/slide10.xml><?xml version="1.0" encoding="utf-8"?>
+<p:sld xmlns:a="http://schemas.openxmlformats.org/drawingml/2006/main" xmlns:r="http://schemas.openxmlformats.org/officeDocument/2006/relationships" xmlns:p="http://schemas.openxmlformats.org/presentationml/2006/main">
+  <p:cSld>
+    <p:spTree>
+      <p:nvGrpSpPr>
+        <p:cNvPr id="1" name=""/>
+        <p:cNvGrpSpPr/>
+        <p:nvPr/>
+      </p:nvGrpSpPr>
+      <p:grpSpPr>
+        <a:xfrm>
+          <a:off x="0" y="0"/>
+          <a:ext cx="0" cy="0"/>
+          <a:chOff x="0" y="0"/>
+          <a:chExt cx="0" cy="0"/>
+        </a:xfrm>
+      </p:grpSpPr>
+      <p:pic>
+        <p:nvPicPr>
+          <p:cNvPr id="17" name="Picture 16" descr="art.jpg"/>
+          <p:cNvPicPr>
+            <a:picLocks noChangeAspect="1"/>
+          </p:cNvPicPr>
+          <p:nvPr/>
+        </p:nvPicPr>
+        <p:blipFill>
+          <a:blip r:embed="rId2">
+            <a:duotone>
+              <a:schemeClr val="accent2">
+                <a:shade val="45000"/>
+                <a:satMod val="135000"/>
+              </a:schemeClr>
+              <a:prstClr val="white"/>
+            </a:duotone>
+          </a:blip>
+          <a:srcRect l="31667" t="37125" r="29167" b="46781"/>
+          <a:stretch>
+            <a:fillRect/>
+          </a:stretch>
+        </p:blipFill>
+        <p:spPr>
+          <a:xfrm flipH="1">
+            <a:off x="6553200" y="1066799"/>
+            <a:ext cx="2209800" cy="169985"/>
+          </a:xfrm>
+          <a:prstGeom prst="rect">
+            <a:avLst/>
+          </a:prstGeom>
+        </p:spPr>
+      </p:pic>
+      <p:sp>
+        <p:nvSpPr>
+          <p:cNvPr id="3" name="Content Placeholder 2"/>
+          <p:cNvSpPr>
+            <a:spLocks noGrp="1"/>
+          </p:cNvSpPr>
+          <p:nvPr>
+            <p:ph idx="1"/>
+          </p:nvPr>
+        </p:nvSpPr>
+        <p:spPr/>
+        <p:txBody>
+          <a:bodyPr/>
+          <a:lstStyle/>
+          <a:p>
+            <a:r>
+              <a:rPr lang="en-US" dirty="0">
+                <a:latin typeface="Product Sans" panose="020B0403030502040203" pitchFamily="34" charset="0"/>
+              </a:rPr>
+              <a:t>Features ( It </a:t>
+            </a:r>
+            <a:r>
+              <a:rPr lang="en-US" dirty="0" smtClean="0">
+                <a:solidFill>
+                  <a:srgbClr val="FFC000"/>
+                </a:solidFill>
+                <a:latin typeface="Product Sans" panose="020B0403030502040203" pitchFamily="34" charset="0"/>
+              </a:rPr>
+              <a:t>SHOULD</a:t>
+            </a:r>
+            <a:r>
+              <a:rPr lang="en-US" dirty="0" smtClean="0">
+                <a:latin typeface="Product Sans" panose="020B0403030502040203" pitchFamily="34" charset="0"/>
+              </a:rPr>
+              <a:t> </a:t>
+            </a:r>
+            <a:r>
+              <a:rPr lang="en-US" dirty="0">
+                <a:latin typeface="Product Sans" panose="020B0403030502040203" pitchFamily="34" charset="0"/>
+              </a:rPr>
+              <a:t>do ) : </a:t>
+            </a:r>
+            <a:endParaRPr lang="en-US" dirty="0" smtClean="0">
+              <a:latin typeface="Product Sans" panose="020B0403030502040203" pitchFamily="34" charset="0"/>
+            </a:endParaRPr>
+          </a:p>
+          <a:p>
+            <a:pPr lvl="1"/>
+            <a:r>
+              <a:rPr lang="en-US" dirty="0" smtClean="0">
+                <a:latin typeface="Product Sans" panose="020B0403030502040203" pitchFamily="34" charset="0"/>
+              </a:rPr>
+              <a:t>  Manage Overtime </a:t>
+            </a:r>
+            <a:endParaRPr lang="en-US" dirty="0">
+              <a:latin typeface="Product Sans" panose="020B0403030502040203" pitchFamily="34" charset="0"/>
+            </a:endParaRPr>
+          </a:p>
+          <a:p>
+            <a:pPr lvl="1"/>
+            <a:r>
+              <a:rPr lang="en-US" dirty="0" smtClean="0">
+                <a:latin typeface="Product Sans" panose="020B0403030502040203" pitchFamily="34" charset="0"/>
+              </a:rPr>
+              <a:t>  Export data </a:t>
+            </a:r>
+            <a:r>
+              <a:rPr lang="en-US" dirty="0">
+                <a:latin typeface="Product Sans" panose="020B0403030502040203" pitchFamily="34" charset="0"/>
+              </a:rPr>
+              <a:t>to Payroll </a:t>
+            </a:r>
+            <a:r>
+              <a:rPr lang="en-US" dirty="0" smtClean="0">
+                <a:latin typeface="Product Sans" panose="020B0403030502040203" pitchFamily="34" charset="0"/>
+              </a:rPr>
+              <a:t>System</a:t>
+            </a:r>
+          </a:p>
+          <a:p>
+            <a:pPr lvl="1"/>
+            <a:endParaRPr lang="en-US" dirty="0" smtClean="0">
+              <a:latin typeface="Product Sans" panose="020B0403030502040203" pitchFamily="34" charset="0"/>
+            </a:endParaRPr>
+          </a:p>
+          <a:p>
+            <a:r>
+              <a:rPr lang="en-US" dirty="0">
+                <a:latin typeface="Product Sans" panose="020B0403030502040203" pitchFamily="34" charset="0"/>
+              </a:rPr>
+              <a:t>Features ( It </a:t>
+            </a:r>
+            <a:r>
+              <a:rPr lang="en-US" dirty="0">
+                <a:solidFill>
+                  <a:srgbClr val="00CCFF"/>
+                </a:solidFill>
+                <a:latin typeface="Product Sans" panose="020B0403030502040203" pitchFamily="34" charset="0"/>
+              </a:rPr>
+              <a:t>C</a:t>
+            </a:r>
+            <a:r>
+              <a:rPr lang="en-US" dirty="0" smtClean="0">
+                <a:solidFill>
+                  <a:srgbClr val="00CCFF"/>
+                </a:solidFill>
+                <a:latin typeface="Product Sans" panose="020B0403030502040203" pitchFamily="34" charset="0"/>
+              </a:rPr>
+              <a:t>OULD</a:t>
+            </a:r>
+            <a:r>
+              <a:rPr lang="en-US" dirty="0" smtClean="0">
+                <a:latin typeface="Product Sans" panose="020B0403030502040203" pitchFamily="34" charset="0"/>
+              </a:rPr>
+              <a:t> </a:t>
+            </a:r>
+            <a:r>
+              <a:rPr lang="en-US" dirty="0">
+                <a:latin typeface="Product Sans" panose="020B0403030502040203" pitchFamily="34" charset="0"/>
+              </a:rPr>
+              <a:t>do ) : </a:t>
+            </a:r>
+            <a:endParaRPr lang="en-US" dirty="0" smtClean="0">
+              <a:latin typeface="Product Sans" panose="020B0403030502040203" pitchFamily="34" charset="0"/>
+            </a:endParaRPr>
+          </a:p>
+          <a:p>
+            <a:pPr lvl="1"/>
+            <a:r>
+              <a:rPr lang="en-US" dirty="0" smtClean="0">
+                <a:latin typeface="Product Sans" panose="020B0403030502040203" pitchFamily="34" charset="0"/>
+              </a:rPr>
+              <a:t> Edit The Employee Data</a:t>
+            </a:r>
+          </a:p>
+          <a:p>
+            <a:pPr lvl="1"/>
+            <a:r>
+              <a:rPr lang="en-US" dirty="0" smtClean="0">
+                <a:latin typeface="Product Sans" panose="020B0403030502040203" pitchFamily="34" charset="0"/>
+              </a:rPr>
+              <a:t> Login of an </a:t>
+            </a:r>
+            <a:r>
+              <a:rPr lang="en-US" dirty="0" err="1" smtClean="0">
+                <a:latin typeface="Product Sans" panose="020B0403030502040203" pitchFamily="34" charset="0"/>
+              </a:rPr>
+              <a:t>Adminstrator</a:t>
+            </a:r>
+            <a:endParaRPr lang="en-US" dirty="0">
+              <a:latin typeface="Product Sans" panose="020B0403030502040203" pitchFamily="34" charset="0"/>
+            </a:endParaRPr>
+          </a:p>
+          <a:p>
+            <a:endParaRPr lang="en-US" dirty="0" smtClean="0">
+              <a:latin typeface="Product Sans" panose="020B0403030502040203" pitchFamily="34" charset="0"/>
+            </a:endParaRPr>
+          </a:p>
+          <a:p>
+            <a:pPr marL="457200" lvl="1" indent="0">
+              <a:buNone/>
+            </a:pPr>
+            <a:endParaRPr lang="en-US" dirty="0">
+              <a:latin typeface="Product Sans" panose="020B0403030502040203" pitchFamily="34" charset="0"/>
+            </a:endParaRPr>
+          </a:p>
+        </p:txBody>
+      </p:sp>
+      <p:sp>
+        <p:nvSpPr>
+          <p:cNvPr id="4" name="Title 1"/>
+          <p:cNvSpPr>
+            <a:spLocks noGrp="1"/>
+          </p:cNvSpPr>
+          <p:nvPr>
+            <p:ph type="title"/>
+          </p:nvPr>
+        </p:nvSpPr>
+        <p:spPr>
+          <a:xfrm>
+            <a:off x="457200" y="274638"/>
+            <a:ext cx="8229600" cy="1143000"/>
+          </a:xfrm>
+        </p:spPr>
+        <p:txBody>
+          <a:bodyPr>
+            <a:normAutofit/>
+          </a:bodyPr>
+          <a:lstStyle/>
+          <a:p>
+            <a:pPr algn="r"/>
+            <a:r>
+              <a:rPr lang="en-US" sz="3200" dirty="0" smtClean="0">
+                <a:latin typeface="Product Sans" panose="020B0403030502040203" pitchFamily="34" charset="0"/>
+              </a:rPr>
+              <a:t>Project’s </a:t>
+            </a:r>
+            <a:r>
+              <a:rPr lang="en-US" sz="3200" dirty="0" smtClean="0">
+                <a:solidFill>
+                  <a:srgbClr val="00B050"/>
+                </a:solidFill>
+                <a:latin typeface="Product Sans" panose="020B0403030502040203" pitchFamily="34" charset="0"/>
+              </a:rPr>
+              <a:t>Abilities</a:t>
+            </a:r>
+            <a:r>
+              <a:rPr lang="en-US" sz="3200" dirty="0" smtClean="0">
+                <a:latin typeface="Product Sans" panose="020B0403030502040203" pitchFamily="34" charset="0"/>
+              </a:rPr>
+              <a:t> and </a:t>
+            </a:r>
+            <a:r>
+              <a:rPr lang="en-US" sz="3200" dirty="0" smtClean="0">
+                <a:solidFill>
+                  <a:srgbClr val="9900CC"/>
+                </a:solidFill>
+                <a:latin typeface="Product Sans" panose="020B0403030502040203" pitchFamily="34" charset="0"/>
+              </a:rPr>
+              <a:t>In-Abilities </a:t>
+            </a:r>
+            <a:endParaRPr lang="en-US" sz="3200" dirty="0">
+              <a:solidFill>
+                <a:srgbClr val="9900CC"/>
+              </a:solidFill>
+              <a:latin typeface="Product Sans" panose="020B0403030502040203" pitchFamily="34" charset="0"/>
+            </a:endParaRPr>
+          </a:p>
+        </p:txBody>
+      </p:sp>
+      <p:sp>
+        <p:nvSpPr>
+          <p:cNvPr id="5" name="TextBox 4"/>
+          <p:cNvSpPr txBox="1"/>
+          <p:nvPr/>
+        </p:nvSpPr>
+        <p:spPr>
+          <a:xfrm>
+            <a:off x="7620000" y="1002268"/>
+            <a:ext cx="1074333" cy="369332"/>
+          </a:xfrm>
+          <a:prstGeom prst="rect">
+            <a:avLst/>
+          </a:prstGeom>
+          <a:noFill/>
+        </p:spPr>
+        <p:txBody>
+          <a:bodyPr wrap="none" rtlCol="0">
+            <a:spAutoFit/>
+          </a:bodyPr>
+          <a:lstStyle/>
+          <a:p>
+            <a:r>
+              <a:rPr lang="en-US" dirty="0" smtClean="0">
+                <a:latin typeface="Product Sans" panose="020B0403030502040203" pitchFamily="34" charset="0"/>
+              </a:rPr>
+              <a:t>( Scope )</a:t>
+            </a:r>
+            <a:endParaRPr lang="en-US" dirty="0">
+              <a:latin typeface="Product Sans" panose="020B0403030502040203" pitchFamily="34" charset="0"/>
+            </a:endParaRPr>
+          </a:p>
+        </p:txBody>
+      </p:sp>
+      <p:pic>
+        <p:nvPicPr>
+          <p:cNvPr id="5122" name="Picture 2" descr="https://cdn4.iconfinder.com/data/icons/emojis-flat-pixel-perfect/64/emoji-33-512.png"/>
+          <p:cNvPicPr>
+            <a:picLocks noChangeAspect="1" noChangeArrowheads="1"/>
+          </p:cNvPicPr>
+          <p:nvPr/>
+        </p:nvPicPr>
+        <p:blipFill>
+          <a:blip r:embed="rId3" cstate="print"/>
+          <a:srcRect/>
+          <a:stretch>
+            <a:fillRect/>
+          </a:stretch>
+        </p:blipFill>
+        <p:spPr bwMode="auto">
+          <a:xfrm>
+            <a:off x="5715000" y="1447800"/>
+            <a:ext cx="838200" cy="838200"/>
+          </a:xfrm>
+          <a:prstGeom prst="rect">
+            <a:avLst/>
+          </a:prstGeom>
+          <a:noFill/>
+        </p:spPr>
+      </p:pic>
+      <p:pic>
+        <p:nvPicPr>
+          <p:cNvPr id="5128" name="Picture 8" descr="https://cdn4.vectorstock.com/i/1000x1000/15/43/overtime-solid-icon-business-and-clock-vector-16051543.jpg"/>
+          <p:cNvPicPr>
+            <a:picLocks noChangeAspect="1" noChangeArrowheads="1"/>
+          </p:cNvPicPr>
+          <p:nvPr/>
+        </p:nvPicPr>
+        <p:blipFill>
+          <a:blip r:embed="rId4" cstate="print">
+            <a:duotone>
+              <a:schemeClr val="accent6">
+                <a:shade val="45000"/>
+                <a:satMod val="135000"/>
+              </a:schemeClr>
+              <a:prstClr val="white"/>
+            </a:duotone>
+          </a:blip>
+          <a:srcRect b="7407"/>
+          <a:stretch>
+            <a:fillRect/>
+          </a:stretch>
+        </p:blipFill>
+        <p:spPr bwMode="auto">
+          <a:xfrm>
+            <a:off x="914400" y="2286000"/>
+            <a:ext cx="381000" cy="381000"/>
+          </a:xfrm>
+          <a:prstGeom prst="rect">
+            <a:avLst/>
+          </a:prstGeom>
+          <a:noFill/>
+        </p:spPr>
+      </p:pic>
+      <p:pic>
+        <p:nvPicPr>
+          <p:cNvPr id="9" name="Picture 8" descr="PayrollIcon.jpg"/>
+          <p:cNvPicPr>
+            <a:picLocks noChangeAspect="1"/>
+          </p:cNvPicPr>
+          <p:nvPr/>
+        </p:nvPicPr>
+        <p:blipFill>
+          <a:blip r:embed="rId5" cstate="print">
+            <a:duotone>
+              <a:schemeClr val="accent6">
+                <a:shade val="45000"/>
+                <a:satMod val="135000"/>
+              </a:schemeClr>
+              <a:prstClr val="white"/>
+            </a:duotone>
+          </a:blip>
+          <a:srcRect b="8889"/>
+          <a:stretch>
+            <a:fillRect/>
+          </a:stretch>
+        </p:blipFill>
+        <p:spPr>
+          <a:xfrm>
+            <a:off x="914400" y="2743200"/>
+            <a:ext cx="387195" cy="381000"/>
+          </a:xfrm>
+          <a:prstGeom prst="rect">
+            <a:avLst/>
+          </a:prstGeom>
+        </p:spPr>
+      </p:pic>
+      <p:pic>
+        <p:nvPicPr>
+          <p:cNvPr id="5130" name="Picture 10" descr="https://www.clipartwiki.com/clipimg/detail/55-556030_emoji-face-clipart-confident-calm-emoji.png"/>
+          <p:cNvPicPr>
+            <a:picLocks noChangeAspect="1" noChangeArrowheads="1"/>
+          </p:cNvPicPr>
+          <p:nvPr/>
+        </p:nvPicPr>
+        <p:blipFill>
+          <a:blip r:embed="rId6" cstate="print">
+            <a:lum contrast="10000"/>
+          </a:blip>
+          <a:srcRect/>
+          <a:stretch>
+            <a:fillRect/>
+          </a:stretch>
+        </p:blipFill>
+        <p:spPr bwMode="auto">
+          <a:xfrm>
+            <a:off x="5562600" y="3657600"/>
+            <a:ext cx="838200" cy="874643"/>
+          </a:xfrm>
+          <a:prstGeom prst="rect">
+            <a:avLst/>
+          </a:prstGeom>
+          <a:noFill/>
+        </p:spPr>
+      </p:pic>
+      <p:sp>
+        <p:nvSpPr>
+          <p:cNvPr id="11" name="TextBox 10"/>
+          <p:cNvSpPr txBox="1"/>
+          <p:nvPr/>
+        </p:nvSpPr>
+        <p:spPr>
+          <a:xfrm>
+            <a:off x="392244" y="2973050"/>
+            <a:ext cx="445956" cy="1446550"/>
+          </a:xfrm>
+          <a:prstGeom prst="rect">
+            <a:avLst/>
+          </a:prstGeom>
+          <a:noFill/>
+        </p:spPr>
+        <p:txBody>
+          <a:bodyPr wrap="none" rtlCol="0">
+            <a:spAutoFit/>
+          </a:bodyPr>
+          <a:lstStyle/>
+          <a:p>
+            <a:r>
+              <a:rPr lang="en-US" sz="8800" dirty="0" smtClean="0">
+                <a:solidFill>
+                  <a:srgbClr val="00CCFF"/>
+                </a:solidFill>
+                <a:latin typeface="Product Sans" pitchFamily="34" charset="0"/>
+              </a:rPr>
+              <a:t>.</a:t>
+            </a:r>
+            <a:endParaRPr lang="en-US" sz="8800" dirty="0">
+              <a:solidFill>
+                <a:srgbClr val="00CCFF"/>
+              </a:solidFill>
+              <a:latin typeface="Product Sans" pitchFamily="34" charset="0"/>
+            </a:endParaRPr>
+          </a:p>
+        </p:txBody>
+      </p:sp>
+      <p:sp>
+        <p:nvSpPr>
+          <p:cNvPr id="12" name="TextBox 11"/>
+          <p:cNvSpPr txBox="1"/>
+          <p:nvPr/>
+        </p:nvSpPr>
+        <p:spPr>
+          <a:xfrm>
+            <a:off x="392244" y="839450"/>
+            <a:ext cx="445956" cy="1446550"/>
+          </a:xfrm>
+          <a:prstGeom prst="rect">
+            <a:avLst/>
+          </a:prstGeom>
+          <a:noFill/>
+        </p:spPr>
+        <p:txBody>
+          <a:bodyPr wrap="none" rtlCol="0">
+            <a:spAutoFit/>
+          </a:bodyPr>
+          <a:lstStyle/>
+          <a:p>
+            <a:r>
+              <a:rPr lang="en-US" sz="8800" dirty="0" smtClean="0">
+                <a:solidFill>
+                  <a:srgbClr val="FFC000"/>
+                </a:solidFill>
+                <a:latin typeface="Product Sans" pitchFamily="34" charset="0"/>
+              </a:rPr>
+              <a:t>.</a:t>
+            </a:r>
+            <a:endParaRPr lang="en-US" sz="8800" dirty="0">
+              <a:solidFill>
+                <a:srgbClr val="FFC000"/>
+              </a:solidFill>
+              <a:latin typeface="Product Sans" pitchFamily="34" charset="0"/>
+            </a:endParaRPr>
+          </a:p>
+        </p:txBody>
+      </p:sp>
+      <p:pic>
+        <p:nvPicPr>
+          <p:cNvPr id="5132" name="Picture 12" descr="https://cdn5.vectorstock.com/i/1000x1000/21/89/pencil-sign-icon-edit-content-button-vector-13662189.jpg"/>
+          <p:cNvPicPr>
+            <a:picLocks noChangeAspect="1" noChangeArrowheads="1"/>
+          </p:cNvPicPr>
+          <p:nvPr/>
+        </p:nvPicPr>
+        <p:blipFill>
+          <a:blip r:embed="rId7" cstate="print"/>
+          <a:srcRect b="33333"/>
+          <a:stretch>
+            <a:fillRect/>
+          </a:stretch>
+        </p:blipFill>
+        <p:spPr bwMode="auto">
+          <a:xfrm>
+            <a:off x="838200" y="4343400"/>
+            <a:ext cx="533400" cy="384048"/>
+          </a:xfrm>
+          <a:prstGeom prst="rect">
+            <a:avLst/>
+          </a:prstGeom>
+          <a:noFill/>
+        </p:spPr>
+      </p:pic>
+      <p:pic>
+        <p:nvPicPr>
+          <p:cNvPr id="15" name="Picture 14" descr="adminicon.jpg"/>
+          <p:cNvPicPr>
+            <a:picLocks noChangeAspect="1"/>
+          </p:cNvPicPr>
+          <p:nvPr/>
+        </p:nvPicPr>
+        <p:blipFill>
+          <a:blip r:embed="rId8" cstate="print"/>
+          <a:stretch>
+            <a:fillRect/>
+          </a:stretch>
+        </p:blipFill>
+        <p:spPr>
+          <a:xfrm>
+            <a:off x="838200" y="4800600"/>
+            <a:ext cx="457200" cy="493776"/>
+          </a:xfrm>
+          <a:prstGeom prst="rect">
+            <a:avLst/>
+          </a:prstGeom>
+        </p:spPr>
+      </p:pic>
+      <p:pic>
+        <p:nvPicPr>
+          <p:cNvPr id="16" name="Picture 15" descr="art.jpg"/>
+          <p:cNvPicPr>
+            <a:picLocks noChangeAspect="1"/>
+          </p:cNvPicPr>
+          <p:nvPr/>
+        </p:nvPicPr>
+        <p:blipFill>
+          <a:blip r:embed="rId2"/>
+          <a:srcRect l="31667" t="37125" r="29167" b="46781"/>
+          <a:stretch>
+            <a:fillRect/>
+          </a:stretch>
+        </p:blipFill>
+        <p:spPr>
+          <a:xfrm>
+            <a:off x="4191000" y="1066800"/>
+            <a:ext cx="1981200" cy="152400"/>
+          </a:xfrm>
+          <a:prstGeom prst="rect">
+            <a:avLst/>
+          </a:prstGeom>
+        </p:spPr>
+      </p:pic>
+    </p:spTree>
+    <p:extLst>
+      <p:ext uri="{BB962C8B-B14F-4D97-AF65-F5344CB8AC3E}">
+        <p14:creationId xmlns="" xmlns:p14="http://schemas.microsoft.com/office/powerpoint/2010/main" val="3097674180"/>
+      </p:ext>
+    </p:extLst>
+  </p:cSld>
+  <p:clrMapOvr>
+    <a:masterClrMapping/>
+  </p:clrMapOvr>
+</p:sld>
+</file>
+
+<file path=ppt/slides/slide11.xml><?xml version="1.0" encoding="utf-8"?>
+<p:sld xmlns:a="http://schemas.openxmlformats.org/drawingml/2006/main" xmlns:r="http://schemas.openxmlformats.org/officeDocument/2006/relationships" xmlns:p="http://schemas.openxmlformats.org/presentationml/2006/main">
+  <p:cSld>
+    <p:spTree>
+      <p:nvGrpSpPr>
+        <p:cNvPr id="1" name=""/>
+        <p:cNvGrpSpPr/>
+        <p:nvPr/>
+      </p:nvGrpSpPr>
+      <p:grpSpPr>
+        <a:xfrm>
+          <a:off x="0" y="0"/>
+          <a:ext cx="0" cy="0"/>
+          <a:chOff x="0" y="0"/>
+          <a:chExt cx="0" cy="0"/>
+        </a:xfrm>
+      </p:grpSpPr>
+      <p:pic>
+        <p:nvPicPr>
+          <p:cNvPr id="6" name="Picture 5" descr="art.jpg"/>
+          <p:cNvPicPr>
+            <a:picLocks noChangeAspect="1"/>
+          </p:cNvPicPr>
+          <p:nvPr/>
+        </p:nvPicPr>
+        <p:blipFill>
+          <a:blip r:embed="rId2"/>
+          <a:srcRect l="31667" t="37125" r="29167" b="46781"/>
+          <a:stretch>
+            <a:fillRect/>
+          </a:stretch>
+        </p:blipFill>
+        <p:spPr>
+          <a:xfrm>
+            <a:off x="4191000" y="1066800"/>
+            <a:ext cx="1981200" cy="152400"/>
+          </a:xfrm>
+          <a:prstGeom prst="rect">
+            <a:avLst/>
+          </a:prstGeom>
+        </p:spPr>
+      </p:pic>
+      <p:pic>
+        <p:nvPicPr>
+          <p:cNvPr id="7" name="Picture 6" descr="art.jpg"/>
+          <p:cNvPicPr>
+            <a:picLocks noChangeAspect="1"/>
+          </p:cNvPicPr>
+          <p:nvPr/>
+        </p:nvPicPr>
+        <p:blipFill>
+          <a:blip r:embed="rId2">
+            <a:duotone>
+              <a:schemeClr val="accent2">
+                <a:shade val="45000"/>
+                <a:satMod val="135000"/>
+              </a:schemeClr>
+              <a:prstClr val="white"/>
+            </a:duotone>
+          </a:blip>
+          <a:srcRect l="31667" t="37125" r="29167" b="46781"/>
+          <a:stretch>
+            <a:fillRect/>
+          </a:stretch>
+        </p:blipFill>
+        <p:spPr>
+          <a:xfrm flipH="1">
+            <a:off x="6553200" y="1066799"/>
+            <a:ext cx="2209800" cy="169985"/>
+          </a:xfrm>
+          <a:prstGeom prst="rect">
+            <a:avLst/>
+          </a:prstGeom>
+        </p:spPr>
+      </p:pic>
+      <p:sp>
+        <p:nvSpPr>
+          <p:cNvPr id="3" name="Content Placeholder 2"/>
+          <p:cNvSpPr>
+            <a:spLocks noGrp="1"/>
+          </p:cNvSpPr>
+          <p:nvPr>
+            <p:ph idx="1"/>
+          </p:nvPr>
+        </p:nvSpPr>
+        <p:spPr/>
+        <p:txBody>
+          <a:bodyPr/>
+          <a:lstStyle/>
+          <a:p>
+            <a:r>
+              <a:rPr lang="en-US" dirty="0">
+                <a:latin typeface="Product Sans" panose="020B0403030502040203" pitchFamily="34" charset="0"/>
+              </a:rPr>
+              <a:t>Features ( It </a:t>
+            </a:r>
+            <a:r>
+              <a:rPr lang="en-US" dirty="0" smtClean="0">
+                <a:solidFill>
+                  <a:srgbClr val="FF5050"/>
+                </a:solidFill>
+                <a:latin typeface="Product Sans" panose="020B0403030502040203" pitchFamily="34" charset="0"/>
+              </a:rPr>
+              <a:t>CAN’T</a:t>
+            </a:r>
+            <a:r>
+              <a:rPr lang="en-US" dirty="0" smtClean="0">
+                <a:latin typeface="Product Sans" panose="020B0403030502040203" pitchFamily="34" charset="0"/>
+              </a:rPr>
+              <a:t> do </a:t>
+            </a:r>
+            <a:r>
+              <a:rPr lang="en-US" dirty="0">
+                <a:latin typeface="Product Sans" panose="020B0403030502040203" pitchFamily="34" charset="0"/>
+              </a:rPr>
+              <a:t>) : </a:t>
+            </a:r>
+            <a:endParaRPr lang="en-US" dirty="0" smtClean="0">
+              <a:latin typeface="Product Sans" panose="020B0403030502040203" pitchFamily="34" charset="0"/>
+            </a:endParaRPr>
+          </a:p>
+          <a:p>
+            <a:pPr lvl="1"/>
+            <a:r>
+              <a:rPr lang="en-US" dirty="0" smtClean="0">
+                <a:latin typeface="Product Sans" panose="020B0403030502040203" pitchFamily="34" charset="0"/>
+              </a:rPr>
+              <a:t>Manage In &amp; Out of every person</a:t>
+            </a:r>
+          </a:p>
+          <a:p>
+            <a:pPr lvl="1"/>
+            <a:r>
+              <a:rPr lang="en-US" dirty="0" smtClean="0">
+                <a:latin typeface="Product Sans" panose="020B0403030502040203" pitchFamily="34" charset="0"/>
+              </a:rPr>
+              <a:t>Mobile SMS based on clock-in/out on leave request</a:t>
+            </a:r>
+          </a:p>
+          <a:p>
+            <a:pPr lvl="1"/>
+            <a:r>
+              <a:rPr lang="en-US" dirty="0" smtClean="0">
+                <a:latin typeface="Product Sans" panose="020B0403030502040203" pitchFamily="34" charset="0"/>
+              </a:rPr>
+              <a:t>Employee profile, shift management </a:t>
+            </a:r>
+          </a:p>
+          <a:p>
+            <a:pPr marL="457200" lvl="1" indent="0">
+              <a:buNone/>
+            </a:pPr>
+            <a:endParaRPr lang="en-US" dirty="0">
+              <a:latin typeface="Product Sans" panose="020B0403030502040203" pitchFamily="34" charset="0"/>
+            </a:endParaRPr>
+          </a:p>
+        </p:txBody>
+      </p:sp>
+      <p:sp>
+        <p:nvSpPr>
+          <p:cNvPr id="4" name="Title 1"/>
+          <p:cNvSpPr>
+            <a:spLocks noGrp="1"/>
+          </p:cNvSpPr>
+          <p:nvPr>
+            <p:ph type="title"/>
+          </p:nvPr>
+        </p:nvSpPr>
+        <p:spPr>
+          <a:xfrm>
+            <a:off x="457200" y="274638"/>
+            <a:ext cx="8229600" cy="1143000"/>
+          </a:xfrm>
+        </p:spPr>
+        <p:txBody>
+          <a:bodyPr>
+            <a:normAutofit/>
+          </a:bodyPr>
+          <a:lstStyle/>
+          <a:p>
+            <a:pPr algn="r"/>
+            <a:r>
+              <a:rPr lang="en-US" sz="3200" dirty="0" smtClean="0">
+                <a:latin typeface="Product Sans" panose="020B0403030502040203" pitchFamily="34" charset="0"/>
+              </a:rPr>
+              <a:t>Project’s </a:t>
+            </a:r>
+            <a:r>
+              <a:rPr lang="en-US" sz="3200" dirty="0" smtClean="0">
+                <a:solidFill>
+                  <a:srgbClr val="00B050"/>
+                </a:solidFill>
+                <a:latin typeface="Product Sans" panose="020B0403030502040203" pitchFamily="34" charset="0"/>
+              </a:rPr>
+              <a:t>Abilities</a:t>
+            </a:r>
+            <a:r>
+              <a:rPr lang="en-US" sz="3200" dirty="0" smtClean="0">
+                <a:latin typeface="Product Sans" panose="020B0403030502040203" pitchFamily="34" charset="0"/>
+              </a:rPr>
+              <a:t> and </a:t>
+            </a:r>
+            <a:r>
+              <a:rPr lang="en-US" sz="3200" dirty="0" smtClean="0">
+                <a:solidFill>
+                  <a:srgbClr val="9900CC"/>
+                </a:solidFill>
+                <a:latin typeface="Product Sans" panose="020B0403030502040203" pitchFamily="34" charset="0"/>
+              </a:rPr>
+              <a:t>In-Abilities </a:t>
+            </a:r>
+            <a:endParaRPr lang="en-US" sz="3200" dirty="0">
+              <a:solidFill>
+                <a:srgbClr val="9900CC"/>
+              </a:solidFill>
+              <a:latin typeface="Product Sans" panose="020B0403030502040203" pitchFamily="34" charset="0"/>
+            </a:endParaRPr>
+          </a:p>
+        </p:txBody>
+      </p:sp>
+      <p:sp>
+        <p:nvSpPr>
+          <p:cNvPr id="5" name="TextBox 4"/>
+          <p:cNvSpPr txBox="1"/>
+          <p:nvPr/>
+        </p:nvSpPr>
+        <p:spPr>
+          <a:xfrm>
+            <a:off x="7620000" y="1002268"/>
+            <a:ext cx="1074333" cy="369332"/>
+          </a:xfrm>
+          <a:prstGeom prst="rect">
+            <a:avLst/>
+          </a:prstGeom>
+          <a:noFill/>
+        </p:spPr>
+        <p:txBody>
+          <a:bodyPr wrap="none" rtlCol="0">
+            <a:spAutoFit/>
+          </a:bodyPr>
+          <a:lstStyle/>
+          <a:p>
+            <a:r>
+              <a:rPr lang="en-US" dirty="0" smtClean="0">
+                <a:latin typeface="Product Sans" panose="020B0403030502040203" pitchFamily="34" charset="0"/>
+              </a:rPr>
+              <a:t>( Scope )</a:t>
+            </a:r>
+            <a:endParaRPr lang="en-US" dirty="0">
+              <a:latin typeface="Product Sans" panose="020B0403030502040203" pitchFamily="34" charset="0"/>
+            </a:endParaRPr>
+          </a:p>
+        </p:txBody>
+      </p:sp>
+      <p:pic>
+        <p:nvPicPr>
+          <p:cNvPr id="4097" name="Picture 1"/>
+          <p:cNvPicPr>
+            <a:picLocks noChangeAspect="1" noChangeArrowheads="1"/>
+          </p:cNvPicPr>
+          <p:nvPr/>
+        </p:nvPicPr>
+        <p:blipFill>
+          <a:blip r:embed="rId3" cstate="print">
+            <a:duotone>
+              <a:schemeClr val="accent2">
+                <a:shade val="45000"/>
+                <a:satMod val="135000"/>
+              </a:schemeClr>
+              <a:prstClr val="white"/>
+            </a:duotone>
+          </a:blip>
+          <a:srcRect/>
+          <a:stretch>
+            <a:fillRect/>
+          </a:stretch>
+        </p:blipFill>
+        <p:spPr bwMode="auto">
+          <a:xfrm>
+            <a:off x="5334000" y="1447800"/>
+            <a:ext cx="750788" cy="752475"/>
+          </a:xfrm>
+          <a:prstGeom prst="rect">
+            <a:avLst/>
+          </a:prstGeom>
+          <a:noFill/>
+          <a:ln w="9525">
+            <a:noFill/>
+            <a:miter lim="800000"/>
+            <a:headEnd/>
+            <a:tailEnd/>
+          </a:ln>
+          <a:effectLst/>
+        </p:spPr>
+      </p:pic>
+    </p:spTree>
+    <p:extLst>
+      <p:ext uri="{BB962C8B-B14F-4D97-AF65-F5344CB8AC3E}">
+        <p14:creationId xmlns="" xmlns:p14="http://schemas.microsoft.com/office/powerpoint/2010/main" val="318472828"/>
+      </p:ext>
+    </p:extLst>
+  </p:cSld>
+  <p:clrMapOvr>
+    <a:masterClrMapping/>
+  </p:clrMapOvr>
+</p:sld>
+</file>
+
+<file path=ppt/slides/slide12.xml><?xml version="1.0" encoding="utf-8"?>
+<p:sld xmlns:a="http://schemas.openxmlformats.org/drawingml/2006/main" xmlns:r="http://schemas.openxmlformats.org/officeDocument/2006/relationships" xmlns:p="http://schemas.openxmlformats.org/presentationml/2006/main">
+  <p:cSld>
+    <p:spTree>
+      <p:nvGrpSpPr>
+        <p:cNvPr id="1" name=""/>
+        <p:cNvGrpSpPr/>
+        <p:nvPr/>
+      </p:nvGrpSpPr>
+      <p:grpSpPr>
+        <a:xfrm>
+          <a:off x="0" y="0"/>
+          <a:ext cx="0" cy="0"/>
+          <a:chOff x="0" y="0"/>
+          <a:chExt cx="0" cy="0"/>
+        </a:xfrm>
+      </p:grpSpPr>
+      <p:sp>
+        <p:nvSpPr>
+          <p:cNvPr id="2" name="Title 1"/>
+          <p:cNvSpPr>
+            <a:spLocks noGrp="1"/>
+          </p:cNvSpPr>
+          <p:nvPr>
+            <p:ph type="title"/>
+          </p:nvPr>
+        </p:nvSpPr>
+        <p:spPr/>
+        <p:txBody>
+          <a:bodyPr/>
+          <a:lstStyle/>
+          <a:p>
+            <a:pPr algn="r"/>
+            <a:r>
+              <a:rPr lang="en-US" dirty="0" smtClean="0">
+                <a:latin typeface="Product Sans" panose="020B0403030502040203" pitchFamily="34" charset="0"/>
+                <a:ea typeface="Arial Unicode MS" panose="020B0604020202020204" pitchFamily="34" charset="-128"/>
+                <a:cs typeface="Arial Unicode MS" panose="020B0604020202020204" pitchFamily="34" charset="-128"/>
+              </a:rPr>
+              <a:t>Some - Limitations</a:t>
+            </a:r>
+            <a:endParaRPr lang="en-US" dirty="0">
+              <a:latin typeface="Product Sans" panose="020B0403030502040203" pitchFamily="34" charset="0"/>
+              <a:ea typeface="Arial Unicode MS" panose="020B0604020202020204" pitchFamily="34" charset="-128"/>
+              <a:cs typeface="Arial Unicode MS" panose="020B0604020202020204" pitchFamily="34" charset="-128"/>
+            </a:endParaRPr>
+          </a:p>
+        </p:txBody>
+      </p:sp>
+      <p:sp>
+        <p:nvSpPr>
+          <p:cNvPr id="3" name="Content Placeholder 2"/>
+          <p:cNvSpPr>
+            <a:spLocks noGrp="1"/>
+          </p:cNvSpPr>
+          <p:nvPr>
+            <p:ph idx="1"/>
+          </p:nvPr>
+        </p:nvSpPr>
+        <p:spPr/>
+        <p:txBody>
+          <a:bodyPr/>
+          <a:lstStyle/>
+          <a:p>
+            <a:r>
+              <a:rPr lang="en-US" dirty="0" smtClean="0">
+                <a:latin typeface="Product Sans" panose="020B0403030502040203" pitchFamily="34" charset="0"/>
+              </a:rPr>
+              <a:t>False Attendance </a:t>
+            </a:r>
+          </a:p>
+          <a:p>
+            <a:r>
+              <a:rPr lang="en-US" dirty="0">
+                <a:latin typeface="Product Sans" panose="020B0403030502040203" pitchFamily="34" charset="0"/>
+              </a:rPr>
+              <a:t>Lack of Accuracy</a:t>
+            </a:r>
+          </a:p>
+          <a:p>
+            <a:pPr lvl="1"/>
+            <a:r>
+              <a:rPr lang="en-US" dirty="0">
+                <a:latin typeface="Product Sans" panose="020B0403030502040203" pitchFamily="34" charset="0"/>
+              </a:rPr>
+              <a:t>As being a computerized system, our system can recognize persons’ faces with 92% </a:t>
+            </a:r>
+            <a:r>
+              <a:rPr lang="en-US" dirty="0" smtClean="0">
+                <a:latin typeface="Product Sans" panose="020B0403030502040203" pitchFamily="34" charset="0"/>
+              </a:rPr>
+              <a:t>accuracy</a:t>
+            </a:r>
+          </a:p>
+          <a:p>
+            <a:r>
+              <a:rPr lang="en-US" dirty="0">
+                <a:latin typeface="Product Sans" panose="020B0403030502040203" pitchFamily="34" charset="0"/>
+              </a:rPr>
+              <a:t>The person has to keep his face all time for attendance !</a:t>
+            </a:r>
+          </a:p>
+          <a:p>
+            <a:endParaRPr lang="en-US" dirty="0" smtClean="0">
+              <a:latin typeface="Product Sans" panose="020B0403030502040203" pitchFamily="34" charset="0"/>
+            </a:endParaRPr>
+          </a:p>
+          <a:p>
+            <a:pPr marL="457200" lvl="1" indent="0">
+              <a:buNone/>
+            </a:pPr>
+            <a:endParaRPr lang="en-US" dirty="0" smtClean="0">
+              <a:latin typeface="Product Sans" panose="020B0403030502040203" pitchFamily="34" charset="0"/>
+            </a:endParaRPr>
+          </a:p>
+          <a:p>
+            <a:pPr marL="457200" lvl="1" indent="0">
+              <a:buNone/>
+            </a:pPr>
+            <a:endParaRPr lang="en-US" dirty="0" smtClean="0">
+              <a:latin typeface="Product Sans" panose="020B0403030502040203" pitchFamily="34" charset="0"/>
+            </a:endParaRPr>
+          </a:p>
+        </p:txBody>
+      </p:sp>
+    </p:spTree>
+    <p:extLst>
+      <p:ext uri="{BB962C8B-B14F-4D97-AF65-F5344CB8AC3E}">
+        <p14:creationId xmlns="" xmlns:p14="http://schemas.microsoft.com/office/powerpoint/2010/main" val="1327333605"/>
+      </p:ext>
+    </p:extLst>
+  </p:cSld>
+  <p:clrMapOvr>
+    <a:masterClrMapping/>
+  </p:clrMapOvr>
+</p:sld>
+</file>
+
+<file path=ppt/slides/slide13.xml><?xml version="1.0" encoding="utf-8"?>
+<p:sld xmlns:a="http://schemas.openxmlformats.org/drawingml/2006/main" xmlns:r="http://schemas.openxmlformats.org/officeDocument/2006/relationships" xmlns:p="http://schemas.openxmlformats.org/presentationml/2006/main">
+  <p:cSld>
+    <p:spTree>
+      <p:nvGrpSpPr>
+        <p:cNvPr id="1" name=""/>
+        <p:cNvGrpSpPr/>
+        <p:nvPr/>
+      </p:nvGrpSpPr>
+      <p:grpSpPr>
+        <a:xfrm>
+          <a:off x="0" y="0"/>
+          <a:ext cx="0" cy="0"/>
+          <a:chOff x="0" y="0"/>
+          <a:chExt cx="0" cy="0"/>
+        </a:xfrm>
+      </p:grpSpPr>
+      <p:sp>
+        <p:nvSpPr>
+          <p:cNvPr id="2" name="Title 1"/>
+          <p:cNvSpPr>
+            <a:spLocks noGrp="1"/>
+          </p:cNvSpPr>
+          <p:nvPr>
+            <p:ph type="title"/>
+          </p:nvPr>
+        </p:nvSpPr>
+        <p:spPr/>
+        <p:txBody>
+          <a:bodyPr/>
+          <a:lstStyle/>
+          <a:p>
+            <a:r>
+              <a:rPr lang="en-US" dirty="0" smtClean="0">
+                <a:latin typeface="Product Sans" pitchFamily="34" charset="0"/>
+              </a:rPr>
+              <a:t>Good Things!</a:t>
+            </a:r>
+            <a:endParaRPr lang="en-US" dirty="0">
+              <a:latin typeface="Product Sans" pitchFamily="34" charset="0"/>
+            </a:endParaRPr>
+          </a:p>
+        </p:txBody>
+      </p:sp>
+      <p:sp>
+        <p:nvSpPr>
+          <p:cNvPr id="3" name="Content Placeholder 2"/>
+          <p:cNvSpPr>
+            <a:spLocks noGrp="1"/>
+          </p:cNvSpPr>
+          <p:nvPr>
+            <p:ph idx="1"/>
+          </p:nvPr>
+        </p:nvSpPr>
+        <p:spPr/>
+        <p:txBody>
+          <a:bodyPr/>
+          <a:lstStyle/>
+          <a:p>
+            <a:r>
+              <a:rPr lang="en-US" dirty="0" smtClean="0">
+                <a:latin typeface="Product Sans" pitchFamily="34" charset="0"/>
+              </a:rPr>
+              <a:t>Cheap ( Affordable under </a:t>
+            </a:r>
+            <a:r>
+              <a:rPr lang="en-US" dirty="0" err="1" smtClean="0">
+                <a:latin typeface="Product Sans" pitchFamily="34" charset="0"/>
+              </a:rPr>
+              <a:t>Rs</a:t>
+            </a:r>
+            <a:r>
+              <a:rPr lang="en-US" dirty="0" smtClean="0">
+                <a:latin typeface="Product Sans" pitchFamily="34" charset="0"/>
+              </a:rPr>
+              <a:t>. 1000 )</a:t>
+            </a:r>
+          </a:p>
+          <a:p>
+            <a:r>
+              <a:rPr lang="en-US" dirty="0" smtClean="0">
+                <a:latin typeface="Product Sans" pitchFamily="34" charset="0"/>
+              </a:rPr>
+              <a:t>For Good results the party can buy costly camera for better accuracy and better results</a:t>
+            </a:r>
+          </a:p>
+          <a:p>
+            <a:r>
+              <a:rPr lang="en-US" dirty="0" smtClean="0">
+                <a:latin typeface="Product Sans" pitchFamily="34" charset="0"/>
+              </a:rPr>
+              <a:t>Only a simple working Computer !</a:t>
+            </a:r>
+            <a:endParaRPr lang="en-US" dirty="0" smtClean="0">
+              <a:latin typeface="Product Sans" pitchFamily="34" charset="0"/>
+            </a:endParaRPr>
+          </a:p>
+          <a:p>
+            <a:endParaRPr lang="en-US" dirty="0" smtClean="0">
+              <a:latin typeface="Product Sans" pitchFamily="34" charset="0"/>
+            </a:endParaRPr>
+          </a:p>
+          <a:p>
+            <a:r>
+              <a:rPr lang="en-US" dirty="0" smtClean="0">
+                <a:latin typeface="Product Sans" pitchFamily="34" charset="0"/>
+              </a:rPr>
+              <a:t>The party can enjoy the perks of having such an automated system !</a:t>
+            </a:r>
+            <a:endParaRPr lang="en-US" dirty="0">
+              <a:latin typeface="Product Sans" pitchFamily="34" charset="0"/>
+            </a:endParaRPr>
+          </a:p>
+        </p:txBody>
+      </p:sp>
+    </p:spTree>
+    <p:extLst>
+      <p:ext uri="{BB962C8B-B14F-4D97-AF65-F5344CB8AC3E}">
+        <p14:creationId xmlns="" xmlns:p14="http://schemas.microsoft.com/office/powerpoint/2010/main" val="2580742191"/>
+      </p:ext>
+    </p:extLst>
+  </p:cSld>
+  <p:clrMapOvr>
+    <a:masterClrMapping/>
+  </p:clrMapOvr>
+</p:sld>
+</file>
+
+<file path=ppt/slides/slide14.xml><?xml version="1.0" encoding="utf-8"?>
+<p:sld xmlns:a="http://schemas.openxmlformats.org/drawingml/2006/main" xmlns:r="http://schemas.openxmlformats.org/officeDocument/2006/relationships" xmlns:p="http://schemas.openxmlformats.org/presentationml/2006/main">
+  <p:cSld>
+    <p:spTree>
+      <p:nvGrpSpPr>
+        <p:cNvPr id="1" name=""/>
+        <p:cNvGrpSpPr/>
+        <p:nvPr/>
+      </p:nvGrpSpPr>
+      <p:grpSpPr>
+        <a:xfrm>
+          <a:off x="0" y="0"/>
+          <a:ext cx="0" cy="0"/>
+          <a:chOff x="0" y="0"/>
+          <a:chExt cx="0" cy="0"/>
+        </a:xfrm>
+      </p:grpSpPr>
+      <p:sp>
+        <p:nvSpPr>
+          <p:cNvPr id="2" name="Title 1"/>
+          <p:cNvSpPr>
+            <a:spLocks noGrp="1"/>
+          </p:cNvSpPr>
+          <p:nvPr>
+            <p:ph type="title"/>
+          </p:nvPr>
+        </p:nvSpPr>
+        <p:spPr/>
+        <p:txBody>
+          <a:bodyPr/>
+          <a:lstStyle/>
+          <a:p>
+            <a:endParaRPr lang="en-US"/>
+          </a:p>
+        </p:txBody>
+      </p:sp>
+      <p:sp>
+        <p:nvSpPr>
+          <p:cNvPr id="3" name="Content Placeholder 2"/>
+          <p:cNvSpPr>
+            <a:spLocks noGrp="1"/>
+          </p:cNvSpPr>
+          <p:nvPr>
+            <p:ph idx="1"/>
+          </p:nvPr>
+        </p:nvSpPr>
+        <p:spPr/>
+        <p:txBody>
+          <a:bodyPr/>
+          <a:lstStyle/>
+          <a:p>
+            <a:endParaRPr lang="en-US"/>
+          </a:p>
+        </p:txBody>
+      </p:sp>
+    </p:spTree>
+    <p:extLst>
+      <p:ext uri="{BB962C8B-B14F-4D97-AF65-F5344CB8AC3E}">
+        <p14:creationId xmlns="" xmlns:p14="http://schemas.microsoft.com/office/powerpoint/2010/main" val="2348904476"/>
+      </p:ext>
+    </p:extLst>
+  </p:cSld>
+  <p:clrMapOvr>
+    <a:masterClrMapping/>
+  </p:clrMapOvr>
+</p:sld>
+</file>
+
 <file path=ppt/slides/slide2.xml><?xml version="1.0" encoding="utf-8"?>
 <p:sld xmlns:a="http://schemas.openxmlformats.org/drawingml/2006/main" xmlns:r="http://schemas.openxmlformats.org/officeDocument/2006/relationships" xmlns:p="http://schemas.openxmlformats.org/presentationml/2006/main">
   <p:cSld>
@@ -3416,14 +5123,16 @@
           <p:nvPr/>
         </p:nvPicPr>
         <p:blipFill>
-          <a:blip r:embed="rId2"/>
+          <a:blip r:embed="rId2">
+            <a:lum bright="10000" contrast="20000"/>
+          </a:blip>
           <a:stretch>
             <a:fillRect/>
           </a:stretch>
         </p:blipFill>
         <p:spPr>
           <a:xfrm>
-            <a:off x="1295400" y="-685800"/>
+            <a:off x="1371600" y="-685800"/>
             <a:ext cx="5867400" cy="2933700"/>
           </a:xfrm>
           <a:prstGeom prst="rect">
@@ -3443,7 +5152,7 @@
         </p:nvSpPr>
         <p:spPr>
           <a:xfrm>
-            <a:off x="457200" y="1752600"/>
+            <a:off x="457200" y="1447800"/>
             <a:ext cx="8229600" cy="1143000"/>
           </a:xfrm>
         </p:spPr>
@@ -4097,7 +5806,7 @@
         </p:blipFill>
         <p:spPr>
           <a:xfrm>
-            <a:off x="-685800" y="-381000"/>
+            <a:off x="-838200" y="-304800"/>
             <a:ext cx="13702978" cy="2291080"/>
           </a:xfrm>
           <a:prstGeom prst="rect">
@@ -4222,14 +5931,6 @@
               </a:rPr>
               <a:t>Costly</a:t>
             </a:r>
-            <a:endParaRPr lang="en-US" dirty="0" smtClean="0">
-              <a:solidFill>
-                <a:schemeClr val="accent2">
-                  <a:lumMod val="75000"/>
-                </a:schemeClr>
-              </a:solidFill>
-              <a:latin typeface="Product Sans" pitchFamily="34" charset="0"/>
-            </a:endParaRPr>
           </a:p>
           <a:p>
             <a:pPr lvl="1"/>
@@ -4374,7 +6075,17 @@
         </p:nvPicPr>
         <p:blipFill>
           <a:blip r:embed="rId2">
-            <a:lum bright="10000" contrast="40000"/>
+            <a:extLst>
+              <a:ext uri="{BEBA8EAE-BF5A-486C-A8C5-ECC9F3942E4B}">
+                <a14:imgProps xmlns="" xmlns:a14="http://schemas.microsoft.com/office/drawing/2010/main">
+                  <a14:imgLayer r:embed="rId3">
+                    <a14:imgEffect>
+                      <a14:brightnessContrast bright="40000"/>
+                    </a14:imgEffect>
+                  </a14:imgLayer>
+                </a14:imgProps>
+              </a:ext>
+            </a:extLst>
           </a:blip>
           <a:srcRect/>
           <a:stretch>
@@ -4395,31 +6106,6 @@
       <p:pic>
         <p:nvPicPr>
           <p:cNvPr id="12" name="Picture 11" descr="art.jpg"/>
-          <p:cNvPicPr>
-            <a:picLocks noChangeAspect="1"/>
-          </p:cNvPicPr>
-          <p:nvPr/>
-        </p:nvPicPr>
-        <p:blipFill>
-          <a:blip r:embed="rId3" cstate="print"/>
-          <a:srcRect l="5974" t="7692" r="6402"/>
-          <a:stretch>
-            <a:fillRect/>
-          </a:stretch>
-        </p:blipFill>
-        <p:spPr>
-          <a:xfrm>
-            <a:off x="1676400" y="4925291"/>
-            <a:ext cx="2667000" cy="484909"/>
-          </a:xfrm>
-          <a:prstGeom prst="rect">
-            <a:avLst/>
-          </a:prstGeom>
-        </p:spPr>
-      </p:pic>
-      <p:pic>
-        <p:nvPicPr>
-          <p:cNvPr id="11" name="Picture 10" descr="art.jpg"/>
           <p:cNvPicPr>
             <a:picLocks noChangeAspect="1"/>
           </p:cNvPicPr>
@@ -4434,6 +6120,31 @@
         </p:blipFill>
         <p:spPr>
           <a:xfrm>
+            <a:off x="1676400" y="4925291"/>
+            <a:ext cx="2667000" cy="484909"/>
+          </a:xfrm>
+          <a:prstGeom prst="rect">
+            <a:avLst/>
+          </a:prstGeom>
+        </p:spPr>
+      </p:pic>
+      <p:pic>
+        <p:nvPicPr>
+          <p:cNvPr id="11" name="Picture 10" descr="art.jpg"/>
+          <p:cNvPicPr>
+            <a:picLocks noChangeAspect="1"/>
+          </p:cNvPicPr>
+          <p:nvPr/>
+        </p:nvPicPr>
+        <p:blipFill>
+          <a:blip r:embed="rId5" cstate="print"/>
+          <a:srcRect l="5974" t="7692" r="6402"/>
+          <a:stretch>
+            <a:fillRect/>
+          </a:stretch>
+        </p:blipFill>
+        <p:spPr>
+          <a:xfrm>
             <a:off x="1981200" y="3505200"/>
             <a:ext cx="1676400" cy="609600"/>
           </a:xfrm>
@@ -4451,7 +6162,7 @@
           <p:nvPr/>
         </p:nvPicPr>
         <p:blipFill>
-          <a:blip r:embed="rId5"/>
+          <a:blip r:embed="rId6" cstate="print"/>
           <a:srcRect l="5974" t="7692" r="6402"/>
           <a:stretch>
             <a:fillRect/>
@@ -4459,8 +6170,8 @@
         </p:blipFill>
         <p:spPr>
           <a:xfrm>
-            <a:off x="2133600" y="1600200"/>
-            <a:ext cx="3352800" cy="609600"/>
+            <a:off x="2438400" y="1676400"/>
+            <a:ext cx="2743200" cy="609600"/>
           </a:xfrm>
           <a:prstGeom prst="rect">
             <a:avLst/>
@@ -4660,7 +6371,7 @@
           <p:nvPr/>
         </p:nvPicPr>
         <p:blipFill>
-          <a:blip r:embed="rId6">
+          <a:blip r:embed="rId7">
             <a:duotone>
               <a:schemeClr val="accent1">
                 <a:shade val="45000"/>
@@ -4693,7 +6404,7 @@
           <p:nvPr/>
         </p:nvPicPr>
         <p:blipFill>
-          <a:blip r:embed="rId7"/>
+          <a:blip r:embed="rId8"/>
           <a:srcRect r="19116"/>
           <a:stretch>
             <a:fillRect/>
@@ -4718,7 +6429,7 @@
           <p:nvPr/>
         </p:nvPicPr>
         <p:blipFill>
-          <a:blip r:embed="rId8">
+          <a:blip r:embed="rId9">
             <a:duotone>
               <a:schemeClr val="accent3">
                 <a:shade val="45000"/>
@@ -5322,31 +7033,771 @@
             <p:ph type="title"/>
           </p:nvPr>
         </p:nvSpPr>
-        <p:spPr/>
+        <p:spPr>
+          <a:xfrm>
+            <a:off x="946447" y="-228600"/>
+            <a:ext cx="8229600" cy="1143000"/>
+          </a:xfrm>
+        </p:spPr>
         <p:txBody>
           <a:bodyPr/>
           <a:lstStyle/>
           <a:p>
-            <a:endParaRPr lang="en-US"/>
-          </a:p>
-        </p:txBody>
-      </p:sp>
-      <p:sp>
-        <p:nvSpPr>
-          <p:cNvPr id="3" name="Content Placeholder 2"/>
-          <p:cNvSpPr>
-            <a:spLocks noGrp="1"/>
-          </p:cNvSpPr>
-          <p:nvPr>
-            <p:ph idx="1"/>
-          </p:nvPr>
-        </p:nvSpPr>
-        <p:spPr/>
-        <p:txBody>
-          <a:bodyPr/>
-          <a:lstStyle/>
-          <a:p>
-            <a:endParaRPr lang="en-US"/>
+            <a:pPr algn="r"/>
+            <a:r>
+              <a:rPr lang="en-US" dirty="0" smtClean="0">
+                <a:latin typeface="Product Sans" panose="020B0403030502040203" pitchFamily="34" charset="0"/>
+              </a:rPr>
+              <a:t>In Our System…</a:t>
+            </a:r>
+            <a:endParaRPr lang="en-US" dirty="0">
+              <a:latin typeface="Product Sans" panose="020B0403030502040203" pitchFamily="34" charset="0"/>
+            </a:endParaRPr>
+          </a:p>
+        </p:txBody>
+      </p:sp>
+      <p:sp>
+        <p:nvSpPr>
+          <p:cNvPr id="4" name="Can 3"/>
+          <p:cNvSpPr/>
+          <p:nvPr/>
+        </p:nvSpPr>
+        <p:spPr>
+          <a:xfrm>
+            <a:off x="4114800" y="5182312"/>
+            <a:ext cx="1143000" cy="1371600"/>
+          </a:xfrm>
+          <a:prstGeom prst="can">
+            <a:avLst>
+              <a:gd name="adj" fmla="val 25492"/>
+            </a:avLst>
+          </a:prstGeom>
+        </p:spPr>
+        <p:style>
+          <a:lnRef idx="2">
+            <a:schemeClr val="accent1">
+              <a:shade val="50000"/>
+            </a:schemeClr>
+          </a:lnRef>
+          <a:fillRef idx="1">
+            <a:schemeClr val="accent1"/>
+          </a:fillRef>
+          <a:effectRef idx="0">
+            <a:schemeClr val="accent1"/>
+          </a:effectRef>
+          <a:fontRef idx="minor">
+            <a:schemeClr val="lt1"/>
+          </a:fontRef>
+        </p:style>
+        <p:txBody>
+          <a:bodyPr rtlCol="0" anchor="ctr"/>
+          <a:lstStyle/>
+          <a:p>
+            <a:pPr algn="ctr"/>
+            <a:r>
+              <a:rPr lang="en-US" dirty="0" smtClean="0">
+                <a:latin typeface="Product Sans" pitchFamily="34" charset="0"/>
+              </a:rPr>
+              <a:t>Database</a:t>
+            </a:r>
+            <a:endParaRPr lang="en-US" dirty="0">
+              <a:latin typeface="Product Sans" pitchFamily="34" charset="0"/>
+            </a:endParaRPr>
+          </a:p>
+        </p:txBody>
+      </p:sp>
+      <p:sp>
+        <p:nvSpPr>
+          <p:cNvPr id="5" name="Rectangle 4"/>
+          <p:cNvSpPr/>
+          <p:nvPr/>
+        </p:nvSpPr>
+        <p:spPr>
+          <a:xfrm>
+            <a:off x="914400" y="3810000"/>
+            <a:ext cx="1524000" cy="533400"/>
+          </a:xfrm>
+          <a:prstGeom prst="rect">
+            <a:avLst/>
+          </a:prstGeom>
+        </p:spPr>
+        <p:style>
+          <a:lnRef idx="2">
+            <a:schemeClr val="accent1">
+              <a:shade val="50000"/>
+            </a:schemeClr>
+          </a:lnRef>
+          <a:fillRef idx="1">
+            <a:schemeClr val="accent1"/>
+          </a:fillRef>
+          <a:effectRef idx="0">
+            <a:schemeClr val="accent1"/>
+          </a:effectRef>
+          <a:fontRef idx="minor">
+            <a:schemeClr val="lt1"/>
+          </a:fontRef>
+        </p:style>
+        <p:txBody>
+          <a:bodyPr rtlCol="0" anchor="ctr"/>
+          <a:lstStyle/>
+          <a:p>
+            <a:pPr algn="ctr"/>
+            <a:r>
+              <a:rPr lang="en-US" dirty="0" smtClean="0">
+                <a:latin typeface="Product Sans" panose="020B0403030502040203" pitchFamily="34" charset="0"/>
+              </a:rPr>
+              <a:t>Images</a:t>
+            </a:r>
+            <a:endParaRPr lang="en-US" dirty="0">
+              <a:latin typeface="Product Sans" panose="020B0403030502040203" pitchFamily="34" charset="0"/>
+            </a:endParaRPr>
+          </a:p>
+        </p:txBody>
+      </p:sp>
+      <p:pic>
+        <p:nvPicPr>
+          <p:cNvPr id="6" name="Picture 5" descr="921502.png"/>
+          <p:cNvPicPr>
+            <a:picLocks noChangeAspect="1"/>
+          </p:cNvPicPr>
+          <p:nvPr/>
+        </p:nvPicPr>
+        <p:blipFill>
+          <a:blip r:embed="rId3" cstate="print"/>
+          <a:stretch>
+            <a:fillRect/>
+          </a:stretch>
+        </p:blipFill>
+        <p:spPr>
+          <a:xfrm>
+            <a:off x="838200" y="5181600"/>
+            <a:ext cx="1600225" cy="1600225"/>
+          </a:xfrm>
+          <a:prstGeom prst="rect">
+            <a:avLst/>
+          </a:prstGeom>
+        </p:spPr>
+      </p:pic>
+      <p:cxnSp>
+        <p:nvCxnSpPr>
+          <p:cNvPr id="7" name="Straight Arrow Connector 6"/>
+          <p:cNvCxnSpPr>
+            <a:endCxn id="5" idx="2"/>
+          </p:cNvCxnSpPr>
+          <p:nvPr/>
+        </p:nvCxnSpPr>
+        <p:spPr>
+          <a:xfrm rot="5400000" flipH="1" flipV="1">
+            <a:off x="1295400" y="4724400"/>
+            <a:ext cx="762000" cy="1588"/>
+          </a:xfrm>
+          <a:prstGeom prst="straightConnector1">
+            <a:avLst/>
+          </a:prstGeom>
+          <a:ln>
+            <a:tailEnd type="arrow"/>
+          </a:ln>
+        </p:spPr>
+        <p:style>
+          <a:lnRef idx="1">
+            <a:schemeClr val="accent1"/>
+          </a:lnRef>
+          <a:fillRef idx="0">
+            <a:schemeClr val="accent1"/>
+          </a:fillRef>
+          <a:effectRef idx="0">
+            <a:schemeClr val="accent1"/>
+          </a:effectRef>
+          <a:fontRef idx="minor">
+            <a:schemeClr val="tx1"/>
+          </a:fontRef>
+        </p:style>
+      </p:cxnSp>
+      <p:pic>
+        <p:nvPicPr>
+          <p:cNvPr id="8" name="Picture 7"/>
+          <p:cNvPicPr>
+            <a:picLocks noChangeAspect="1"/>
+          </p:cNvPicPr>
+          <p:nvPr/>
+        </p:nvPicPr>
+        <p:blipFill>
+          <a:blip r:embed="rId4" cstate="print">
+            <a:extLst>
+              <a:ext uri="{28A0092B-C50C-407E-A947-70E740481C1C}">
+                <a14:useLocalDpi xmlns="" xmlns:a14="http://schemas.microsoft.com/office/drawing/2010/main" val="0"/>
+              </a:ext>
+            </a:extLst>
+          </a:blip>
+          <a:stretch>
+            <a:fillRect/>
+          </a:stretch>
+        </p:blipFill>
+        <p:spPr>
+          <a:xfrm>
+            <a:off x="2667000" y="1972654"/>
+            <a:ext cx="1219200" cy="1219200"/>
+          </a:xfrm>
+          <a:prstGeom prst="rect">
+            <a:avLst/>
+          </a:prstGeom>
+        </p:spPr>
+      </p:pic>
+      <p:pic>
+        <p:nvPicPr>
+          <p:cNvPr id="9" name="Picture 8"/>
+          <p:cNvPicPr>
+            <a:picLocks noChangeAspect="1"/>
+          </p:cNvPicPr>
+          <p:nvPr/>
+        </p:nvPicPr>
+        <p:blipFill>
+          <a:blip r:embed="rId4" cstate="print">
+            <a:duotone>
+              <a:prstClr val="black"/>
+              <a:schemeClr val="accent2">
+                <a:tint val="45000"/>
+                <a:satMod val="400000"/>
+              </a:schemeClr>
+            </a:duotone>
+            <a:extLst>
+              <a:ext uri="{28A0092B-C50C-407E-A947-70E740481C1C}">
+                <a14:useLocalDpi xmlns="" xmlns:a14="http://schemas.microsoft.com/office/drawing/2010/main" val="0"/>
+              </a:ext>
+            </a:extLst>
+          </a:blip>
+          <a:stretch>
+            <a:fillRect/>
+          </a:stretch>
+        </p:blipFill>
+        <p:spPr>
+          <a:xfrm>
+            <a:off x="5181600" y="1947017"/>
+            <a:ext cx="1219200" cy="1219200"/>
+          </a:xfrm>
+          <a:prstGeom prst="rect">
+            <a:avLst/>
+          </a:prstGeom>
+        </p:spPr>
+      </p:pic>
+      <p:cxnSp>
+        <p:nvCxnSpPr>
+          <p:cNvPr id="11" name="Elbow Connector 10"/>
+          <p:cNvCxnSpPr>
+            <a:stCxn id="5" idx="0"/>
+            <a:endCxn id="8" idx="1"/>
+          </p:cNvCxnSpPr>
+          <p:nvPr/>
+        </p:nvCxnSpPr>
+        <p:spPr>
+          <a:xfrm rot="5400000" flipH="1" flipV="1">
+            <a:off x="1557827" y="2700827"/>
+            <a:ext cx="1227746" cy="990600"/>
+          </a:xfrm>
+          <a:prstGeom prst="bentConnector2">
+            <a:avLst/>
+          </a:prstGeom>
+          <a:ln>
+            <a:tailEnd type="triangle"/>
+          </a:ln>
+        </p:spPr>
+        <p:style>
+          <a:lnRef idx="1">
+            <a:schemeClr val="accent1"/>
+          </a:lnRef>
+          <a:fillRef idx="0">
+            <a:schemeClr val="accent1"/>
+          </a:fillRef>
+          <a:effectRef idx="0">
+            <a:schemeClr val="accent1"/>
+          </a:effectRef>
+          <a:fontRef idx="minor">
+            <a:schemeClr val="tx1"/>
+          </a:fontRef>
+        </p:style>
+      </p:cxnSp>
+      <p:cxnSp>
+        <p:nvCxnSpPr>
+          <p:cNvPr id="16" name="Straight Arrow Connector 15"/>
+          <p:cNvCxnSpPr>
+            <a:endCxn id="9" idx="1"/>
+          </p:cNvCxnSpPr>
+          <p:nvPr/>
+        </p:nvCxnSpPr>
+        <p:spPr>
+          <a:xfrm>
+            <a:off x="4038600" y="2556617"/>
+            <a:ext cx="1143000" cy="0"/>
+          </a:xfrm>
+          <a:prstGeom prst="straightConnector1">
+            <a:avLst/>
+          </a:prstGeom>
+          <a:ln>
+            <a:tailEnd type="triangle"/>
+          </a:ln>
+        </p:spPr>
+        <p:style>
+          <a:lnRef idx="1">
+            <a:schemeClr val="accent1"/>
+          </a:lnRef>
+          <a:fillRef idx="0">
+            <a:schemeClr val="accent1"/>
+          </a:fillRef>
+          <a:effectRef idx="0">
+            <a:schemeClr val="accent1"/>
+          </a:effectRef>
+          <a:fontRef idx="minor">
+            <a:schemeClr val="tx1"/>
+          </a:fontRef>
+        </p:style>
+      </p:cxnSp>
+      <p:cxnSp>
+        <p:nvCxnSpPr>
+          <p:cNvPr id="18" name="Straight Arrow Connector 17"/>
+          <p:cNvCxnSpPr/>
+          <p:nvPr/>
+        </p:nvCxnSpPr>
+        <p:spPr>
+          <a:xfrm>
+            <a:off x="2171700" y="5981712"/>
+            <a:ext cx="1866900" cy="0"/>
+          </a:xfrm>
+          <a:prstGeom prst="straightConnector1">
+            <a:avLst/>
+          </a:prstGeom>
+          <a:ln>
+            <a:tailEnd type="triangle"/>
+          </a:ln>
+        </p:spPr>
+        <p:style>
+          <a:lnRef idx="1">
+            <a:schemeClr val="accent1"/>
+          </a:lnRef>
+          <a:fillRef idx="0">
+            <a:schemeClr val="accent1"/>
+          </a:fillRef>
+          <a:effectRef idx="0">
+            <a:schemeClr val="accent1"/>
+          </a:effectRef>
+          <a:fontRef idx="minor">
+            <a:schemeClr val="tx1"/>
+          </a:fontRef>
+        </p:style>
+      </p:cxnSp>
+      <p:sp>
+        <p:nvSpPr>
+          <p:cNvPr id="19" name="TextBox 18"/>
+          <p:cNvSpPr txBox="1"/>
+          <p:nvPr/>
+        </p:nvSpPr>
+        <p:spPr>
+          <a:xfrm>
+            <a:off x="2103455" y="6057119"/>
+            <a:ext cx="1930337" cy="307777"/>
+          </a:xfrm>
+          <a:prstGeom prst="rect">
+            <a:avLst/>
+          </a:prstGeom>
+          <a:noFill/>
+        </p:spPr>
+        <p:txBody>
+          <a:bodyPr wrap="none" rtlCol="0">
+            <a:spAutoFit/>
+          </a:bodyPr>
+          <a:lstStyle/>
+          <a:p>
+            <a:r>
+              <a:rPr lang="en-US" sz="1400" dirty="0" smtClean="0">
+                <a:solidFill>
+                  <a:schemeClr val="tx2">
+                    <a:lumMod val="50000"/>
+                  </a:schemeClr>
+                </a:solidFill>
+                <a:latin typeface="Product Sans" panose="020B0403030502040203" pitchFamily="34" charset="0"/>
+              </a:rPr>
+              <a:t>ID, Name and Details…</a:t>
+            </a:r>
+            <a:endParaRPr lang="en-US" sz="1400" dirty="0">
+              <a:solidFill>
+                <a:schemeClr val="tx2">
+                  <a:lumMod val="50000"/>
+                </a:schemeClr>
+              </a:solidFill>
+              <a:latin typeface="Product Sans" panose="020B0403030502040203" pitchFamily="34" charset="0"/>
+            </a:endParaRPr>
+          </a:p>
+        </p:txBody>
+      </p:sp>
+      <p:sp>
+        <p:nvSpPr>
+          <p:cNvPr id="20" name="TextBox 19"/>
+          <p:cNvSpPr txBox="1"/>
+          <p:nvPr/>
+        </p:nvSpPr>
+        <p:spPr>
+          <a:xfrm>
+            <a:off x="2526361" y="1415534"/>
+            <a:ext cx="1441420" cy="369332"/>
+          </a:xfrm>
+          <a:prstGeom prst="rect">
+            <a:avLst/>
+          </a:prstGeom>
+          <a:noFill/>
+        </p:spPr>
+        <p:txBody>
+          <a:bodyPr wrap="none" rtlCol="0">
+            <a:spAutoFit/>
+          </a:bodyPr>
+          <a:lstStyle/>
+          <a:p>
+            <a:r>
+              <a:rPr lang="en-US" dirty="0" smtClean="0">
+                <a:solidFill>
+                  <a:srgbClr val="00B0F0"/>
+                </a:solidFill>
+                <a:latin typeface="Oswald Light" pitchFamily="2" charset="0"/>
+              </a:rPr>
+              <a:t>CNN ( </a:t>
+            </a:r>
+            <a:r>
+              <a:rPr lang="en-US" dirty="0" err="1" smtClean="0">
+                <a:solidFill>
+                  <a:srgbClr val="00B0F0"/>
+                </a:solidFill>
+                <a:latin typeface="Oswald Light" pitchFamily="2" charset="0"/>
+              </a:rPr>
+              <a:t>FaceNet</a:t>
+            </a:r>
+            <a:r>
+              <a:rPr lang="en-US" dirty="0" smtClean="0">
+                <a:solidFill>
+                  <a:srgbClr val="00B0F0"/>
+                </a:solidFill>
+                <a:latin typeface="Oswald Light" pitchFamily="2" charset="0"/>
+              </a:rPr>
+              <a:t> )</a:t>
+            </a:r>
+            <a:endParaRPr lang="en-US" dirty="0">
+              <a:solidFill>
+                <a:srgbClr val="00B0F0"/>
+              </a:solidFill>
+              <a:latin typeface="Oswald Light" pitchFamily="2" charset="0"/>
+            </a:endParaRPr>
+          </a:p>
+        </p:txBody>
+      </p:sp>
+      <p:sp>
+        <p:nvSpPr>
+          <p:cNvPr id="21" name="TextBox 20"/>
+          <p:cNvSpPr txBox="1"/>
+          <p:nvPr/>
+        </p:nvSpPr>
+        <p:spPr>
+          <a:xfrm>
+            <a:off x="4852437" y="1371600"/>
+            <a:ext cx="2157963" cy="369332"/>
+          </a:xfrm>
+          <a:prstGeom prst="rect">
+            <a:avLst/>
+          </a:prstGeom>
+          <a:noFill/>
+        </p:spPr>
+        <p:txBody>
+          <a:bodyPr wrap="none" rtlCol="0">
+            <a:spAutoFit/>
+          </a:bodyPr>
+          <a:lstStyle/>
+          <a:p>
+            <a:r>
+              <a:rPr lang="en-US" dirty="0" smtClean="0">
+                <a:solidFill>
+                  <a:schemeClr val="accent2">
+                    <a:lumMod val="75000"/>
+                  </a:schemeClr>
+                </a:solidFill>
+                <a:latin typeface="Oswald Light" pitchFamily="2" charset="0"/>
+              </a:rPr>
+              <a:t>DNN ( For Classification )</a:t>
+            </a:r>
+            <a:endParaRPr lang="en-US" dirty="0">
+              <a:solidFill>
+                <a:schemeClr val="accent2">
+                  <a:lumMod val="75000"/>
+                </a:schemeClr>
+              </a:solidFill>
+              <a:latin typeface="Oswald Light" pitchFamily="2" charset="0"/>
+            </a:endParaRPr>
+          </a:p>
+        </p:txBody>
+      </p:sp>
+      <p:sp>
+        <p:nvSpPr>
+          <p:cNvPr id="22" name="TextBox 21"/>
+          <p:cNvSpPr txBox="1"/>
+          <p:nvPr/>
+        </p:nvSpPr>
+        <p:spPr>
+          <a:xfrm rot="16200000">
+            <a:off x="912087" y="2847396"/>
+            <a:ext cx="1159292" cy="276999"/>
+          </a:xfrm>
+          <a:prstGeom prst="rect">
+            <a:avLst/>
+          </a:prstGeom>
+          <a:noFill/>
+        </p:spPr>
+        <p:txBody>
+          <a:bodyPr wrap="none" rtlCol="0">
+            <a:spAutoFit/>
+          </a:bodyPr>
+          <a:lstStyle/>
+          <a:p>
+            <a:r>
+              <a:rPr lang="en-US" sz="1200" dirty="0" smtClean="0">
+                <a:solidFill>
+                  <a:schemeClr val="tx2">
+                    <a:lumMod val="75000"/>
+                  </a:schemeClr>
+                </a:solidFill>
+                <a:latin typeface="Product Sans" panose="020B0403030502040203" pitchFamily="34" charset="0"/>
+              </a:rPr>
+              <a:t>Training Phase</a:t>
+            </a:r>
+            <a:endParaRPr lang="en-US" sz="1200" dirty="0">
+              <a:solidFill>
+                <a:schemeClr val="tx2">
+                  <a:lumMod val="75000"/>
+                </a:schemeClr>
+              </a:solidFill>
+              <a:latin typeface="Product Sans" panose="020B0403030502040203" pitchFamily="34" charset="0"/>
+            </a:endParaRPr>
+          </a:p>
+        </p:txBody>
+      </p:sp>
+      <p:pic>
+        <p:nvPicPr>
+          <p:cNvPr id="24" name="Picture 23"/>
+          <p:cNvPicPr>
+            <a:picLocks noChangeAspect="1"/>
+          </p:cNvPicPr>
+          <p:nvPr/>
+        </p:nvPicPr>
+        <p:blipFill rotWithShape="1">
+          <a:blip r:embed="rId5" cstate="print"/>
+          <a:srcRect l="2038" t="648" r="-120" b="650"/>
+          <a:stretch/>
+        </p:blipFill>
+        <p:spPr>
+          <a:xfrm>
+            <a:off x="2759591" y="3703889"/>
+            <a:ext cx="860394" cy="1279021"/>
+          </a:xfrm>
+          <a:prstGeom prst="rect">
+            <a:avLst/>
+          </a:prstGeom>
+        </p:spPr>
+      </p:pic>
+      <p:cxnSp>
+        <p:nvCxnSpPr>
+          <p:cNvPr id="28" name="Straight Arrow Connector 27"/>
+          <p:cNvCxnSpPr/>
+          <p:nvPr/>
+        </p:nvCxnSpPr>
+        <p:spPr>
+          <a:xfrm flipV="1">
+            <a:off x="3314712" y="3048000"/>
+            <a:ext cx="0" cy="709520"/>
+          </a:xfrm>
+          <a:prstGeom prst="straightConnector1">
+            <a:avLst/>
+          </a:prstGeom>
+          <a:ln>
+            <a:tailEnd type="triangle"/>
+          </a:ln>
+        </p:spPr>
+        <p:style>
+          <a:lnRef idx="1">
+            <a:schemeClr val="accent1"/>
+          </a:lnRef>
+          <a:fillRef idx="0">
+            <a:schemeClr val="accent1"/>
+          </a:fillRef>
+          <a:effectRef idx="0">
+            <a:schemeClr val="accent1"/>
+          </a:effectRef>
+          <a:fontRef idx="minor">
+            <a:schemeClr val="tx1"/>
+          </a:fontRef>
+        </p:style>
+      </p:cxnSp>
+      <p:sp>
+        <p:nvSpPr>
+          <p:cNvPr id="29" name="TextBox 28"/>
+          <p:cNvSpPr txBox="1"/>
+          <p:nvPr/>
+        </p:nvSpPr>
+        <p:spPr>
+          <a:xfrm rot="16200000">
+            <a:off x="3206849" y="3482477"/>
+            <a:ext cx="1114408" cy="276999"/>
+          </a:xfrm>
+          <a:prstGeom prst="rect">
+            <a:avLst/>
+          </a:prstGeom>
+          <a:noFill/>
+        </p:spPr>
+        <p:txBody>
+          <a:bodyPr wrap="none" rtlCol="0">
+            <a:spAutoFit/>
+          </a:bodyPr>
+          <a:lstStyle/>
+          <a:p>
+            <a:r>
+              <a:rPr lang="en-US" sz="1200" dirty="0" smtClean="0">
+                <a:solidFill>
+                  <a:schemeClr val="accent2">
+                    <a:lumMod val="75000"/>
+                  </a:schemeClr>
+                </a:solidFill>
+                <a:latin typeface="Product Sans" panose="020B0403030502040203" pitchFamily="34" charset="0"/>
+              </a:rPr>
+              <a:t>Testing Phase</a:t>
+            </a:r>
+            <a:endParaRPr lang="en-US" sz="1200" dirty="0">
+              <a:solidFill>
+                <a:schemeClr val="accent2">
+                  <a:lumMod val="75000"/>
+                </a:schemeClr>
+              </a:solidFill>
+              <a:latin typeface="Product Sans" panose="020B0403030502040203" pitchFamily="34" charset="0"/>
+            </a:endParaRPr>
+          </a:p>
+        </p:txBody>
+      </p:sp>
+      <p:cxnSp>
+        <p:nvCxnSpPr>
+          <p:cNvPr id="33" name="Elbow Connector 32"/>
+          <p:cNvCxnSpPr>
+            <a:stCxn id="9" idx="2"/>
+            <a:endCxn id="4" idx="4"/>
+          </p:cNvCxnSpPr>
+          <p:nvPr/>
+        </p:nvCxnSpPr>
+        <p:spPr>
+          <a:xfrm rot="5400000">
+            <a:off x="4173553" y="4250464"/>
+            <a:ext cx="2701895" cy="533400"/>
+          </a:xfrm>
+          <a:prstGeom prst="bentConnector2">
+            <a:avLst/>
+          </a:prstGeom>
+          <a:ln>
+            <a:tailEnd type="triangle"/>
+          </a:ln>
+        </p:spPr>
+        <p:style>
+          <a:lnRef idx="1">
+            <a:schemeClr val="accent1"/>
+          </a:lnRef>
+          <a:fillRef idx="0">
+            <a:schemeClr val="accent1"/>
+          </a:fillRef>
+          <a:effectRef idx="0">
+            <a:schemeClr val="accent1"/>
+          </a:effectRef>
+          <a:fontRef idx="minor">
+            <a:schemeClr val="tx1"/>
+          </a:fontRef>
+        </p:style>
+      </p:cxnSp>
+      <p:sp>
+        <p:nvSpPr>
+          <p:cNvPr id="34" name="TextBox 33"/>
+          <p:cNvSpPr txBox="1"/>
+          <p:nvPr/>
+        </p:nvSpPr>
+        <p:spPr>
+          <a:xfrm>
+            <a:off x="5895945" y="3348833"/>
+            <a:ext cx="400110" cy="2519279"/>
+          </a:xfrm>
+          <a:prstGeom prst="rect">
+            <a:avLst/>
+          </a:prstGeom>
+          <a:noFill/>
+        </p:spPr>
+        <p:txBody>
+          <a:bodyPr vert="vert270" wrap="none" rtlCol="0">
+            <a:spAutoFit/>
+          </a:bodyPr>
+          <a:lstStyle/>
+          <a:p>
+            <a:r>
+              <a:rPr lang="en-US" sz="1400" dirty="0" smtClean="0">
+                <a:solidFill>
+                  <a:schemeClr val="accent5">
+                    <a:lumMod val="50000"/>
+                  </a:schemeClr>
+                </a:solidFill>
+                <a:latin typeface="Product Sans" panose="020B0403030502040203" pitchFamily="34" charset="0"/>
+              </a:rPr>
+              <a:t>Get Details &amp; Mark Attendance</a:t>
+            </a:r>
+            <a:endParaRPr lang="en-US" sz="1400" dirty="0">
+              <a:solidFill>
+                <a:schemeClr val="accent5">
+                  <a:lumMod val="50000"/>
+                </a:schemeClr>
+              </a:solidFill>
+              <a:latin typeface="Product Sans" panose="020B0403030502040203" pitchFamily="34" charset="0"/>
+            </a:endParaRPr>
+          </a:p>
+        </p:txBody>
+      </p:sp>
+      <p:sp>
+        <p:nvSpPr>
+          <p:cNvPr id="23" name="TextBox 22"/>
+          <p:cNvSpPr txBox="1"/>
+          <p:nvPr/>
+        </p:nvSpPr>
+        <p:spPr>
+          <a:xfrm>
+            <a:off x="7543800" y="990600"/>
+            <a:ext cx="1292662" cy="5765361"/>
+          </a:xfrm>
+          <a:prstGeom prst="rect">
+            <a:avLst/>
+          </a:prstGeom>
+          <a:noFill/>
+        </p:spPr>
+        <p:txBody>
+          <a:bodyPr vert="vert270" wrap="none" rtlCol="0">
+            <a:spAutoFit/>
+          </a:bodyPr>
+          <a:lstStyle/>
+          <a:p>
+            <a:pPr marL="457200" indent="-457200"/>
+            <a:r>
+              <a:rPr lang="en-US" sz="7200" dirty="0" smtClean="0">
+                <a:solidFill>
+                  <a:schemeClr val="tx2">
+                    <a:lumMod val="40000"/>
+                    <a:lumOff val="60000"/>
+                  </a:schemeClr>
+                </a:solidFill>
+                <a:latin typeface="Product Sans" pitchFamily="34" charset="0"/>
+              </a:rPr>
+              <a:t>Simple Right ?</a:t>
+            </a:r>
+            <a:endParaRPr lang="en-US" sz="7200" dirty="0">
+              <a:solidFill>
+                <a:schemeClr val="tx2">
+                  <a:lumMod val="40000"/>
+                  <a:lumOff val="60000"/>
+                </a:schemeClr>
+              </a:solidFill>
+              <a:latin typeface="Product Sans" pitchFamily="34" charset="0"/>
+            </a:endParaRPr>
           </a:p>
         </p:txBody>
       </p:sp>
@@ -5377,53 +7828,27 @@
       </p:grpSpPr>
       <p:sp>
         <p:nvSpPr>
-          <p:cNvPr id="2" name="Title 1"/>
-          <p:cNvSpPr>
-            <a:spLocks noGrp="1"/>
-          </p:cNvSpPr>
-          <p:nvPr>
-            <p:ph type="title"/>
-          </p:nvPr>
-        </p:nvSpPr>
-        <p:spPr>
-          <a:xfrm>
-            <a:off x="762000" y="152400"/>
-            <a:ext cx="8229600" cy="1143000"/>
-          </a:xfrm>
-        </p:spPr>
-        <p:txBody>
-          <a:bodyPr/>
-          <a:lstStyle/>
-          <a:p>
-            <a:pPr algn="r"/>
-            <a:r>
-              <a:rPr lang="en-US" dirty="0" smtClean="0">
-                <a:latin typeface="Product Sans" pitchFamily="34" charset="0"/>
-              </a:rPr>
-              <a:t>How it Works ? </a:t>
-            </a:r>
-            <a:endParaRPr lang="en-US" dirty="0">
-              <a:latin typeface="Product Sans" pitchFamily="34" charset="0"/>
-            </a:endParaRPr>
-          </a:p>
-        </p:txBody>
-      </p:sp>
-      <p:sp>
-        <p:nvSpPr>
-          <p:cNvPr id="4" name="Can 3"/>
+          <p:cNvPr id="5" name="Rectangle 4"/>
           <p:cNvSpPr/>
           <p:nvPr/>
         </p:nvSpPr>
         <p:spPr>
           <a:xfrm>
-            <a:off x="3810000" y="5181600"/>
-            <a:ext cx="1143000" cy="1371600"/>
-          </a:xfrm>
-          <a:prstGeom prst="can">
-            <a:avLst>
-              <a:gd name="adj" fmla="val 25492"/>
-            </a:avLst>
+            <a:off x="3200400" y="1447800"/>
+            <a:ext cx="5486400" cy="3962400"/>
+          </a:xfrm>
+          <a:prstGeom prst="rect">
+            <a:avLst/>
           </a:prstGeom>
+          <a:solidFill>
+            <a:schemeClr val="tx2">
+              <a:lumMod val="75000"/>
+            </a:schemeClr>
+          </a:solidFill>
+          <a:scene3d>
+            <a:camera prst="isometricLeftDown"/>
+            <a:lightRig rig="threePt" dir="t"/>
+          </a:scene3d>
         </p:spPr>
         <p:style>
           <a:lnRef idx="2">
@@ -5447,31 +7872,102 @@
           <a:p>
             <a:pPr algn="ctr"/>
             <a:r>
+              <a:rPr lang="en-US" sz="3200" dirty="0" smtClean="0">
+                <a:latin typeface="Product Sans" panose="020B0403030502040203" pitchFamily="34" charset="0"/>
+              </a:rPr>
+              <a:t>Python, ML Libraries i.e. Keras, MySQL</a:t>
+            </a:r>
+            <a:endParaRPr lang="en-US" sz="3200" dirty="0">
+              <a:latin typeface="Product Sans" panose="020B0403030502040203" pitchFamily="34" charset="0"/>
+            </a:endParaRPr>
+          </a:p>
+        </p:txBody>
+      </p:sp>
+      <p:sp>
+        <p:nvSpPr>
+          <p:cNvPr id="2" name="Title 1"/>
+          <p:cNvSpPr>
+            <a:spLocks noGrp="1"/>
+          </p:cNvSpPr>
+          <p:nvPr>
+            <p:ph type="title"/>
+          </p:nvPr>
+        </p:nvSpPr>
+        <p:spPr>
+          <a:xfrm>
+            <a:off x="381000" y="-228600"/>
+            <a:ext cx="8229600" cy="1143000"/>
+          </a:xfrm>
+        </p:spPr>
+        <p:txBody>
+          <a:bodyPr/>
+          <a:lstStyle/>
+          <a:p>
+            <a:r>
               <a:rPr lang="en-US" dirty="0" smtClean="0">
-                <a:latin typeface="Product Sans" pitchFamily="34" charset="0"/>
-              </a:rPr>
-              <a:t>Database</a:t>
+                <a:solidFill>
+                  <a:schemeClr val="tx2">
+                    <a:lumMod val="75000"/>
+                  </a:schemeClr>
+                </a:solidFill>
+                <a:latin typeface="Product Sans" panose="020B0403030502040203" pitchFamily="34" charset="0"/>
+              </a:rPr>
+              <a:t>Technologies</a:t>
+            </a:r>
+            <a:r>
+              <a:rPr lang="en-US" dirty="0" smtClean="0">
+                <a:latin typeface="Product Sans" panose="020B0403030502040203" pitchFamily="34" charset="0"/>
+              </a:rPr>
+              <a:t> </a:t>
+            </a:r>
+            <a:r>
+              <a:rPr lang="en-US" dirty="0" smtClean="0">
+                <a:solidFill>
+                  <a:schemeClr val="tx2">
+                    <a:lumMod val="60000"/>
+                    <a:lumOff val="40000"/>
+                  </a:schemeClr>
+                </a:solidFill>
+                <a:latin typeface="Product Sans" panose="020B0403030502040203" pitchFamily="34" charset="0"/>
+              </a:rPr>
+              <a:t>Used</a:t>
             </a:r>
             <a:endParaRPr lang="en-US" dirty="0">
-              <a:latin typeface="Product Sans" pitchFamily="34" charset="0"/>
+              <a:solidFill>
+                <a:schemeClr val="tx2">
+                  <a:lumMod val="60000"/>
+                  <a:lumOff val="40000"/>
+                </a:schemeClr>
+              </a:solidFill>
+              <a:latin typeface="Product Sans" panose="020B0403030502040203" pitchFamily="34" charset="0"/>
             </a:endParaRPr>
           </a:p>
         </p:txBody>
       </p:sp>
       <p:sp>
         <p:nvSpPr>
-          <p:cNvPr id="5" name="Rectangle 4"/>
+          <p:cNvPr id="4" name="Rectangle 3"/>
           <p:cNvSpPr/>
           <p:nvPr/>
         </p:nvSpPr>
         <p:spPr>
           <a:xfrm>
-            <a:off x="457200" y="3810000"/>
-            <a:ext cx="1524000" cy="533400"/>
+            <a:off x="0" y="1524000"/>
+            <a:ext cx="5791200" cy="4460444"/>
           </a:xfrm>
           <a:prstGeom prst="rect">
             <a:avLst/>
           </a:prstGeom>
+          <a:solidFill>
+            <a:schemeClr val="tx2">
+              <a:lumMod val="60000"/>
+              <a:lumOff val="40000"/>
+            </a:schemeClr>
+          </a:solidFill>
+          <a:scene3d>
+            <a:camera prst="isometricLeftDown"/>
+            <a:lightRig rig="threePt" dir="t"/>
+          </a:scene3d>
         </p:spPr>
         <p:style>
           <a:lnRef idx="2">
@@ -5495,73 +7991,710 @@
           <a:p>
             <a:pPr algn="ctr"/>
             <a:r>
-              <a:rPr lang="en-US" dirty="0" smtClean="0"/>
-              <a:t>Images</a:t>
-            </a:r>
-            <a:endParaRPr lang="en-US" dirty="0"/>
+              <a:rPr lang="en-US" sz="3600" dirty="0" smtClean="0">
+                <a:latin typeface="Product Sans" panose="020B0403030502040203" pitchFamily="34" charset="0"/>
+              </a:rPr>
+              <a:t>Python ( Tkinter library for GUI ) </a:t>
+            </a:r>
+            <a:endParaRPr lang="en-US" sz="3600" dirty="0">
+              <a:latin typeface="Product Sans" panose="020B0403030502040203" pitchFamily="34" charset="0"/>
+            </a:endParaRPr>
           </a:p>
         </p:txBody>
       </p:sp>
       <p:pic>
         <p:nvPicPr>
-          <p:cNvPr id="6" name="Picture 5" descr="921502.png"/>
+          <p:cNvPr id="3" name="Picture 2"/>
           <p:cNvPicPr>
             <a:picLocks noChangeAspect="1"/>
           </p:cNvPicPr>
           <p:nvPr/>
         </p:nvPicPr>
         <p:blipFill>
-          <a:blip r:embed="rId2" cstate="print"/>
+          <a:blip r:embed="rId2"/>
           <a:stretch>
             <a:fillRect/>
           </a:stretch>
         </p:blipFill>
         <p:spPr>
           <a:xfrm>
-            <a:off x="381000" y="5181600"/>
-            <a:ext cx="1600225" cy="1600225"/>
+            <a:off x="762000" y="3124200"/>
+            <a:ext cx="1828800" cy="1715466"/>
           </a:xfrm>
           <a:prstGeom prst="rect">
             <a:avLst/>
           </a:prstGeom>
+          <a:scene3d>
+            <a:camera prst="isometricLeftDown"/>
+            <a:lightRig rig="threePt" dir="t"/>
+          </a:scene3d>
         </p:spPr>
       </p:pic>
-      <p:cxnSp>
-        <p:nvCxnSpPr>
-          <p:cNvPr id="8" name="Straight Arrow Connector 7"/>
-          <p:cNvCxnSpPr>
-            <a:endCxn id="5" idx="2"/>
-          </p:cNvCxnSpPr>
+      <p:pic>
+        <p:nvPicPr>
+          <p:cNvPr id="6" name="Picture 5"/>
+          <p:cNvPicPr>
+            <a:picLocks noChangeAspect="1"/>
+          </p:cNvPicPr>
           <p:nvPr/>
-        </p:nvCxnSpPr>
-        <p:spPr>
-          <a:xfrm rot="5400000" flipH="1" flipV="1">
-            <a:off x="838200" y="4724400"/>
-            <a:ext cx="762000" cy="1588"/>
-          </a:xfrm>
-          <a:prstGeom prst="straightConnector1">
+        </p:nvPicPr>
+        <p:blipFill>
+          <a:blip r:embed="rId3" cstate="print">
+            <a:extLst>
+              <a:ext uri="{28A0092B-C50C-407E-A947-70E740481C1C}">
+                <a14:useLocalDpi xmlns="" xmlns:a14="http://schemas.microsoft.com/office/drawing/2010/main" val="0"/>
+              </a:ext>
+            </a:extLst>
+          </a:blip>
+          <a:stretch>
+            <a:fillRect/>
+          </a:stretch>
+        </p:blipFill>
+        <p:spPr>
+          <a:xfrm>
+            <a:off x="6531123" y="4478122"/>
+            <a:ext cx="1219200" cy="1219200"/>
+          </a:xfrm>
+          <a:prstGeom prst="rect">
             <a:avLst/>
           </a:prstGeom>
-          <a:ln>
-            <a:tailEnd type="arrow"/>
-          </a:ln>
-        </p:spPr>
-        <p:style>
-          <a:lnRef idx="1">
-            <a:schemeClr val="accent1"/>
-          </a:lnRef>
-          <a:fillRef idx="0">
-            <a:schemeClr val="accent1"/>
-          </a:fillRef>
-          <a:effectRef idx="0">
-            <a:schemeClr val="accent1"/>
-          </a:effectRef>
-          <a:fontRef idx="minor">
-            <a:schemeClr val="tx1"/>
-          </a:fontRef>
-        </p:style>
-      </p:cxnSp>
+          <a:scene3d>
+            <a:camera prst="isometricLeftDown"/>
+            <a:lightRig rig="threePt" dir="t"/>
+          </a:scene3d>
+        </p:spPr>
+      </p:pic>
+      <p:pic>
+        <p:nvPicPr>
+          <p:cNvPr id="7" name="Picture 6"/>
+          <p:cNvPicPr>
+            <a:picLocks noChangeAspect="1"/>
+          </p:cNvPicPr>
+          <p:nvPr/>
+        </p:nvPicPr>
+        <p:blipFill>
+          <a:blip r:embed="rId4">
+            <a:extLst>
+              <a:ext uri="{BEBA8EAE-BF5A-486C-A8C5-ECC9F3942E4B}">
+                <a14:imgProps xmlns="" xmlns:a14="http://schemas.microsoft.com/office/drawing/2010/main">
+                  <a14:imgLayer r:embed="rId5">
+                    <a14:imgEffect>
+                      <a14:backgroundRemoval t="0" b="100000" l="9574" r="89362">
+                        <a14:foregroundMark x1="73050" y1="48507" x2="73050" y2="48507"/>
+                        <a14:foregroundMark x1="61348" y1="71269" x2="61348" y2="71269"/>
+                        <a14:foregroundMark x1="57801" y1="95149" x2="57801" y2="95149"/>
+                      </a14:backgroundRemoval>
+                    </a14:imgEffect>
+                  </a14:imgLayer>
+                </a14:imgProps>
+              </a:ext>
+            </a:extLst>
+          </a:blip>
+          <a:stretch>
+            <a:fillRect/>
+          </a:stretch>
+        </p:blipFill>
+        <p:spPr>
+          <a:xfrm>
+            <a:off x="4267200" y="1295400"/>
+            <a:ext cx="783204" cy="744322"/>
+          </a:xfrm>
+          <a:prstGeom prst="rect">
+            <a:avLst/>
+          </a:prstGeom>
+          <a:scene3d>
+            <a:camera prst="isometricLeftDown"/>
+            <a:lightRig rig="threePt" dir="t"/>
+          </a:scene3d>
+        </p:spPr>
+      </p:pic>
     </p:spTree>
+    <p:extLst>
+      <p:ext uri="{BB962C8B-B14F-4D97-AF65-F5344CB8AC3E}">
+        <p14:creationId xmlns="" xmlns:p14="http://schemas.microsoft.com/office/powerpoint/2010/main" val="3725034215"/>
+      </p:ext>
+    </p:extLst>
+  </p:cSld>
+  <p:clrMapOvr>
+    <a:masterClrMapping/>
+  </p:clrMapOvr>
+</p:sld>
+</file>
+
+<file path=ppt/slides/slide9.xml><?xml version="1.0" encoding="utf-8"?>
+<p:sld xmlns:a="http://schemas.openxmlformats.org/drawingml/2006/main" xmlns:r="http://schemas.openxmlformats.org/officeDocument/2006/relationships" xmlns:p="http://schemas.openxmlformats.org/presentationml/2006/main">
+  <p:cSld>
+    <p:spTree>
+      <p:nvGrpSpPr>
+        <p:cNvPr id="1" name=""/>
+        <p:cNvGrpSpPr/>
+        <p:nvPr/>
+      </p:nvGrpSpPr>
+      <p:grpSpPr>
+        <a:xfrm>
+          <a:off x="0" y="0"/>
+          <a:ext cx="0" cy="0"/>
+          <a:chOff x="0" y="0"/>
+          <a:chExt cx="0" cy="0"/>
+        </a:xfrm>
+      </p:grpSpPr>
+      <p:sp>
+        <p:nvSpPr>
+          <p:cNvPr id="2" name="Title 1"/>
+          <p:cNvSpPr>
+            <a:spLocks noGrp="1"/>
+          </p:cNvSpPr>
+          <p:nvPr>
+            <p:ph type="title"/>
+          </p:nvPr>
+        </p:nvSpPr>
+        <p:spPr/>
+        <p:txBody>
+          <a:bodyPr>
+            <a:normAutofit/>
+          </a:bodyPr>
+          <a:lstStyle/>
+          <a:p>
+            <a:pPr algn="r"/>
+            <a:r>
+              <a:rPr lang="en-US" sz="3200" dirty="0" smtClean="0">
+                <a:latin typeface="Product Sans" panose="020B0403030502040203" pitchFamily="34" charset="0"/>
+              </a:rPr>
+              <a:t>Project’s </a:t>
+            </a:r>
+            <a:r>
+              <a:rPr lang="en-US" sz="3200" dirty="0" smtClean="0">
+                <a:solidFill>
+                  <a:srgbClr val="00B050"/>
+                </a:solidFill>
+                <a:latin typeface="Product Sans" panose="020B0403030502040203" pitchFamily="34" charset="0"/>
+              </a:rPr>
+              <a:t>Abilities</a:t>
+            </a:r>
+            <a:r>
+              <a:rPr lang="en-US" sz="3200" dirty="0" smtClean="0">
+                <a:latin typeface="Product Sans" panose="020B0403030502040203" pitchFamily="34" charset="0"/>
+              </a:rPr>
+              <a:t> and </a:t>
+            </a:r>
+            <a:r>
+              <a:rPr lang="en-US" sz="3200" dirty="0" smtClean="0">
+                <a:solidFill>
+                  <a:srgbClr val="9900CC"/>
+                </a:solidFill>
+                <a:latin typeface="Product Sans" panose="020B0403030502040203" pitchFamily="34" charset="0"/>
+              </a:rPr>
+              <a:t>In-Abilities </a:t>
+            </a:r>
+            <a:endParaRPr lang="en-US" sz="3200" dirty="0">
+              <a:solidFill>
+                <a:srgbClr val="9900CC"/>
+              </a:solidFill>
+              <a:latin typeface="Product Sans" panose="020B0403030502040203" pitchFamily="34" charset="0"/>
+            </a:endParaRPr>
+          </a:p>
+        </p:txBody>
+      </p:sp>
+      <p:sp>
+        <p:nvSpPr>
+          <p:cNvPr id="3" name="Content Placeholder 2"/>
+          <p:cNvSpPr>
+            <a:spLocks noGrp="1"/>
+          </p:cNvSpPr>
+          <p:nvPr>
+            <p:ph idx="1"/>
+          </p:nvPr>
+        </p:nvSpPr>
+        <p:spPr>
+          <a:xfrm>
+            <a:off x="457200" y="1951037"/>
+            <a:ext cx="8229600" cy="4525963"/>
+          </a:xfrm>
+        </p:spPr>
+        <p:txBody>
+          <a:bodyPr>
+            <a:normAutofit lnSpcReduction="10000"/>
+          </a:bodyPr>
+          <a:lstStyle/>
+          <a:p>
+            <a:pPr>
+              <a:buFontTx/>
+              <a:buChar char="-"/>
+            </a:pPr>
+            <a:r>
+              <a:rPr lang="en-US" dirty="0" smtClean="0">
+                <a:latin typeface="Product Sans" panose="020B0403030502040203" pitchFamily="34" charset="0"/>
+              </a:rPr>
+              <a:t>Features ( It </a:t>
+            </a:r>
+            <a:r>
+              <a:rPr lang="en-US" dirty="0" smtClean="0">
+                <a:solidFill>
+                  <a:srgbClr val="00B050"/>
+                </a:solidFill>
+                <a:latin typeface="Product Sans" panose="020B0403030502040203" pitchFamily="34" charset="0"/>
+              </a:rPr>
+              <a:t>CAN</a:t>
+            </a:r>
+            <a:r>
+              <a:rPr lang="en-US" dirty="0" smtClean="0">
+                <a:latin typeface="Product Sans" panose="020B0403030502040203" pitchFamily="34" charset="0"/>
+              </a:rPr>
+              <a:t> do ) : </a:t>
+            </a:r>
+          </a:p>
+          <a:p>
+            <a:pPr>
+              <a:buFontTx/>
+              <a:buChar char="-"/>
+            </a:pPr>
+            <a:endParaRPr lang="en-US" dirty="0" smtClean="0">
+              <a:latin typeface="Product Sans" panose="020B0403030502040203" pitchFamily="34" charset="0"/>
+            </a:endParaRPr>
+          </a:p>
+          <a:p>
+            <a:pPr lvl="1">
+              <a:buFontTx/>
+              <a:buChar char="-"/>
+            </a:pPr>
+            <a:r>
+              <a:rPr lang="en-US" b="1" dirty="0" smtClean="0">
+                <a:solidFill>
+                  <a:srgbClr val="92D050"/>
+                </a:solidFill>
+                <a:latin typeface="Product Sans" panose="020B0403030502040203" pitchFamily="34" charset="0"/>
+              </a:rPr>
+              <a:t>Add</a:t>
+            </a:r>
+            <a:r>
+              <a:rPr lang="en-US" dirty="0" smtClean="0">
+                <a:latin typeface="Product Sans" panose="020B0403030502040203" pitchFamily="34" charset="0"/>
+              </a:rPr>
+              <a:t> A new Employee [ With Details ]</a:t>
+            </a:r>
+          </a:p>
+          <a:p>
+            <a:pPr lvl="1">
+              <a:buFontTx/>
+              <a:buChar char="-"/>
+            </a:pPr>
+            <a:r>
+              <a:rPr lang="en-US" b="1" dirty="0">
+                <a:solidFill>
+                  <a:srgbClr val="FF0000"/>
+                </a:solidFill>
+                <a:latin typeface="Product Sans" panose="020B0403030502040203" pitchFamily="34" charset="0"/>
+              </a:rPr>
+              <a:t>R</a:t>
+            </a:r>
+            <a:r>
+              <a:rPr lang="en-US" b="1" dirty="0" smtClean="0">
+                <a:solidFill>
+                  <a:srgbClr val="FF0000"/>
+                </a:solidFill>
+                <a:latin typeface="Product Sans" panose="020B0403030502040203" pitchFamily="34" charset="0"/>
+              </a:rPr>
+              <a:t>estrict</a:t>
+            </a:r>
+            <a:r>
+              <a:rPr lang="en-US" dirty="0" smtClean="0">
+                <a:latin typeface="Product Sans" panose="020B0403030502040203" pitchFamily="34" charset="0"/>
+              </a:rPr>
+              <a:t> A Employee</a:t>
+            </a:r>
+          </a:p>
+          <a:p>
+            <a:pPr lvl="1">
+              <a:buFontTx/>
+              <a:buChar char="-"/>
+            </a:pPr>
+            <a:r>
+              <a:rPr lang="en-US" b="1" dirty="0" smtClean="0">
+                <a:solidFill>
+                  <a:srgbClr val="00B0F0"/>
+                </a:solidFill>
+                <a:latin typeface="Product Sans" panose="020B0403030502040203" pitchFamily="34" charset="0"/>
+              </a:rPr>
+              <a:t>Recognize</a:t>
+            </a:r>
+            <a:r>
+              <a:rPr lang="en-US" dirty="0" smtClean="0">
+                <a:latin typeface="Product Sans" panose="020B0403030502040203" pitchFamily="34" charset="0"/>
+              </a:rPr>
+              <a:t> the Face and mark an attendance</a:t>
+            </a:r>
+          </a:p>
+          <a:p>
+            <a:pPr lvl="1">
+              <a:buNone/>
+            </a:pPr>
+            <a:r>
+              <a:rPr lang="en-US" dirty="0" smtClean="0">
+                <a:latin typeface="Product Sans" panose="020B0403030502040203" pitchFamily="34" charset="0"/>
+              </a:rPr>
+              <a:t>    Store the Unknown faces </a:t>
+            </a:r>
+          </a:p>
+          <a:p>
+            <a:pPr lvl="1">
+              <a:buNone/>
+            </a:pPr>
+            <a:r>
+              <a:rPr lang="en-US" dirty="0" smtClean="0">
+                <a:latin typeface="Product Sans" panose="020B0403030502040203" pitchFamily="34" charset="0"/>
+              </a:rPr>
+              <a:t>    </a:t>
+            </a:r>
+            <a:r>
+              <a:rPr lang="en-US" b="1" dirty="0" smtClean="0">
+                <a:solidFill>
+                  <a:srgbClr val="66FFFF"/>
+                </a:solidFill>
+                <a:latin typeface="Product Sans" panose="020B0403030502040203" pitchFamily="34" charset="0"/>
+              </a:rPr>
+              <a:t>Hold</a:t>
+            </a:r>
+            <a:r>
+              <a:rPr lang="en-US" dirty="0" smtClean="0">
+                <a:latin typeface="Product Sans" panose="020B0403030502040203" pitchFamily="34" charset="0"/>
+              </a:rPr>
+              <a:t> the entry on person’s leave [ For given time ]</a:t>
+            </a:r>
+          </a:p>
+          <a:p>
+            <a:pPr lvl="1">
+              <a:buFontTx/>
+              <a:buChar char="-"/>
+            </a:pPr>
+            <a:r>
+              <a:rPr lang="en-US" dirty="0" smtClean="0">
+                <a:latin typeface="Product Sans" panose="020B0403030502040203" pitchFamily="34" charset="0"/>
+              </a:rPr>
+              <a:t> </a:t>
+            </a:r>
+            <a:r>
+              <a:rPr lang="en-US" b="1" dirty="0" smtClean="0">
+                <a:solidFill>
+                  <a:srgbClr val="0070C0"/>
+                </a:solidFill>
+                <a:latin typeface="Product Sans" panose="020B0403030502040203" pitchFamily="34" charset="0"/>
+              </a:rPr>
+              <a:t>Generates</a:t>
+            </a:r>
+            <a:r>
+              <a:rPr lang="en-US" dirty="0" smtClean="0">
+                <a:latin typeface="Product Sans" panose="020B0403030502040203" pitchFamily="34" charset="0"/>
+              </a:rPr>
+              <a:t> the monthly report</a:t>
+            </a:r>
+          </a:p>
+          <a:p>
+            <a:pPr lvl="1">
+              <a:buFontTx/>
+              <a:buChar char="-"/>
+            </a:pPr>
+            <a:endParaRPr lang="en-US" dirty="0">
+              <a:latin typeface="Product Sans" panose="020B0403030502040203" pitchFamily="34" charset="0"/>
+            </a:endParaRPr>
+          </a:p>
+        </p:txBody>
+      </p:sp>
+      <p:pic>
+        <p:nvPicPr>
+          <p:cNvPr id="5" name="Picture 4" descr="art.jpg"/>
+          <p:cNvPicPr>
+            <a:picLocks noChangeAspect="1"/>
+          </p:cNvPicPr>
+          <p:nvPr/>
+        </p:nvPicPr>
+        <p:blipFill>
+          <a:blip r:embed="rId2"/>
+          <a:srcRect l="31667" t="37125" r="29167" b="46781"/>
+          <a:stretch>
+            <a:fillRect/>
+          </a:stretch>
+        </p:blipFill>
+        <p:spPr>
+          <a:xfrm>
+            <a:off x="4191000" y="1066800"/>
+            <a:ext cx="1981200" cy="152400"/>
+          </a:xfrm>
+          <a:prstGeom prst="rect">
+            <a:avLst/>
+          </a:prstGeom>
+        </p:spPr>
+      </p:pic>
+      <p:pic>
+        <p:nvPicPr>
+          <p:cNvPr id="8" name="Picture 7" descr="art.jpg"/>
+          <p:cNvPicPr>
+            <a:picLocks noChangeAspect="1"/>
+          </p:cNvPicPr>
+          <p:nvPr/>
+        </p:nvPicPr>
+        <p:blipFill>
+          <a:blip r:embed="rId2">
+            <a:duotone>
+              <a:schemeClr val="accent2">
+                <a:shade val="45000"/>
+                <a:satMod val="135000"/>
+              </a:schemeClr>
+              <a:prstClr val="white"/>
+            </a:duotone>
+          </a:blip>
+          <a:srcRect l="31667" t="37125" r="29167" b="46781"/>
+          <a:stretch>
+            <a:fillRect/>
+          </a:stretch>
+        </p:blipFill>
+        <p:spPr>
+          <a:xfrm flipH="1">
+            <a:off x="6553200" y="1066799"/>
+            <a:ext cx="2209800" cy="169985"/>
+          </a:xfrm>
+          <a:prstGeom prst="rect">
+            <a:avLst/>
+          </a:prstGeom>
+        </p:spPr>
+      </p:pic>
+      <p:sp>
+        <p:nvSpPr>
+          <p:cNvPr id="4" name="TextBox 3"/>
+          <p:cNvSpPr txBox="1"/>
+          <p:nvPr/>
+        </p:nvSpPr>
+        <p:spPr>
+          <a:xfrm>
+            <a:off x="7620000" y="1002268"/>
+            <a:ext cx="1074333" cy="369332"/>
+          </a:xfrm>
+          <a:prstGeom prst="rect">
+            <a:avLst/>
+          </a:prstGeom>
+          <a:noFill/>
+        </p:spPr>
+        <p:txBody>
+          <a:bodyPr wrap="none" rtlCol="0">
+            <a:spAutoFit/>
+          </a:bodyPr>
+          <a:lstStyle/>
+          <a:p>
+            <a:r>
+              <a:rPr lang="en-US" dirty="0" smtClean="0">
+                <a:latin typeface="Product Sans" panose="020B0403030502040203" pitchFamily="34" charset="0"/>
+              </a:rPr>
+              <a:t>( Scope )</a:t>
+            </a:r>
+            <a:endParaRPr lang="en-US" dirty="0">
+              <a:latin typeface="Product Sans" panose="020B0403030502040203" pitchFamily="34" charset="0"/>
+            </a:endParaRPr>
+          </a:p>
+        </p:txBody>
+      </p:sp>
+      <p:pic>
+        <p:nvPicPr>
+          <p:cNvPr id="9" name="Picture 8" descr="79-794261_clipart-ok-thumbsup-good-yellow-fine-emojisticker-yes.png"/>
+          <p:cNvPicPr>
+            <a:picLocks noChangeAspect="1"/>
+          </p:cNvPicPr>
+          <p:nvPr/>
+        </p:nvPicPr>
+        <p:blipFill>
+          <a:blip r:embed="rId3" cstate="print"/>
+          <a:stretch>
+            <a:fillRect/>
+          </a:stretch>
+        </p:blipFill>
+        <p:spPr>
+          <a:xfrm>
+            <a:off x="4953000" y="1828800"/>
+            <a:ext cx="865482" cy="609600"/>
+          </a:xfrm>
+          <a:prstGeom prst="rect">
+            <a:avLst/>
+          </a:prstGeom>
+        </p:spPr>
+      </p:pic>
+      <p:pic>
+        <p:nvPicPr>
+          <p:cNvPr id="6146" name="Picture 2" descr="https://render.fineartamerica.com/images/rendered/default/print/8.000/8.000/break/images-medium-5/flat-round-sticker-plus-sign-icon-button-positive-symbol-isolated-on-white-background-vanreeel.jpg"/>
+          <p:cNvPicPr>
+            <a:picLocks noChangeAspect="1" noChangeArrowheads="1"/>
+          </p:cNvPicPr>
+          <p:nvPr/>
+        </p:nvPicPr>
+        <p:blipFill>
+          <a:blip r:embed="rId4" cstate="print"/>
+          <a:srcRect/>
+          <a:stretch>
+            <a:fillRect/>
+          </a:stretch>
+        </p:blipFill>
+        <p:spPr bwMode="auto">
+          <a:xfrm>
+            <a:off x="762000" y="2971800"/>
+            <a:ext cx="457200" cy="457200"/>
+          </a:xfrm>
+          <a:prstGeom prst="rect">
+            <a:avLst/>
+          </a:prstGeom>
+          <a:noFill/>
+        </p:spPr>
+      </p:pic>
+      <p:pic>
+        <p:nvPicPr>
+          <p:cNvPr id="6150" name="Picture 6" descr="https://www.pinclipart.com/picdir/middle/43-433525_plus-and-minus-icons-red-minus-sign-png.png"/>
+          <p:cNvPicPr>
+            <a:picLocks noChangeAspect="1" noChangeArrowheads="1"/>
+          </p:cNvPicPr>
+          <p:nvPr/>
+        </p:nvPicPr>
+        <p:blipFill>
+          <a:blip r:embed="rId5" cstate="print">
+            <a:lum bright="20000" contrast="20000"/>
+          </a:blip>
+          <a:srcRect/>
+          <a:stretch>
+            <a:fillRect/>
+          </a:stretch>
+        </p:blipFill>
+        <p:spPr bwMode="auto">
+          <a:xfrm>
+            <a:off x="685800" y="3505200"/>
+            <a:ext cx="609600" cy="471055"/>
+          </a:xfrm>
+          <a:prstGeom prst="rect">
+            <a:avLst/>
+          </a:prstGeom>
+          <a:noFill/>
+        </p:spPr>
+      </p:pic>
+      <p:pic>
+        <p:nvPicPr>
+          <p:cNvPr id="13" name="Picture 6" descr="https://www.pinclipart.com/picdir/middle/53-533401_applause-clipart-team-recognition-face-detection-icon-png.png"/>
+          <p:cNvPicPr>
+            <a:picLocks noChangeAspect="1" noChangeArrowheads="1"/>
+          </p:cNvPicPr>
+          <p:nvPr/>
+        </p:nvPicPr>
+        <p:blipFill>
+          <a:blip r:embed="rId6" cstate="print">
+            <a:lum bright="10000"/>
+          </a:blip>
+          <a:srcRect/>
+          <a:stretch>
+            <a:fillRect/>
+          </a:stretch>
+        </p:blipFill>
+        <p:spPr bwMode="auto">
+          <a:xfrm>
+            <a:off x="762000" y="4042064"/>
+            <a:ext cx="381000" cy="377536"/>
+          </a:xfrm>
+          <a:prstGeom prst="rect">
+            <a:avLst/>
+          </a:prstGeom>
+          <a:noFill/>
+        </p:spPr>
+      </p:pic>
+      <p:sp>
+        <p:nvSpPr>
+          <p:cNvPr id="14" name="TextBox 13"/>
+          <p:cNvSpPr txBox="1"/>
+          <p:nvPr/>
+        </p:nvSpPr>
+        <p:spPr>
+          <a:xfrm>
+            <a:off x="533400" y="4495800"/>
+            <a:ext cx="742511" cy="276999"/>
+          </a:xfrm>
+          <a:prstGeom prst="rect">
+            <a:avLst/>
+          </a:prstGeom>
+          <a:noFill/>
+        </p:spPr>
+        <p:txBody>
+          <a:bodyPr wrap="none" rtlCol="0">
+            <a:spAutoFit/>
+          </a:bodyPr>
+          <a:lstStyle/>
+          <a:p>
+            <a:r>
+              <a:rPr lang="en-US" sz="1200" i="1" dirty="0" smtClean="0">
+                <a:latin typeface="Oswald SemiBold" pitchFamily="2" charset="0"/>
+              </a:rPr>
+              <a:t>Unknown</a:t>
+            </a:r>
+            <a:endParaRPr lang="en-US" sz="1200" i="1" dirty="0">
+              <a:latin typeface="Oswald SemiBold" pitchFamily="2" charset="0"/>
+            </a:endParaRPr>
+          </a:p>
+        </p:txBody>
+      </p:sp>
+      <p:pic>
+        <p:nvPicPr>
+          <p:cNvPr id="6152" name="Picture 8" descr="https://www.jing.fm/clipimg/detail/221-2218831_clip-art-stock-vector-trading-chart-stock-market.png"/>
+          <p:cNvPicPr>
+            <a:picLocks noChangeAspect="1" noChangeArrowheads="1"/>
+          </p:cNvPicPr>
+          <p:nvPr/>
+        </p:nvPicPr>
+        <p:blipFill>
+          <a:blip r:embed="rId7" cstate="print"/>
+          <a:srcRect/>
+          <a:stretch>
+            <a:fillRect/>
+          </a:stretch>
+        </p:blipFill>
+        <p:spPr bwMode="auto">
+          <a:xfrm>
+            <a:off x="661422" y="5715000"/>
+            <a:ext cx="481578" cy="457200"/>
+          </a:xfrm>
+          <a:prstGeom prst="rect">
+            <a:avLst/>
+          </a:prstGeom>
+          <a:noFill/>
+        </p:spPr>
+      </p:pic>
+      <p:pic>
+        <p:nvPicPr>
+          <p:cNvPr id="16" name="Picture 15" descr="n1655679 (1).png"/>
+          <p:cNvPicPr>
+            <a:picLocks noChangeAspect="1"/>
+          </p:cNvPicPr>
+          <p:nvPr/>
+        </p:nvPicPr>
+        <p:blipFill>
+          <a:blip r:embed="rId8" cstate="print">
+            <a:duotone>
+              <a:prstClr val="black"/>
+              <a:schemeClr val="accent5">
+                <a:tint val="45000"/>
+                <a:satMod val="400000"/>
+              </a:schemeClr>
+            </a:duotone>
+          </a:blip>
+          <a:stretch>
+            <a:fillRect/>
+          </a:stretch>
+        </p:blipFill>
+        <p:spPr>
+          <a:xfrm>
+            <a:off x="533400" y="5029200"/>
+            <a:ext cx="689055" cy="304800"/>
+          </a:xfrm>
+          <a:prstGeom prst="rect">
+            <a:avLst/>
+          </a:prstGeom>
+        </p:spPr>
+      </p:pic>
+    </p:spTree>
+    <p:extLst>
+      <p:ext uri="{BB962C8B-B14F-4D97-AF65-F5344CB8AC3E}">
+        <p14:creationId xmlns="" xmlns:p14="http://schemas.microsoft.com/office/powerpoint/2010/main" val="3256721106"/>
+      </p:ext>
+    </p:extLst>
   </p:cSld>
   <p:clrMapOvr>
     <a:masterClrMapping/>
@@ -5850,4 +8983,265 @@
   <a:objectDefaults/>
   <a:extraClrSchemeLst/>
 </a:theme>
+</file>
+
+<file path=ppt/theme/theme2.xml><?xml version="1.0" encoding="utf-8"?>
+<a:theme xmlns:a="http://schemas.openxmlformats.org/drawingml/2006/main" name="Office Theme">
+  <a:themeElements>
+    <a:clrScheme name="Office">
+      <a:dk1>
+        <a:sysClr val="windowText" lastClr="000000"/>
+      </a:dk1>
+      <a:lt1>
+        <a:sysClr val="window" lastClr="FFFFFF"/>
+      </a:lt1>
+      <a:dk2>
+        <a:srgbClr val="44546A"/>
+      </a:dk2>
+      <a:lt2>
+        <a:srgbClr val="E7E6E6"/>
+      </a:lt2>
+      <a:accent1>
+        <a:srgbClr val="5B9BD5"/>
+      </a:accent1>
+      <a:accent2>
+        <a:srgbClr val="ED7D31"/>
+      </a:accent2>
+      <a:accent3>
+        <a:srgbClr val="A5A5A5"/>
+      </a:accent3>
+      <a:accent4>
+        <a:srgbClr val="FFC000"/>
+      </a:accent4>
+      <a:accent5>
+        <a:srgbClr val="4472C4"/>
+      </a:accent5>
+      <a:accent6>
+        <a:srgbClr val="70AD47"/>
+      </a:accent6>
+      <a:hlink>
+        <a:srgbClr val="0563C1"/>
+      </a:hlink>
+      <a:folHlink>
+        <a:srgbClr val="954F72"/>
+      </a:folHlink>
+    </a:clrScheme>
+    <a:fontScheme name="Office">
+      <a:majorFont>
+        <a:latin typeface="Calibri Light"/>
+        <a:ea typeface=""/>
+        <a:cs typeface=""/>
+        <a:font script="Jpan" typeface="ＭＳ Ｐゴシック"/>
+        <a:font script="Hang" typeface="맑은 고딕"/>
+        <a:font script="Hans" typeface="宋体"/>
+        <a:font script="Hant" typeface="新細明體"/>
+        <a:font script="Arab" typeface="Times New Roman"/>
+        <a:font script="Hebr" typeface="Times New Roman"/>
+        <a:font script="Thai" typeface="Angsana New"/>
+        <a:font script="Ethi" typeface="Nyala"/>
+        <a:font script="Beng" typeface="Vrinda"/>
+        <a:font script="Gujr" typeface="Shruti"/>
+        <a:font script="Khmr" typeface="MoolBoran"/>
+        <a:font script="Knda" typeface="Tunga"/>
+        <a:font script="Guru" typeface="Raavi"/>
+        <a:font script="Cans" typeface="Euphemia"/>
+        <a:font script="Cher" typeface="Plantagenet Cherokee"/>
+        <a:font script="Yiii" typeface="Microsoft Yi Baiti"/>
+        <a:font script="Tibt" typeface="Microsoft Himalaya"/>
+        <a:font script="Thaa" typeface="MV Boli"/>
+        <a:font script="Deva" typeface="Mangal"/>
+        <a:font script="Telu" typeface="Gautami"/>
+        <a:font script="Taml" typeface="Latha"/>
+        <a:font script="Syrc" typeface="Estrangelo Edessa"/>
+        <a:font script="Orya" typeface="Kalinga"/>
+        <a:font script="Mlym" typeface="Kartika"/>
+        <a:font script="Laoo" typeface="DokChampa"/>
+        <a:font script="Sinh" typeface="Iskoola Pota"/>
+        <a:font script="Mong" typeface="Mongolian Baiti"/>
+        <a:font script="Viet" typeface="Times New Roman"/>
+        <a:font script="Uigh" typeface="Microsoft Uighur"/>
+        <a:font script="Geor" typeface="Sylfaen"/>
+      </a:majorFont>
+      <a:minorFont>
+        <a:latin typeface="Calibri"/>
+        <a:ea typeface=""/>
+        <a:cs typeface=""/>
+        <a:font script="Jpan" typeface="ＭＳ Ｐゴシック"/>
+        <a:font script="Hang" typeface="맑은 고딕"/>
+        <a:font script="Hans" typeface="宋体"/>
+        <a:font script="Hant" typeface="新細明體"/>
+        <a:font script="Arab" typeface="Arial"/>
+        <a:font script="Hebr" typeface="Arial"/>
+        <a:font script="Thai" typeface="Cordia New"/>
+        <a:font script="Ethi" typeface="Nyala"/>
+        <a:font script="Beng" typeface="Vrinda"/>
+        <a:font script="Gujr" typeface="Shruti"/>
+        <a:font script="Khmr" typeface="DaunPenh"/>
+        <a:font script="Knda" typeface="Tunga"/>
+        <a:font script="Guru" typeface="Raavi"/>
+        <a:font script="Cans" typeface="Euphemia"/>
+        <a:font script="Cher" typeface="Plantagenet Cherokee"/>
+        <a:font script="Yiii" typeface="Microsoft Yi Baiti"/>
+        <a:font script="Tibt" typeface="Microsoft Himalaya"/>
+        <a:font script="Thaa" typeface="MV Boli"/>
+        <a:font script="Deva" typeface="Mangal"/>
+        <a:font script="Telu" typeface="Gautami"/>
+        <a:font script="Taml" typeface="Latha"/>
+        <a:font script="Syrc" typeface="Estrangelo Edessa"/>
+        <a:font script="Orya" typeface="Kalinga"/>
+        <a:font script="Mlym" typeface="Kartika"/>
+        <a:font script="Laoo" typeface="DokChampa"/>
+        <a:font script="Sinh" typeface="Iskoola Pota"/>
+        <a:font script="Mong" typeface="Mongolian Baiti"/>
+        <a:font script="Viet" typeface="Arial"/>
+        <a:font script="Uigh" typeface="Microsoft Uighur"/>
+        <a:font script="Geor" typeface="Sylfaen"/>
+      </a:minorFont>
+    </a:fontScheme>
+    <a:fmtScheme name="Office">
+      <a:fillStyleLst>
+        <a:solidFill>
+          <a:schemeClr val="phClr"/>
+        </a:solidFill>
+        <a:gradFill rotWithShape="1">
+          <a:gsLst>
+            <a:gs pos="0">
+              <a:schemeClr val="phClr">
+                <a:lumMod val="110000"/>
+                <a:satMod val="105000"/>
+                <a:tint val="67000"/>
+              </a:schemeClr>
+            </a:gs>
+            <a:gs pos="50000">
+              <a:schemeClr val="phClr">
+                <a:lumMod val="105000"/>
+                <a:satMod val="103000"/>
+                <a:tint val="73000"/>
+              </a:schemeClr>
+            </a:gs>
+            <a:gs pos="100000">
+              <a:schemeClr val="phClr">
+                <a:lumMod val="105000"/>
+                <a:satMod val="109000"/>
+                <a:tint val="81000"/>
+              </a:schemeClr>
+            </a:gs>
+          </a:gsLst>
+          <a:lin ang="5400000" scaled="0"/>
+        </a:gradFill>
+        <a:gradFill rotWithShape="1">
+          <a:gsLst>
+            <a:gs pos="0">
+              <a:schemeClr val="phClr">
+                <a:satMod val="103000"/>
+                <a:lumMod val="102000"/>
+                <a:tint val="94000"/>
+              </a:schemeClr>
+            </a:gs>
+            <a:gs pos="50000">
+              <a:schemeClr val="phClr">
+                <a:satMod val="110000"/>
+                <a:lumMod val="100000"/>
+                <a:shade val="100000"/>
+              </a:schemeClr>
+            </a:gs>
+            <a:gs pos="100000">
+              <a:schemeClr val="phClr">
+                <a:lumMod val="99000"/>
+                <a:satMod val="120000"/>
+                <a:shade val="78000"/>
+              </a:schemeClr>
+            </a:gs>
+          </a:gsLst>
+          <a:lin ang="5400000" scaled="0"/>
+        </a:gradFill>
+      </a:fillStyleLst>
+      <a:lnStyleLst>
+        <a:ln w="6350" cap="flat" cmpd="sng" algn="ctr">
+          <a:solidFill>
+            <a:schemeClr val="phClr"/>
+          </a:solidFill>
+          <a:prstDash val="solid"/>
+          <a:miter lim="800000"/>
+        </a:ln>
+        <a:ln w="12700" cap="flat" cmpd="sng" algn="ctr">
+          <a:solidFill>
+            <a:schemeClr val="phClr"/>
+          </a:solidFill>
+          <a:prstDash val="solid"/>
+          <a:miter lim="800000"/>
+        </a:ln>
+        <a:ln w="19050" cap="flat" cmpd="sng" algn="ctr">
+          <a:solidFill>
+            <a:schemeClr val="phClr"/>
+          </a:solidFill>
+          <a:prstDash val="solid"/>
+          <a:miter lim="800000"/>
+        </a:ln>
+      </a:lnStyleLst>
+      <a:effectStyleLst>
+        <a:effectStyle>
+          <a:effectLst/>
+        </a:effectStyle>
+        <a:effectStyle>
+          <a:effectLst/>
+        </a:effectStyle>
+        <a:effectStyle>
+          <a:effectLst>
+            <a:outerShdw blurRad="57150" dist="19050" dir="5400000" algn="ctr" rotWithShape="0">
+              <a:srgbClr val="000000">
+                <a:alpha val="63000"/>
+              </a:srgbClr>
+            </a:outerShdw>
+          </a:effectLst>
+        </a:effectStyle>
+      </a:effectStyleLst>
+      <a:bgFillStyleLst>
+        <a:solidFill>
+          <a:schemeClr val="phClr"/>
+        </a:solidFill>
+        <a:solidFill>
+          <a:schemeClr val="phClr">
+            <a:tint val="95000"/>
+            <a:satMod val="170000"/>
+          </a:schemeClr>
+        </a:solidFill>
+        <a:gradFill rotWithShape="1">
+          <a:gsLst>
+            <a:gs pos="0">
+              <a:schemeClr val="phClr">
+                <a:tint val="93000"/>
+                <a:satMod val="150000"/>
+                <a:shade val="98000"/>
+                <a:lumMod val="102000"/>
+              </a:schemeClr>
+            </a:gs>
+            <a:gs pos="50000">
+              <a:schemeClr val="phClr">
+                <a:tint val="98000"/>
+                <a:satMod val="130000"/>
+                <a:shade val="90000"/>
+                <a:lumMod val="103000"/>
+              </a:schemeClr>
+            </a:gs>
+            <a:gs pos="100000">
+              <a:schemeClr val="phClr">
+                <a:shade val="63000"/>
+                <a:satMod val="120000"/>
+              </a:schemeClr>
+            </a:gs>
+          </a:gsLst>
+          <a:lin ang="5400000" scaled="0"/>
+        </a:gradFill>
+      </a:bgFillStyleLst>
+    </a:fmtScheme>
+  </a:themeElements>
+  <a:objectDefaults/>
+  <a:extraClrSchemeLst/>
+  <a:extLst>
+    <a:ext uri="{05A4C25C-085E-4340-85A3-A5531E510DB2}">
+      <thm15:themeFamily xmlns="" xmlns:thm15="http://schemas.microsoft.com/office/thememl/2012/main" name="Office Theme" id="{62F939B6-93AF-4DB8-9C6B-D6C7DFDC589F}" vid="{4A3C46E8-61CC-4603-A589-7422A47A8E4A}"/>
+    </a:ext>
+  </a:extLst>
+</a:theme>
 </file>
--- a/Automated Attendance System – By AI.pptx
+++ b/Automated Attendance System – By AI.pptx
@@ -5,7 +5,7 @@
     <p:sldMasterId id="2147483648" r:id="rId1"/>
   </p:sldMasterIdLst>
   <p:notesMasterIdLst>
-    <p:notesMasterId r:id="rId16"/>
+    <p:notesMasterId r:id="rId18"/>
   </p:notesMasterIdLst>
   <p:sldIdLst>
     <p:sldId id="256" r:id="rId2"/>
@@ -22,6 +22,8 @@
     <p:sldId id="269" r:id="rId13"/>
     <p:sldId id="270" r:id="rId14"/>
     <p:sldId id="271" r:id="rId15"/>
+    <p:sldId id="272" r:id="rId16"/>
+    <p:sldId id="273" r:id="rId17"/>
   </p:sldIdLst>
   <p:sldSz cx="9144000" cy="6858000" type="screen4x3"/>
   <p:notesSz cx="6858000" cy="9144000"/>
@@ -222,7 +224,7 @@
             <a:fld id="{24FB44D1-07B6-4839-B46D-C6574D0A3325}" type="datetimeFigureOut">
               <a:rPr lang="en-US" smtClean="0"/>
               <a:pPr/>
-              <a:t>20-Dec-19</a:t>
+              <a:t>23-Dec-19</a:t>
             </a:fld>
             <a:endParaRPr lang="en-US"/>
           </a:p>
@@ -758,7 +760,7 @@
             <a:fld id="{EF468906-B54D-44C4-8807-7A5CF54DB834}" type="datetimeFigureOut">
               <a:rPr lang="en-US" smtClean="0"/>
               <a:pPr/>
-              <a:t>20-Dec-19</a:t>
+              <a:t>23-Dec-19</a:t>
             </a:fld>
             <a:endParaRPr lang="en-US"/>
           </a:p>
@@ -925,7 +927,7 @@
             <a:fld id="{EF468906-B54D-44C4-8807-7A5CF54DB834}" type="datetimeFigureOut">
               <a:rPr lang="en-US" smtClean="0"/>
               <a:pPr/>
-              <a:t>20-Dec-19</a:t>
+              <a:t>23-Dec-19</a:t>
             </a:fld>
             <a:endParaRPr lang="en-US"/>
           </a:p>
@@ -1102,7 +1104,7 @@
             <a:fld id="{EF468906-B54D-44C4-8807-7A5CF54DB834}" type="datetimeFigureOut">
               <a:rPr lang="en-US" smtClean="0"/>
               <a:pPr/>
-              <a:t>20-Dec-19</a:t>
+              <a:t>23-Dec-19</a:t>
             </a:fld>
             <a:endParaRPr lang="en-US"/>
           </a:p>
@@ -1269,7 +1271,7 @@
             <a:fld id="{EF468906-B54D-44C4-8807-7A5CF54DB834}" type="datetimeFigureOut">
               <a:rPr lang="en-US" smtClean="0"/>
               <a:pPr/>
-              <a:t>20-Dec-19</a:t>
+              <a:t>23-Dec-19</a:t>
             </a:fld>
             <a:endParaRPr lang="en-US"/>
           </a:p>
@@ -1512,7 +1514,7 @@
             <a:fld id="{EF468906-B54D-44C4-8807-7A5CF54DB834}" type="datetimeFigureOut">
               <a:rPr lang="en-US" smtClean="0"/>
               <a:pPr/>
-              <a:t>20-Dec-19</a:t>
+              <a:t>23-Dec-19</a:t>
             </a:fld>
             <a:endParaRPr lang="en-US"/>
           </a:p>
@@ -1797,7 +1799,7 @@
             <a:fld id="{EF468906-B54D-44C4-8807-7A5CF54DB834}" type="datetimeFigureOut">
               <a:rPr lang="en-US" smtClean="0"/>
               <a:pPr/>
-              <a:t>20-Dec-19</a:t>
+              <a:t>23-Dec-19</a:t>
             </a:fld>
             <a:endParaRPr lang="en-US"/>
           </a:p>
@@ -2216,7 +2218,7 @@
             <a:fld id="{EF468906-B54D-44C4-8807-7A5CF54DB834}" type="datetimeFigureOut">
               <a:rPr lang="en-US" smtClean="0"/>
               <a:pPr/>
-              <a:t>20-Dec-19</a:t>
+              <a:t>23-Dec-19</a:t>
             </a:fld>
             <a:endParaRPr lang="en-US"/>
           </a:p>
@@ -2331,7 +2333,7 @@
             <a:fld id="{EF468906-B54D-44C4-8807-7A5CF54DB834}" type="datetimeFigureOut">
               <a:rPr lang="en-US" smtClean="0"/>
               <a:pPr/>
-              <a:t>20-Dec-19</a:t>
+              <a:t>23-Dec-19</a:t>
             </a:fld>
             <a:endParaRPr lang="en-US"/>
           </a:p>
@@ -2423,7 +2425,7 @@
             <a:fld id="{EF468906-B54D-44C4-8807-7A5CF54DB834}" type="datetimeFigureOut">
               <a:rPr lang="en-US" smtClean="0"/>
               <a:pPr/>
-              <a:t>20-Dec-19</a:t>
+              <a:t>23-Dec-19</a:t>
             </a:fld>
             <a:endParaRPr lang="en-US"/>
           </a:p>
@@ -2697,7 +2699,7 @@
             <a:fld id="{EF468906-B54D-44C4-8807-7A5CF54DB834}" type="datetimeFigureOut">
               <a:rPr lang="en-US" smtClean="0"/>
               <a:pPr/>
-              <a:t>20-Dec-19</a:t>
+              <a:t>23-Dec-19</a:t>
             </a:fld>
             <a:endParaRPr lang="en-US"/>
           </a:p>
@@ -2947,7 +2949,7 @@
             <a:fld id="{EF468906-B54D-44C4-8807-7A5CF54DB834}" type="datetimeFigureOut">
               <a:rPr lang="en-US" smtClean="0"/>
               <a:pPr/>
-              <a:t>20-Dec-19</a:t>
+              <a:t>23-Dec-19</a:t>
             </a:fld>
             <a:endParaRPr lang="en-US"/>
           </a:p>
@@ -3157,7 +3159,7 @@
             <a:fld id="{EF468906-B54D-44C4-8807-7A5CF54DB834}" type="datetimeFigureOut">
               <a:rPr lang="en-US" smtClean="0"/>
               <a:pPr/>
-              <a:t>20-Dec-19</a:t>
+              <a:t>23-Dec-19</a:t>
             </a:fld>
             <a:endParaRPr lang="en-US"/>
           </a:p>
@@ -4452,6 +4454,13 @@
   <p:clrMapOvr>
     <a:masterClrMapping/>
   </p:clrMapOvr>
+  <p:timing>
+    <p:tnLst>
+      <p:par>
+        <p:cTn id="1" dur="indefinite" restart="never" nodeType="tmRoot"/>
+      </p:par>
+    </p:tnLst>
+  </p:timing>
 </p:sld>
 </file>
 
@@ -4577,30 +4586,36 @@
             </a:endParaRPr>
           </a:p>
           <a:p>
-            <a:pPr lvl="1"/>
+            <a:pPr lvl="1">
+              <a:buNone/>
+            </a:pPr>
             <a:r>
               <a:rPr lang="en-US" dirty="0" smtClean="0">
                 <a:latin typeface="Product Sans" panose="020B0403030502040203" pitchFamily="34" charset="0"/>
               </a:rPr>
-              <a:t>Manage In &amp; Out of every person</a:t>
-            </a:r>
-          </a:p>
-          <a:p>
-            <a:pPr lvl="1"/>
+              <a:t>    Manage In &amp; Out of every person</a:t>
+            </a:r>
+          </a:p>
+          <a:p>
+            <a:pPr lvl="1">
+              <a:buNone/>
+            </a:pPr>
             <a:r>
               <a:rPr lang="en-US" dirty="0" smtClean="0">
                 <a:latin typeface="Product Sans" panose="020B0403030502040203" pitchFamily="34" charset="0"/>
               </a:rPr>
-              <a:t>Mobile SMS based on clock-in/out on leave request</a:t>
-            </a:r>
-          </a:p>
-          <a:p>
-            <a:pPr lvl="1"/>
+              <a:t>    Mobile SMS based on clock-in/out on leave request</a:t>
+            </a:r>
+          </a:p>
+          <a:p>
+            <a:pPr lvl="1">
+              <a:buNone/>
+            </a:pPr>
             <a:r>
               <a:rPr lang="en-US" dirty="0" smtClean="0">
                 <a:latin typeface="Product Sans" panose="020B0403030502040203" pitchFamily="34" charset="0"/>
               </a:rPr>
-              <a:t>Employee profile, shift management </a:t>
+              <a:t>    Employee profile, shift management </a:t>
             </a:r>
           </a:p>
           <a:p>
@@ -4750,6 +4765,84 @@
           <a:effectLst/>
         </p:spPr>
       </p:pic>
+      <p:pic>
+        <p:nvPicPr>
+          <p:cNvPr id="4098" name="Picture 2" descr="https://upload.wikimedia.org/wikipedia/commons/thumb/5/5f/Red_X.svg/1024px-Red_X.svg.png"/>
+          <p:cNvPicPr>
+            <a:picLocks noChangeAspect="1" noChangeArrowheads="1"/>
+          </p:cNvPicPr>
+          <p:nvPr/>
+        </p:nvPicPr>
+        <p:blipFill>
+          <a:blip r:embed="rId4" cstate="print"/>
+          <a:srcRect/>
+          <a:stretch>
+            <a:fillRect/>
+          </a:stretch>
+        </p:blipFill>
+        <p:spPr bwMode="auto">
+          <a:xfrm>
+            <a:off x="990600" y="2286000"/>
+            <a:ext cx="228600" cy="228600"/>
+          </a:xfrm>
+          <a:prstGeom prst="rect">
+            <a:avLst/>
+          </a:prstGeom>
+          <a:noFill/>
+        </p:spPr>
+      </p:pic>
+      <p:pic>
+        <p:nvPicPr>
+          <p:cNvPr id="9" name="Picture 2" descr="https://upload.wikimedia.org/wikipedia/commons/thumb/5/5f/Red_X.svg/1024px-Red_X.svg.png"/>
+          <p:cNvPicPr>
+            <a:picLocks noChangeAspect="1" noChangeArrowheads="1"/>
+          </p:cNvPicPr>
+          <p:nvPr/>
+        </p:nvPicPr>
+        <p:blipFill>
+          <a:blip r:embed="rId4" cstate="print"/>
+          <a:srcRect/>
+          <a:stretch>
+            <a:fillRect/>
+          </a:stretch>
+        </p:blipFill>
+        <p:spPr bwMode="auto">
+          <a:xfrm>
+            <a:off x="990600" y="2819400"/>
+            <a:ext cx="228600" cy="228600"/>
+          </a:xfrm>
+          <a:prstGeom prst="rect">
+            <a:avLst/>
+          </a:prstGeom>
+          <a:noFill/>
+        </p:spPr>
+      </p:pic>
+      <p:pic>
+        <p:nvPicPr>
+          <p:cNvPr id="10" name="Picture 2" descr="https://upload.wikimedia.org/wikipedia/commons/thumb/5/5f/Red_X.svg/1024px-Red_X.svg.png"/>
+          <p:cNvPicPr>
+            <a:picLocks noChangeAspect="1" noChangeArrowheads="1"/>
+          </p:cNvPicPr>
+          <p:nvPr/>
+        </p:nvPicPr>
+        <p:blipFill>
+          <a:blip r:embed="rId4" cstate="print"/>
+          <a:srcRect/>
+          <a:stretch>
+            <a:fillRect/>
+          </a:stretch>
+        </p:blipFill>
+        <p:spPr bwMode="auto">
+          <a:xfrm>
+            <a:off x="990600" y="3810000"/>
+            <a:ext cx="228600" cy="228600"/>
+          </a:xfrm>
+          <a:prstGeom prst="rect">
+            <a:avLst/>
+          </a:prstGeom>
+          <a:noFill/>
+        </p:spPr>
+      </p:pic>
     </p:spTree>
     <p:extLst>
       <p:ext uri="{BB962C8B-B14F-4D97-AF65-F5344CB8AC3E}">
@@ -4760,6 +4853,13 @@
   <p:clrMapOvr>
     <a:masterClrMapping/>
   </p:clrMapOvr>
+  <p:timing>
+    <p:tnLst>
+      <p:par>
+        <p:cTn id="1" dur="indefinite" restart="never" nodeType="tmRoot"/>
+      </p:par>
+    </p:tnLst>
+  </p:timing>
 </p:sld>
 </file>
 
@@ -4780,6 +4880,34 @@
           <a:chExt cx="0" cy="0"/>
         </a:xfrm>
       </p:grpSpPr>
+      <p:pic>
+        <p:nvPicPr>
+          <p:cNvPr id="3080" name="Picture 8" descr="https://www.onlygfx.com/wp-content/uploads/2018/07/17-red-lipstick-brush-stroke-11.png"/>
+          <p:cNvPicPr>
+            <a:picLocks noChangeAspect="1" noChangeArrowheads="1"/>
+          </p:cNvPicPr>
+          <p:nvPr/>
+        </p:nvPicPr>
+        <p:blipFill>
+          <a:blip r:embed="rId2">
+            <a:lum bright="40000" contrast="-30000"/>
+          </a:blip>
+          <a:srcRect/>
+          <a:stretch>
+            <a:fillRect/>
+          </a:stretch>
+        </p:blipFill>
+        <p:spPr bwMode="auto">
+          <a:xfrm>
+            <a:off x="4963886" y="152400"/>
+            <a:ext cx="4408714" cy="1371600"/>
+          </a:xfrm>
+          <a:prstGeom prst="rect">
+            <a:avLst/>
+          </a:prstGeom>
+          <a:noFill/>
+        </p:spPr>
+      </p:pic>
       <p:sp>
         <p:nvSpPr>
           <p:cNvPr id="2" name="Title 1"/>
@@ -4802,9 +4930,23 @@
                 <a:ea typeface="Arial Unicode MS" panose="020B0604020202020204" pitchFamily="34" charset="-128"/>
                 <a:cs typeface="Arial Unicode MS" panose="020B0604020202020204" pitchFamily="34" charset="-128"/>
               </a:rPr>
-              <a:t>Some - Limitations</a:t>
+              <a:t>Some - </a:t>
+            </a:r>
+            <a:r>
+              <a:rPr lang="en-US" dirty="0" smtClean="0">
+                <a:solidFill>
+                  <a:schemeClr val="bg1"/>
+                </a:solidFill>
+                <a:latin typeface="Product Sans" panose="020B0403030502040203" pitchFamily="34" charset="0"/>
+                <a:ea typeface="Arial Unicode MS" panose="020B0604020202020204" pitchFamily="34" charset="-128"/>
+                <a:cs typeface="Arial Unicode MS" panose="020B0604020202020204" pitchFamily="34" charset="-128"/>
+              </a:rPr>
+              <a:t>Limitations</a:t>
             </a:r>
             <a:endParaRPr lang="en-US" dirty="0">
+              <a:solidFill>
+                <a:schemeClr val="bg1"/>
+              </a:solidFill>
               <a:latin typeface="Product Sans" panose="020B0403030502040203" pitchFamily="34" charset="0"/>
               <a:ea typeface="Arial Unicode MS" panose="020B0604020202020204" pitchFamily="34" charset="-128"/>
               <a:cs typeface="Arial Unicode MS" panose="020B0604020202020204" pitchFamily="34" charset="-128"/>
@@ -4831,24 +4973,36 @@
               <a:rPr lang="en-US" dirty="0" smtClean="0">
                 <a:latin typeface="Product Sans" panose="020B0403030502040203" pitchFamily="34" charset="0"/>
               </a:rPr>
-              <a:t>False Attendance </a:t>
-            </a:r>
-          </a:p>
-          <a:p>
+              <a:t>    False Attendance </a:t>
+            </a:r>
+          </a:p>
+          <a:p>
+            <a:r>
+              <a:rPr lang="en-US" dirty="0" smtClean="0">
+                <a:latin typeface="Product Sans" panose="020B0403030502040203" pitchFamily="34" charset="0"/>
+              </a:rPr>
+              <a:t>    Lack </a:t>
+            </a:r>
             <a:r>
               <a:rPr lang="en-US" dirty="0">
                 <a:latin typeface="Product Sans" panose="020B0403030502040203" pitchFamily="34" charset="0"/>
               </a:rPr>
-              <a:t>Lack of Accuracy</a:t>
+              <a:t>of Accuracy</a:t>
             </a:r>
           </a:p>
           <a:p>
             <a:pPr lvl="1"/>
+            <a:r>
+              <a:rPr lang="en-US" dirty="0" smtClean="0">
+                <a:latin typeface="Product Sans" panose="020B0403030502040203" pitchFamily="34" charset="0"/>
+              </a:rPr>
+              <a:t>    As </a:t>
+            </a:r>
             <a:r>
               <a:rPr lang="en-US" dirty="0">
                 <a:latin typeface="Product Sans" panose="020B0403030502040203" pitchFamily="34" charset="0"/>
               </a:rPr>
-              <a:t>As being a computerized system, our system can recognize persons’ faces with 92% </a:t>
+              <a:t>being a computerized system, our system can recognize persons’ faces with 92% </a:t>
             </a:r>
             <a:r>
               <a:rPr lang="en-US" dirty="0" smtClean="0">
@@ -4858,11 +5012,17 @@
             </a:r>
           </a:p>
           <a:p>
+            <a:r>
+              <a:rPr lang="en-US" dirty="0" smtClean="0">
+                <a:latin typeface="Product Sans" panose="020B0403030502040203" pitchFamily="34" charset="0"/>
+              </a:rPr>
+              <a:t>    The </a:t>
+            </a:r>
             <a:r>
               <a:rPr lang="en-US" dirty="0">
                 <a:latin typeface="Product Sans" panose="020B0403030502040203" pitchFamily="34" charset="0"/>
               </a:rPr>
-              <a:t>The person has to keep his face all time for attendance !</a:t>
+              <a:t>person has to keep his face all time for attendance !</a:t>
             </a:r>
           </a:p>
           <a:p>
@@ -4888,6 +5048,118 @@
           </a:p>
         </p:txBody>
       </p:sp>
+      <p:sp>
+        <p:nvSpPr>
+          <p:cNvPr id="4" name="TextBox 3"/>
+          <p:cNvSpPr txBox="1"/>
+          <p:nvPr/>
+        </p:nvSpPr>
+        <p:spPr>
+          <a:xfrm>
+            <a:off x="1295400" y="6400800"/>
+            <a:ext cx="184731" cy="369332"/>
+          </a:xfrm>
+          <a:prstGeom prst="rect">
+            <a:avLst/>
+          </a:prstGeom>
+          <a:noFill/>
+        </p:spPr>
+        <p:txBody>
+          <a:bodyPr wrap="none" rtlCol="0">
+            <a:spAutoFit/>
+          </a:bodyPr>
+          <a:lstStyle/>
+          <a:p>
+            <a:endParaRPr lang="en-US" dirty="0"/>
+          </a:p>
+        </p:txBody>
+      </p:sp>
+      <p:pic>
+        <p:nvPicPr>
+          <p:cNvPr id="3074" name="Picture 2" descr="https://media.istockphoto.com/vectors/check-mark-icon-signs-vector-illustration-yes-or-no-right-and-wrong-vector-id944974906?k=6&amp;m=944974906&amp;s=170667a&amp;w=0&amp;h=UnuA-p9xlK8ZPmLOmMyCi-yKRTx7k29fQTvkGJS3WBU="/>
+          <p:cNvPicPr>
+            <a:picLocks noChangeAspect="1" noChangeArrowheads="1"/>
+          </p:cNvPicPr>
+          <p:nvPr/>
+        </p:nvPicPr>
+        <p:blipFill>
+          <a:blip r:embed="rId3" cstate="print"/>
+          <a:srcRect/>
+          <a:stretch>
+            <a:fillRect/>
+          </a:stretch>
+        </p:blipFill>
+        <p:spPr bwMode="auto">
+          <a:xfrm>
+            <a:off x="228600" y="1447800"/>
+            <a:ext cx="838200" cy="838200"/>
+          </a:xfrm>
+          <a:prstGeom prst="rect">
+            <a:avLst/>
+          </a:prstGeom>
+          <a:noFill/>
+        </p:spPr>
+      </p:pic>
+      <p:pic>
+        <p:nvPicPr>
+          <p:cNvPr id="3076" name="Picture 4" descr="https://image.shutterstock.com/image-vector/focus-icon-target-accuracy-260nw-1422011753.jpg"/>
+          <p:cNvPicPr>
+            <a:picLocks noChangeAspect="1" noChangeArrowheads="1"/>
+          </p:cNvPicPr>
+          <p:nvPr/>
+        </p:nvPicPr>
+        <p:blipFill>
+          <a:blip r:embed="rId4">
+            <a:duotone>
+              <a:schemeClr val="accent2">
+                <a:shade val="45000"/>
+                <a:satMod val="135000"/>
+              </a:schemeClr>
+              <a:prstClr val="white"/>
+            </a:duotone>
+          </a:blip>
+          <a:srcRect b="22727"/>
+          <a:stretch>
+            <a:fillRect/>
+          </a:stretch>
+        </p:blipFill>
+        <p:spPr bwMode="auto">
+          <a:xfrm>
+            <a:off x="228600" y="2057400"/>
+            <a:ext cx="824112" cy="685800"/>
+          </a:xfrm>
+          <a:prstGeom prst="rect">
+            <a:avLst/>
+          </a:prstGeom>
+          <a:noFill/>
+        </p:spPr>
+      </p:pic>
+      <p:pic>
+        <p:nvPicPr>
+          <p:cNvPr id="3078" name="Picture 6" descr="https://4.bp.blogspot.com/-jqkn00I9Zko/WLso4bB3I8I/AAAAAAAAVAQ/x4fZho9-ZvEvbuGLWR2CJDTfPH1uwuSrwCLcB/s1600/smiley-laughing-to-tears.png"/>
+          <p:cNvPicPr>
+            <a:picLocks noChangeAspect="1" noChangeArrowheads="1"/>
+          </p:cNvPicPr>
+          <p:nvPr/>
+        </p:nvPicPr>
+        <p:blipFill>
+          <a:blip r:embed="rId5"/>
+          <a:srcRect/>
+          <a:stretch>
+            <a:fillRect/>
+          </a:stretch>
+        </p:blipFill>
+        <p:spPr bwMode="auto">
+          <a:xfrm flipH="1">
+            <a:off x="152400" y="3962400"/>
+            <a:ext cx="762000" cy="762000"/>
+          </a:xfrm>
+          <a:prstGeom prst="rect">
+            <a:avLst/>
+          </a:prstGeom>
+          <a:noFill/>
+        </p:spPr>
+      </p:pic>
     </p:spTree>
     <p:extLst>
       <p:ext uri="{BB962C8B-B14F-4D97-AF65-F5344CB8AC3E}">
@@ -4898,6 +5170,13 @@
   <p:clrMapOvr>
     <a:masterClrMapping/>
   </p:clrMapOvr>
+  <p:timing>
+    <p:tnLst>
+      <p:par>
+        <p:cTn id="1" dur="indefinite" restart="never" nodeType="tmRoot"/>
+      </p:par>
+    </p:tnLst>
+  </p:timing>
 </p:sld>
 </file>
 
@@ -4918,6 +5197,34 @@
           <a:chExt cx="0" cy="0"/>
         </a:xfrm>
       </p:grpSpPr>
+      <p:pic>
+        <p:nvPicPr>
+          <p:cNvPr id="2050" name="Picture 2" descr="https://c7.uihere.com/files/32/104/1018/green-wave-brush-brush-stroke.jpg"/>
+          <p:cNvPicPr>
+            <a:picLocks noChangeAspect="1" noChangeArrowheads="1"/>
+          </p:cNvPicPr>
+          <p:nvPr/>
+        </p:nvPicPr>
+        <p:blipFill>
+          <a:blip r:embed="rId2">
+            <a:lum contrast="40000"/>
+          </a:blip>
+          <a:srcRect r="8791"/>
+          <a:stretch>
+            <a:fillRect/>
+          </a:stretch>
+        </p:blipFill>
+        <p:spPr bwMode="auto">
+          <a:xfrm>
+            <a:off x="1600200" y="-409576"/>
+            <a:ext cx="6324600" cy="2162176"/>
+          </a:xfrm>
+          <a:prstGeom prst="rect">
+            <a:avLst/>
+          </a:prstGeom>
+          <a:noFill/>
+        </p:spPr>
+      </p:pic>
       <p:sp>
         <p:nvSpPr>
           <p:cNvPr id="2" name="Title 1"/>
@@ -4935,11 +5242,47 @@
           <a:p>
             <a:r>
               <a:rPr lang="en-US" dirty="0" smtClean="0">
-                <a:latin typeface="Product Sans" pitchFamily="34" charset="0"/>
-              </a:rPr>
-              <a:t>Good Things!</a:t>
+                <a:solidFill>
+                  <a:schemeClr val="bg1"/>
+                </a:solidFill>
+                <a:latin typeface="Product Sans" pitchFamily="34" charset="0"/>
+              </a:rPr>
+              <a:t>Good</a:t>
+            </a:r>
+            <a:r>
+              <a:rPr lang="en-US" dirty="0" smtClean="0">
+                <a:latin typeface="Product Sans" pitchFamily="34" charset="0"/>
+              </a:rPr>
+              <a:t> </a:t>
+            </a:r>
+            <a:r>
+              <a:rPr lang="en-US" dirty="0" smtClean="0">
+                <a:solidFill>
+                  <a:schemeClr val="bg1">
+                    <a:lumMod val="95000"/>
+                  </a:schemeClr>
+                </a:solidFill>
+                <a:latin typeface="Product Sans" pitchFamily="34" charset="0"/>
+              </a:rPr>
+              <a:t>Things</a:t>
+            </a:r>
+            <a:r>
+              <a:rPr lang="en-US" sz="5400" dirty="0" smtClean="0">
+                <a:solidFill>
+                  <a:schemeClr val="bg1">
+                    <a:lumMod val="95000"/>
+                  </a:schemeClr>
+                </a:solidFill>
+                <a:latin typeface="Product Sans" pitchFamily="34" charset="0"/>
+              </a:rPr>
+              <a:t>!</a:t>
             </a:r>
             <a:endParaRPr lang="en-US" dirty="0">
+              <a:solidFill>
+                <a:schemeClr val="bg1">
+                  <a:lumMod val="95000"/>
+                </a:schemeClr>
+              </a:solidFill>
               <a:latin typeface="Product Sans" pitchFamily="34" charset="0"/>
             </a:endParaRPr>
           </a:p>
@@ -4957,48 +5300,124 @@
         </p:nvSpPr>
         <p:spPr/>
         <p:txBody>
-          <a:bodyPr/>
-          <a:lstStyle/>
-          <a:p>
-            <a:r>
-              <a:rPr lang="en-US" dirty="0" smtClean="0">
-                <a:latin typeface="Product Sans" pitchFamily="34" charset="0"/>
-              </a:rPr>
-              <a:t>Cheap ( Affordable under </a:t>
+          <a:bodyPr>
+            <a:normAutofit fontScale="92500"/>
+          </a:bodyPr>
+          <a:lstStyle/>
+          <a:p>
+            <a:r>
+              <a:rPr lang="en-US" dirty="0" smtClean="0">
+                <a:latin typeface="Product Sans" pitchFamily="34" charset="0"/>
+              </a:rPr>
+              <a:t>Cheap ( </a:t>
+            </a:r>
+            <a:r>
+              <a:rPr lang="en-US" dirty="0" smtClean="0">
+                <a:solidFill>
+                  <a:srgbClr val="92D050"/>
+                </a:solidFill>
+                <a:latin typeface="Product Sans" pitchFamily="34" charset="0"/>
+              </a:rPr>
+              <a:t>Affordable</a:t>
+            </a:r>
+            <a:r>
+              <a:rPr lang="en-US" dirty="0" smtClean="0">
+                <a:latin typeface="Product Sans" pitchFamily="34" charset="0"/>
+              </a:rPr>
+              <a:t> under </a:t>
             </a:r>
             <a:r>
               <a:rPr lang="en-US" dirty="0" err="1" smtClean="0">
+                <a:solidFill>
+                  <a:srgbClr val="92D050"/>
+                </a:solidFill>
                 <a:latin typeface="Product Sans" pitchFamily="34" charset="0"/>
               </a:rPr>
               <a:t>Rs</a:t>
             </a:r>
             <a:r>
               <a:rPr lang="en-US" dirty="0" smtClean="0">
-                <a:latin typeface="Product Sans" pitchFamily="34" charset="0"/>
-              </a:rPr>
-              <a:t>. 1000 )</a:t>
-            </a:r>
-          </a:p>
-          <a:p>
-            <a:r>
-              <a:rPr lang="en-US" dirty="0" smtClean="0">
-                <a:latin typeface="Product Sans" pitchFamily="34" charset="0"/>
-              </a:rPr>
-              <a:t>For Good results the party can buy costly camera for better accuracy and better results</a:t>
-            </a:r>
-          </a:p>
-          <a:p>
-            <a:r>
-              <a:rPr lang="en-US" dirty="0" smtClean="0">
-                <a:latin typeface="Product Sans" pitchFamily="34" charset="0"/>
-              </a:rPr>
-              <a:t>Only a simple working Computer !</a:t>
-            </a:r>
+                <a:solidFill>
+                  <a:srgbClr val="92D050"/>
+                </a:solidFill>
+                <a:latin typeface="Product Sans" pitchFamily="34" charset="0"/>
+              </a:rPr>
+              <a:t>.</a:t>
+            </a:r>
+            <a:r>
+              <a:rPr lang="en-US" dirty="0" smtClean="0">
+                <a:latin typeface="Product Sans" pitchFamily="34" charset="0"/>
+              </a:rPr>
+              <a:t> 1000 )</a:t>
+            </a:r>
+          </a:p>
+          <a:p>
             <a:endParaRPr lang="en-US" dirty="0" smtClean="0">
               <a:latin typeface="Product Sans" pitchFamily="34" charset="0"/>
             </a:endParaRPr>
           </a:p>
           <a:p>
+            <a:r>
+              <a:rPr lang="en-US" dirty="0" smtClean="0">
+                <a:latin typeface="Product Sans" pitchFamily="34" charset="0"/>
+              </a:rPr>
+              <a:t>For </a:t>
+            </a:r>
+            <a:r>
+              <a:rPr lang="en-US" dirty="0" smtClean="0">
+                <a:solidFill>
+                  <a:srgbClr val="92D050"/>
+                </a:solidFill>
+                <a:latin typeface="Product Sans" pitchFamily="34" charset="0"/>
+              </a:rPr>
+              <a:t>Good</a:t>
+            </a:r>
+            <a:r>
+              <a:rPr lang="en-US" dirty="0" smtClean="0">
+                <a:latin typeface="Product Sans" pitchFamily="34" charset="0"/>
+              </a:rPr>
+              <a:t> </a:t>
+            </a:r>
+            <a:r>
+              <a:rPr lang="en-US" dirty="0" smtClean="0">
+                <a:solidFill>
+                  <a:srgbClr val="92D050"/>
+                </a:solidFill>
+                <a:latin typeface="Product Sans" pitchFamily="34" charset="0"/>
+              </a:rPr>
+              <a:t>results</a:t>
+            </a:r>
+            <a:r>
+              <a:rPr lang="en-US" dirty="0" smtClean="0">
+                <a:latin typeface="Product Sans" pitchFamily="34" charset="0"/>
+              </a:rPr>
+              <a:t> the party can buy costly camera for better accuracy and better results</a:t>
+            </a:r>
+          </a:p>
+          <a:p>
+            <a:r>
+              <a:rPr lang="en-US" dirty="0" smtClean="0">
+                <a:latin typeface="Product Sans" pitchFamily="34" charset="0"/>
+              </a:rPr>
+              <a:t>Only a </a:t>
+            </a:r>
+            <a:r>
+              <a:rPr lang="en-US" dirty="0" smtClean="0">
+                <a:solidFill>
+                  <a:srgbClr val="92D050"/>
+                </a:solidFill>
+                <a:latin typeface="Product Sans" pitchFamily="34" charset="0"/>
+              </a:rPr>
+              <a:t>simple </a:t>
+            </a:r>
+            <a:r>
+              <a:rPr lang="en-US" dirty="0" smtClean="0">
+                <a:latin typeface="Product Sans" pitchFamily="34" charset="0"/>
+              </a:rPr>
+              <a:t>working Computer !</a:t>
+            </a:r>
+          </a:p>
+          <a:p>
             <a:endParaRPr lang="en-US" dirty="0" smtClean="0">
               <a:latin typeface="Product Sans" pitchFamily="34" charset="0"/>
             </a:endParaRPr>
@@ -5008,7 +5427,7 @@
               <a:rPr lang="en-US" dirty="0" smtClean="0">
                 <a:latin typeface="Product Sans" pitchFamily="34" charset="0"/>
               </a:rPr>
-              <a:t>The party can enjoy the perks of having such an automated system !</a:t>
+              <a:t>      The party can enjoy the perks of having such an automated system !</a:t>
             </a:r>
             <a:endParaRPr lang="en-US" dirty="0">
               <a:latin typeface="Product Sans" pitchFamily="34" charset="0"/>
@@ -5016,6 +5435,105 @@
           </a:p>
         </p:txBody>
       </p:sp>
+      <p:pic>
+        <p:nvPicPr>
+          <p:cNvPr id="7" name="Picture 6" descr="art.jpg"/>
+          <p:cNvPicPr>
+            <a:picLocks noChangeAspect="1"/>
+          </p:cNvPicPr>
+          <p:nvPr/>
+        </p:nvPicPr>
+        <p:blipFill>
+          <a:blip r:embed="rId3" cstate="print"/>
+          <a:srcRect r="19231"/>
+          <a:stretch>
+            <a:fillRect/>
+          </a:stretch>
+        </p:blipFill>
+        <p:spPr>
+          <a:xfrm>
+            <a:off x="304800" y="1524000"/>
+            <a:ext cx="533400" cy="660400"/>
+          </a:xfrm>
+          <a:prstGeom prst="rect">
+            <a:avLst/>
+          </a:prstGeom>
+        </p:spPr>
+      </p:pic>
+      <p:pic>
+        <p:nvPicPr>
+          <p:cNvPr id="8" name="Picture 7" descr="art.jpg"/>
+          <p:cNvPicPr>
+            <a:picLocks noChangeAspect="1"/>
+          </p:cNvPicPr>
+          <p:nvPr/>
+        </p:nvPicPr>
+        <p:blipFill>
+          <a:blip r:embed="rId4" cstate="print"/>
+          <a:stretch>
+            <a:fillRect/>
+          </a:stretch>
+        </p:blipFill>
+        <p:spPr>
+          <a:xfrm>
+            <a:off x="152400" y="2590800"/>
+            <a:ext cx="685800" cy="685800"/>
+          </a:xfrm>
+          <a:prstGeom prst="rect">
+            <a:avLst/>
+          </a:prstGeom>
+        </p:spPr>
+      </p:pic>
+      <p:pic>
+        <p:nvPicPr>
+          <p:cNvPr id="9" name="Picture 8" descr="art.jpg"/>
+          <p:cNvPicPr>
+            <a:picLocks noChangeAspect="1"/>
+          </p:cNvPicPr>
+          <p:nvPr/>
+        </p:nvPicPr>
+        <p:blipFill>
+          <a:blip r:embed="rId5" cstate="print"/>
+          <a:stretch>
+            <a:fillRect/>
+          </a:stretch>
+        </p:blipFill>
+        <p:spPr>
+          <a:xfrm>
+            <a:off x="152400" y="3657600"/>
+            <a:ext cx="685800" cy="685800"/>
+          </a:xfrm>
+          <a:prstGeom prst="rect">
+            <a:avLst/>
+          </a:prstGeom>
+        </p:spPr>
+      </p:pic>
+      <p:pic>
+        <p:nvPicPr>
+          <p:cNvPr id="2054" name="Picture 6" descr="https://www.rcboe.org/cms/lib/GA01903614/Centricity/Domain/8081/Perks.png"/>
+          <p:cNvPicPr>
+            <a:picLocks noChangeAspect="1" noChangeArrowheads="1"/>
+          </p:cNvPicPr>
+          <p:nvPr/>
+        </p:nvPicPr>
+        <p:blipFill>
+          <a:blip r:embed="rId6" cstate="print"/>
+          <a:srcRect/>
+          <a:stretch>
+            <a:fillRect/>
+          </a:stretch>
+        </p:blipFill>
+        <p:spPr bwMode="auto">
+          <a:xfrm>
+            <a:off x="151314" y="4648200"/>
+            <a:ext cx="1220286" cy="685800"/>
+          </a:xfrm>
+          <a:prstGeom prst="rect">
+            <a:avLst/>
+          </a:prstGeom>
+          <a:noFill/>
+        </p:spPr>
+      </p:pic>
     </p:spTree>
     <p:extLst>
       <p:ext uri="{BB962C8B-B14F-4D97-AF65-F5344CB8AC3E}">
@@ -5026,6 +5544,13 @@
   <p:clrMapOvr>
     <a:masterClrMapping/>
   </p:clrMapOvr>
+  <p:timing>
+    <p:tnLst>
+      <p:par>
+        <p:cTn id="1" dur="indefinite" restart="never" nodeType="tmRoot"/>
+      </p:par>
+    </p:tnLst>
+  </p:timing>
 </p:sld>
 </file>
 
@@ -5061,7 +5586,37 @@
           <a:bodyPr/>
           <a:lstStyle/>
           <a:p>
-            <a:endParaRPr lang="en-US"/>
+            <a:pPr algn="l"/>
+            <a:r>
+              <a:rPr lang="en-US" dirty="0" smtClean="0">
+                <a:solidFill>
+                  <a:schemeClr val="accent1">
+                    <a:lumMod val="75000"/>
+                  </a:schemeClr>
+                </a:solidFill>
+                <a:latin typeface="Product Sans" pitchFamily="34" charset="0"/>
+              </a:rPr>
+              <a:t>Stack Holder</a:t>
+            </a:r>
+            <a:r>
+              <a:rPr lang="en-US" sz="2800" dirty="0" smtClean="0">
+                <a:solidFill>
+                  <a:schemeClr val="accent1">
+                    <a:lumMod val="75000"/>
+                  </a:schemeClr>
+                </a:solidFill>
+                <a:latin typeface="Product Sans" pitchFamily="34" charset="0"/>
+              </a:rPr>
+              <a:t>(s)</a:t>
+            </a:r>
+            <a:endParaRPr lang="en-US" dirty="0">
+              <a:solidFill>
+                <a:schemeClr val="accent1">
+                  <a:lumMod val="75000"/>
+                </a:schemeClr>
+              </a:solidFill>
+              <a:latin typeface="Product Sans" pitchFamily="34" charset="0"/>
+            </a:endParaRPr>
           </a:p>
         </p:txBody>
       </p:sp>
@@ -5080,7 +5635,63 @@
           <a:bodyPr/>
           <a:lstStyle/>
           <a:p>
-            <a:endParaRPr lang="en-US"/>
+            <a:pPr marL="571500" indent="-571500">
+              <a:buFont typeface="Wingdings" pitchFamily="2" charset="2"/>
+              <a:buChar char="ü"/>
+            </a:pPr>
+            <a:r>
+              <a:rPr lang="en-US" dirty="0" smtClean="0">
+                <a:solidFill>
+                  <a:schemeClr val="accent1">
+                    <a:lumMod val="50000"/>
+                  </a:schemeClr>
+                </a:solidFill>
+                <a:latin typeface="Product Sans" pitchFamily="34" charset="0"/>
+              </a:rPr>
+              <a:t>Companies</a:t>
+            </a:r>
+          </a:p>
+          <a:p>
+            <a:pPr marL="571500" indent="-571500">
+              <a:buFont typeface="Wingdings" pitchFamily="2" charset="2"/>
+              <a:buChar char="ü"/>
+            </a:pPr>
+            <a:r>
+              <a:rPr lang="en-US" dirty="0" smtClean="0">
+                <a:solidFill>
+                  <a:schemeClr val="accent1">
+                    <a:lumMod val="50000"/>
+                  </a:schemeClr>
+                </a:solidFill>
+                <a:latin typeface="Product Sans" pitchFamily="34" charset="0"/>
+              </a:rPr>
+              <a:t>Offices</a:t>
+            </a:r>
+          </a:p>
+          <a:p>
+            <a:pPr marL="571500" indent="-571500">
+              <a:buFont typeface="Wingdings" pitchFamily="2" charset="2"/>
+              <a:buChar char="ü"/>
+            </a:pPr>
+            <a:r>
+              <a:rPr lang="en-US" dirty="0" smtClean="0">
+                <a:solidFill>
+                  <a:schemeClr val="accent1">
+                    <a:lumMod val="50000"/>
+                  </a:schemeClr>
+                </a:solidFill>
+                <a:latin typeface="Product Sans" pitchFamily="34" charset="0"/>
+              </a:rPr>
+              <a:t>Schools &amp; Colleges ( For Staff )</a:t>
+            </a:r>
+            <a:endParaRPr lang="en-US" dirty="0">
+              <a:solidFill>
+                <a:schemeClr val="accent1">
+                  <a:lumMod val="50000"/>
+                </a:schemeClr>
+              </a:solidFill>
+              <a:latin typeface="Product Sans" pitchFamily="34" charset="0"/>
+            </a:endParaRPr>
           </a:p>
         </p:txBody>
       </p:sp>
@@ -5094,6 +5705,310 @@
   <p:clrMapOvr>
     <a:masterClrMapping/>
   </p:clrMapOvr>
+  <p:timing>
+    <p:tnLst>
+      <p:par>
+        <p:cTn id="1" dur="indefinite" restart="never" nodeType="tmRoot"/>
+      </p:par>
+    </p:tnLst>
+  </p:timing>
+</p:sld>
+</file>
+
+<file path=ppt/slides/slide15.xml><?xml version="1.0" encoding="utf-8"?>
+<p:sld xmlns:a="http://schemas.openxmlformats.org/drawingml/2006/main" xmlns:r="http://schemas.openxmlformats.org/officeDocument/2006/relationships" xmlns:p="http://schemas.openxmlformats.org/presentationml/2006/main">
+  <p:cSld>
+    <p:spTree>
+      <p:nvGrpSpPr>
+        <p:cNvPr id="1" name=""/>
+        <p:cNvGrpSpPr/>
+        <p:nvPr/>
+      </p:nvGrpSpPr>
+      <p:grpSpPr>
+        <a:xfrm>
+          <a:off x="0" y="0"/>
+          <a:ext cx="0" cy="0"/>
+          <a:chOff x="0" y="0"/>
+          <a:chExt cx="0" cy="0"/>
+        </a:xfrm>
+      </p:grpSpPr>
+      <p:sp>
+        <p:nvSpPr>
+          <p:cNvPr id="2" name="Title 1"/>
+          <p:cNvSpPr>
+            <a:spLocks noGrp="1"/>
+          </p:cNvSpPr>
+          <p:nvPr>
+            <p:ph type="title"/>
+          </p:nvPr>
+        </p:nvSpPr>
+        <p:spPr/>
+        <p:txBody>
+          <a:bodyPr/>
+          <a:lstStyle/>
+          <a:p>
+            <a:r>
+              <a:rPr lang="en-US" dirty="0" smtClean="0">
+                <a:latin typeface="Product Sans" pitchFamily="34" charset="0"/>
+              </a:rPr>
+              <a:t>References</a:t>
+            </a:r>
+            <a:endParaRPr lang="en-US" dirty="0">
+              <a:latin typeface="Product Sans" pitchFamily="34" charset="0"/>
+            </a:endParaRPr>
+          </a:p>
+        </p:txBody>
+      </p:sp>
+      <p:sp>
+        <p:nvSpPr>
+          <p:cNvPr id="3" name="Content Placeholder 2"/>
+          <p:cNvSpPr>
+            <a:spLocks noGrp="1"/>
+          </p:cNvSpPr>
+          <p:nvPr>
+            <p:ph idx="1"/>
+          </p:nvPr>
+        </p:nvSpPr>
+        <p:spPr/>
+        <p:txBody>
+          <a:bodyPr/>
+          <a:lstStyle/>
+          <a:p>
+            <a:r>
+              <a:rPr lang="en-US" sz="2400" dirty="0" smtClean="0">
+                <a:latin typeface="Product Sans" pitchFamily="34" charset="0"/>
+                <a:hlinkClick r:id="rId2"/>
+              </a:rPr>
+              <a:t>www.shutterstock.com</a:t>
+            </a:r>
+            <a:r>
+              <a:rPr lang="en-US" dirty="0" smtClean="0">
+                <a:latin typeface="Product Sans" pitchFamily="34" charset="0"/>
+              </a:rPr>
+              <a:t> -- </a:t>
+            </a:r>
+            <a:r>
+              <a:rPr lang="en-US" sz="2800" dirty="0" smtClean="0">
+                <a:latin typeface="Product Sans" pitchFamily="34" charset="0"/>
+              </a:rPr>
+              <a:t>Images</a:t>
+            </a:r>
+            <a:endParaRPr lang="en-US" dirty="0" smtClean="0">
+              <a:latin typeface="Product Sans" pitchFamily="34" charset="0"/>
+            </a:endParaRPr>
+          </a:p>
+          <a:p>
+            <a:r>
+              <a:rPr lang="en-US" sz="2400" dirty="0" smtClean="0">
+                <a:latin typeface="Product Sans" pitchFamily="34" charset="0"/>
+                <a:hlinkClick r:id="rId3"/>
+              </a:rPr>
+              <a:t>www.vectorstock.com</a:t>
+            </a:r>
+            <a:r>
+              <a:rPr lang="en-US" dirty="0" smtClean="0">
+                <a:latin typeface="Product Sans" pitchFamily="34" charset="0"/>
+              </a:rPr>
+              <a:t>  -- </a:t>
+            </a:r>
+            <a:r>
+              <a:rPr lang="en-US" sz="2800" dirty="0" smtClean="0">
+                <a:latin typeface="Product Sans" pitchFamily="34" charset="0"/>
+              </a:rPr>
+              <a:t>Symbols</a:t>
+            </a:r>
+            <a:endParaRPr lang="en-US" dirty="0" smtClean="0">
+              <a:latin typeface="Product Sans" pitchFamily="34" charset="0"/>
+            </a:endParaRPr>
+          </a:p>
+          <a:p>
+            <a:r>
+              <a:rPr lang="en-US" sz="2400" dirty="0" smtClean="0">
+                <a:latin typeface="Product Sans" pitchFamily="34" charset="0"/>
+                <a:hlinkClick r:id="rId4"/>
+              </a:rPr>
+              <a:t>https://github.com/satinder147/Attendance-using-Face</a:t>
+            </a:r>
+            <a:r>
+              <a:rPr lang="en-US" sz="2800" dirty="0" smtClean="0">
+                <a:latin typeface="Product Sans" pitchFamily="34" charset="0"/>
+              </a:rPr>
+              <a:t> </a:t>
+            </a:r>
+            <a:r>
+              <a:rPr lang="en-US" dirty="0" smtClean="0">
+                <a:latin typeface="Product Sans" pitchFamily="34" charset="0"/>
+              </a:rPr>
+              <a:t>-- </a:t>
+            </a:r>
+            <a:r>
+              <a:rPr lang="en-US" sz="2800" dirty="0" smtClean="0">
+                <a:latin typeface="Product Sans" pitchFamily="34" charset="0"/>
+              </a:rPr>
+              <a:t>Implementation Ideas</a:t>
+            </a:r>
+            <a:endParaRPr lang="en-US" dirty="0" smtClean="0">
+              <a:latin typeface="Product Sans" pitchFamily="34" charset="0"/>
+            </a:endParaRPr>
+          </a:p>
+          <a:p>
+            <a:r>
+              <a:rPr lang="en-US" sz="2400" dirty="0" smtClean="0">
+                <a:latin typeface="Product Sans" pitchFamily="34" charset="0"/>
+                <a:hlinkClick r:id="rId5"/>
+              </a:rPr>
+              <a:t>www.stackoverflow.com</a:t>
+            </a:r>
+            <a:r>
+              <a:rPr lang="en-US" dirty="0" smtClean="0">
+                <a:latin typeface="Product Sans" pitchFamily="34" charset="0"/>
+              </a:rPr>
+              <a:t> -- </a:t>
+            </a:r>
+            <a:r>
+              <a:rPr lang="en-US" sz="2800" dirty="0" smtClean="0">
+                <a:latin typeface="Product Sans" pitchFamily="34" charset="0"/>
+              </a:rPr>
+              <a:t>Confusion Solution</a:t>
+            </a:r>
+            <a:endParaRPr lang="en-US" dirty="0" smtClean="0">
+              <a:latin typeface="Product Sans" pitchFamily="34" charset="0"/>
+            </a:endParaRPr>
+          </a:p>
+          <a:p>
+            <a:endParaRPr lang="en-US" dirty="0" smtClean="0">
+              <a:latin typeface="Product Sans" pitchFamily="34" charset="0"/>
+            </a:endParaRPr>
+          </a:p>
+          <a:p>
+            <a:endParaRPr lang="en-US" dirty="0" smtClean="0">
+              <a:latin typeface="Product Sans" pitchFamily="34" charset="0"/>
+            </a:endParaRPr>
+          </a:p>
+          <a:p>
+            <a:endParaRPr lang="en-US" dirty="0" smtClean="0">
+              <a:latin typeface="Product Sans" pitchFamily="34" charset="0"/>
+            </a:endParaRPr>
+          </a:p>
+          <a:p>
+            <a:endParaRPr lang="en-US" dirty="0" smtClean="0">
+              <a:latin typeface="Product Sans" pitchFamily="34" charset="0"/>
+            </a:endParaRPr>
+          </a:p>
+          <a:p>
+            <a:endParaRPr lang="en-US" dirty="0" smtClean="0">
+              <a:latin typeface="Product Sans" pitchFamily="34" charset="0"/>
+            </a:endParaRPr>
+          </a:p>
+          <a:p>
+            <a:endParaRPr lang="en-US" dirty="0">
+              <a:latin typeface="Product Sans" pitchFamily="34" charset="0"/>
+            </a:endParaRPr>
+          </a:p>
+        </p:txBody>
+      </p:sp>
+    </p:spTree>
+  </p:cSld>
+  <p:clrMapOvr>
+    <a:masterClrMapping/>
+  </p:clrMapOvr>
+  <p:timing>
+    <p:tnLst>
+      <p:par>
+        <p:cTn id="1" dur="indefinite" restart="never" nodeType="tmRoot"/>
+      </p:par>
+    </p:tnLst>
+  </p:timing>
+</p:sld>
+</file>
+
+<file path=ppt/slides/slide16.xml><?xml version="1.0" encoding="utf-8"?>
+<p:sld xmlns:a="http://schemas.openxmlformats.org/drawingml/2006/main" xmlns:r="http://schemas.openxmlformats.org/officeDocument/2006/relationships" xmlns:p="http://schemas.openxmlformats.org/presentationml/2006/main">
+  <p:cSld>
+    <p:spTree>
+      <p:nvGrpSpPr>
+        <p:cNvPr id="1" name=""/>
+        <p:cNvGrpSpPr/>
+        <p:nvPr/>
+      </p:nvGrpSpPr>
+      <p:grpSpPr>
+        <a:xfrm>
+          <a:off x="0" y="0"/>
+          <a:ext cx="0" cy="0"/>
+          <a:chOff x="0" y="0"/>
+          <a:chExt cx="0" cy="0"/>
+        </a:xfrm>
+      </p:grpSpPr>
+      <p:sp>
+        <p:nvSpPr>
+          <p:cNvPr id="2" name="Title 1"/>
+          <p:cNvSpPr>
+            <a:spLocks noGrp="1"/>
+          </p:cNvSpPr>
+          <p:nvPr>
+            <p:ph type="title"/>
+          </p:nvPr>
+        </p:nvSpPr>
+        <p:spPr>
+          <a:xfrm>
+            <a:off x="609600" y="1676400"/>
+            <a:ext cx="8229600" cy="1143000"/>
+          </a:xfrm>
+        </p:spPr>
+        <p:txBody>
+          <a:bodyPr>
+            <a:noAutofit/>
+          </a:bodyPr>
+          <a:lstStyle/>
+          <a:p>
+            <a:r>
+              <a:rPr lang="en-US" sz="7200" dirty="0" smtClean="0">
+                <a:latin typeface="Product Sans" pitchFamily="34" charset="0"/>
+              </a:rPr>
+              <a:t>THANKS !</a:t>
+            </a:r>
+            <a:endParaRPr lang="en-US" sz="7200" dirty="0">
+              <a:latin typeface="Product Sans" pitchFamily="34" charset="0"/>
+            </a:endParaRPr>
+          </a:p>
+        </p:txBody>
+      </p:sp>
+      <p:pic>
+        <p:nvPicPr>
+          <p:cNvPr id="5" name="Picture 4" descr="tenor.gif"/>
+          <p:cNvPicPr>
+            <a:picLocks noChangeAspect="1"/>
+          </p:cNvPicPr>
+          <p:nvPr/>
+        </p:nvPicPr>
+        <p:blipFill>
+          <a:blip r:embed="rId2"/>
+          <a:stretch>
+            <a:fillRect/>
+          </a:stretch>
+        </p:blipFill>
+        <p:spPr>
+          <a:xfrm>
+            <a:off x="2971800" y="2971800"/>
+            <a:ext cx="3307695" cy="3352800"/>
+          </a:xfrm>
+          <a:prstGeom prst="rect">
+            <a:avLst/>
+          </a:prstGeom>
+        </p:spPr>
+      </p:pic>
+    </p:spTree>
+  </p:cSld>
+  <p:clrMapOvr>
+    <a:masterClrMapping/>
+  </p:clrMapOvr>
+  <p:timing>
+    <p:tnLst>
+      <p:par>
+        <p:cTn id="1" dur="indefinite" restart="never" nodeType="tmRoot"/>
+      </p:par>
+    </p:tnLst>
+  </p:timing>
 </p:sld>
 </file>
 
@@ -7003,6 +7918,13 @@
   <p:clrMapOvr>
     <a:masterClrMapping/>
   </p:clrMapOvr>
+  <p:timing>
+    <p:tnLst>
+      <p:par>
+        <p:cTn id="1" dur="indefinite" restart="never" nodeType="tmRoot"/>
+      </p:par>
+    </p:tnLst>
+  </p:timing>
 </p:sld>
 </file>
 
@@ -7806,6 +8728,13 @@
   <p:clrMapOvr>
     <a:masterClrMapping/>
   </p:clrMapOvr>
+  <p:timing>
+    <p:tnLst>
+      <p:par>
+        <p:cTn id="1" dur="indefinite" restart="never" nodeType="tmRoot"/>
+      </p:par>
+    </p:tnLst>
+  </p:timing>
 </p:sld>
 </file>
 
@@ -8118,6 +9047,13 @@
   <p:clrMapOvr>
     <a:masterClrMapping/>
   </p:clrMapOvr>
+  <p:timing>
+    <p:tnLst>
+      <p:par>
+        <p:cTn id="1" dur="indefinite" restart="never" nodeType="tmRoot"/>
+      </p:par>
+    </p:tnLst>
+  </p:timing>
 </p:sld>
 </file>
 
@@ -8138,6 +9074,32 @@
           <a:chExt cx="0" cy="0"/>
         </a:xfrm>
       </p:grpSpPr>
+      <p:pic>
+        <p:nvPicPr>
+          <p:cNvPr id="15" name="Picture 14" descr="79-794261_clipart-ok-thumbsup-good-yellow-fine-emojisticker-yes.png"/>
+          <p:cNvPicPr>
+            <a:picLocks noChangeAspect="1"/>
+          </p:cNvPicPr>
+          <p:nvPr/>
+        </p:nvPicPr>
+        <p:blipFill>
+          <a:blip r:embed="rId2" cstate="print">
+            <a:lum bright="40000" contrast="-40000"/>
+          </a:blip>
+          <a:stretch>
+            <a:fillRect/>
+          </a:stretch>
+        </p:blipFill>
+        <p:spPr>
+          <a:xfrm>
+            <a:off x="4648200" y="3352800"/>
+            <a:ext cx="5943600" cy="4186359"/>
+          </a:xfrm>
+          <a:prstGeom prst="rect">
+            <a:avLst/>
+          </a:prstGeom>
+        </p:spPr>
+      </p:pic>
       <p:sp>
         <p:nvSpPr>
           <p:cNvPr id="2" name="Title 1"/>
@@ -8408,7 +9370,7 @@
           <p:nvPr/>
         </p:nvPicPr>
         <p:blipFill>
-          <a:blip r:embed="rId2"/>
+          <a:blip r:embed="rId3"/>
           <a:srcRect l="31667" t="37125" r="29167" b="46781"/>
           <a:stretch>
             <a:fillRect/>
@@ -8433,7 +9395,7 @@
           <p:nvPr/>
         </p:nvPicPr>
         <p:blipFill>
-          <a:blip r:embed="rId2">
+          <a:blip r:embed="rId3">
             <a:duotone>
               <a:schemeClr val="accent2">
                 <a:shade val="45000"/>
@@ -8500,7 +9462,7 @@
           <p:nvPr/>
         </p:nvPicPr>
         <p:blipFill>
-          <a:blip r:embed="rId3" cstate="print"/>
+          <a:blip r:embed="rId2" cstate="print"/>
           <a:stretch>
             <a:fillRect/>
           </a:stretch>
@@ -8699,6 +9661,13 @@
   <p:clrMapOvr>
     <a:masterClrMapping/>
   </p:clrMapOvr>
+  <p:timing>
+    <p:tnLst>
+      <p:par>
+        <p:cTn id="1" dur="indefinite" restart="never" nodeType="tmRoot"/>
+      </p:par>
+    </p:tnLst>
+  </p:timing>
 </p:sld>
 </file>
 
